--- a/rapport/presentation/final.pptx
+++ b/rapport/presentation/final.pptx
@@ -4,22 +4,25 @@
   <p:sldMasterIdLst>
     <p:sldMasterId id="2147483702" r:id="rId1"/>
   </p:sldMasterIdLst>
+  <p:notesMasterIdLst>
+    <p:notesMasterId r:id="rId23"/>
+  </p:notesMasterIdLst>
   <p:sldIdLst>
     <p:sldId id="256" r:id="rId2"/>
     <p:sldId id="257" r:id="rId3"/>
-    <p:sldId id="258" r:id="rId4"/>
-    <p:sldId id="277" r:id="rId5"/>
-    <p:sldId id="278" r:id="rId6"/>
-    <p:sldId id="259" r:id="rId7"/>
-    <p:sldId id="262" r:id="rId8"/>
-    <p:sldId id="263" r:id="rId9"/>
-    <p:sldId id="260" r:id="rId10"/>
-    <p:sldId id="275" r:id="rId11"/>
-    <p:sldId id="265" r:id="rId12"/>
-    <p:sldId id="266" r:id="rId13"/>
-    <p:sldId id="267" r:id="rId14"/>
-    <p:sldId id="276" r:id="rId15"/>
-    <p:sldId id="268" r:id="rId16"/>
+    <p:sldId id="277" r:id="rId4"/>
+    <p:sldId id="278" r:id="rId5"/>
+    <p:sldId id="259" r:id="rId6"/>
+    <p:sldId id="262" r:id="rId7"/>
+    <p:sldId id="263" r:id="rId8"/>
+    <p:sldId id="260" r:id="rId9"/>
+    <p:sldId id="275" r:id="rId10"/>
+    <p:sldId id="265" r:id="rId11"/>
+    <p:sldId id="266" r:id="rId12"/>
+    <p:sldId id="267" r:id="rId13"/>
+    <p:sldId id="276" r:id="rId14"/>
+    <p:sldId id="268" r:id="rId15"/>
+    <p:sldId id="279" r:id="rId16"/>
     <p:sldId id="270" r:id="rId17"/>
     <p:sldId id="271" r:id="rId18"/>
     <p:sldId id="272" r:id="rId19"/>
@@ -132,6 +135,440 @@
 </p:presentation>
 </file>
 
+<file path=ppt/notesMasters/notesMaster1.xml><?xml version="1.0" encoding="utf-8"?>
+<p:notesMaster xmlns:a="http://schemas.openxmlformats.org/drawingml/2006/main" xmlns:r="http://schemas.openxmlformats.org/officeDocument/2006/relationships" xmlns:p="http://schemas.openxmlformats.org/presentationml/2006/main">
+  <p:cSld>
+    <p:bg>
+      <p:bgRef idx="1001">
+        <a:schemeClr val="bg1"/>
+      </p:bgRef>
+    </p:bg>
+    <p:spTree>
+      <p:nvGrpSpPr>
+        <p:cNvPr id="1" name=""/>
+        <p:cNvGrpSpPr/>
+        <p:nvPr/>
+      </p:nvGrpSpPr>
+      <p:grpSpPr>
+        <a:xfrm>
+          <a:off x="0" y="0"/>
+          <a:ext cx="0" cy="0"/>
+          <a:chOff x="0" y="0"/>
+          <a:chExt cx="0" cy="0"/>
+        </a:xfrm>
+      </p:grpSpPr>
+      <p:sp>
+        <p:nvSpPr>
+          <p:cNvPr id="2" name="Header Placeholder 1"/>
+          <p:cNvSpPr>
+            <a:spLocks noGrp="1"/>
+          </p:cNvSpPr>
+          <p:nvPr>
+            <p:ph type="hdr" sz="quarter"/>
+          </p:nvPr>
+        </p:nvSpPr>
+        <p:spPr>
+          <a:xfrm>
+            <a:off x="0" y="0"/>
+            <a:ext cx="2971800" cy="458788"/>
+          </a:xfrm>
+          <a:prstGeom prst="rect">
+            <a:avLst/>
+          </a:prstGeom>
+        </p:spPr>
+        <p:txBody>
+          <a:bodyPr vert="horz" lIns="91440" tIns="45720" rIns="91440" bIns="45720" rtlCol="0"/>
+          <a:lstStyle>
+            <a:lvl1pPr algn="l">
+              <a:defRPr sz="1200"/>
+            </a:lvl1pPr>
+          </a:lstStyle>
+          <a:p>
+            <a:endParaRPr lang="fr-FR"/>
+          </a:p>
+        </p:txBody>
+      </p:sp>
+      <p:sp>
+        <p:nvSpPr>
+          <p:cNvPr id="3" name="Date Placeholder 2"/>
+          <p:cNvSpPr>
+            <a:spLocks noGrp="1"/>
+          </p:cNvSpPr>
+          <p:nvPr>
+            <p:ph type="dt" idx="1"/>
+          </p:nvPr>
+        </p:nvSpPr>
+        <p:spPr>
+          <a:xfrm>
+            <a:off x="3884613" y="0"/>
+            <a:ext cx="2971800" cy="458788"/>
+          </a:xfrm>
+          <a:prstGeom prst="rect">
+            <a:avLst/>
+          </a:prstGeom>
+        </p:spPr>
+        <p:txBody>
+          <a:bodyPr vert="horz" lIns="91440" tIns="45720" rIns="91440" bIns="45720" rtlCol="0"/>
+          <a:lstStyle>
+            <a:lvl1pPr algn="r">
+              <a:defRPr sz="1200"/>
+            </a:lvl1pPr>
+          </a:lstStyle>
+          <a:p>
+            <a:fld id="{CEDD4062-BF0F-4C4E-84F5-BE84621B5D30}" type="datetimeFigureOut">
+              <a:rPr lang="fr-FR" smtClean="0"/>
+              <a:t>19/12/2015</a:t>
+            </a:fld>
+            <a:endParaRPr lang="fr-FR"/>
+          </a:p>
+        </p:txBody>
+      </p:sp>
+      <p:sp>
+        <p:nvSpPr>
+          <p:cNvPr id="4" name="Slide Image Placeholder 3"/>
+          <p:cNvSpPr>
+            <a:spLocks noGrp="1" noRot="1" noChangeAspect="1"/>
+          </p:cNvSpPr>
+          <p:nvPr>
+            <p:ph type="sldImg" idx="2"/>
+          </p:nvPr>
+        </p:nvSpPr>
+        <p:spPr>
+          <a:xfrm>
+            <a:off x="685800" y="1143000"/>
+            <a:ext cx="5486400" cy="3086100"/>
+          </a:xfrm>
+          <a:prstGeom prst="rect">
+            <a:avLst/>
+          </a:prstGeom>
+          <a:noFill/>
+          <a:ln w="12700">
+            <a:solidFill>
+              <a:prstClr val="black"/>
+            </a:solidFill>
+          </a:ln>
+        </p:spPr>
+        <p:txBody>
+          <a:bodyPr vert="horz" lIns="91440" tIns="45720" rIns="91440" bIns="45720" rtlCol="0" anchor="ctr"/>
+          <a:lstStyle/>
+          <a:p>
+            <a:endParaRPr lang="fr-FR"/>
+          </a:p>
+        </p:txBody>
+      </p:sp>
+      <p:sp>
+        <p:nvSpPr>
+          <p:cNvPr id="5" name="Notes Placeholder 4"/>
+          <p:cNvSpPr>
+            <a:spLocks noGrp="1"/>
+          </p:cNvSpPr>
+          <p:nvPr>
+            <p:ph type="body" sz="quarter" idx="3"/>
+          </p:nvPr>
+        </p:nvSpPr>
+        <p:spPr>
+          <a:xfrm>
+            <a:off x="685800" y="4400550"/>
+            <a:ext cx="5486400" cy="3600450"/>
+          </a:xfrm>
+          <a:prstGeom prst="rect">
+            <a:avLst/>
+          </a:prstGeom>
+        </p:spPr>
+        <p:txBody>
+          <a:bodyPr vert="horz" lIns="91440" tIns="45720" rIns="91440" bIns="45720" rtlCol="0"/>
+          <a:lstStyle/>
+          <a:p>
+            <a:pPr lvl="0"/>
+            <a:r>
+              <a:rPr lang="nl-BE" smtClean="0"/>
+              <a:t>Click to edit Master text styles</a:t>
+            </a:r>
+          </a:p>
+          <a:p>
+            <a:pPr lvl="1"/>
+            <a:r>
+              <a:rPr lang="nl-BE" smtClean="0"/>
+              <a:t>Second level</a:t>
+            </a:r>
+          </a:p>
+          <a:p>
+            <a:pPr lvl="2"/>
+            <a:r>
+              <a:rPr lang="nl-BE" smtClean="0"/>
+              <a:t>Third level</a:t>
+            </a:r>
+          </a:p>
+          <a:p>
+            <a:pPr lvl="3"/>
+            <a:r>
+              <a:rPr lang="nl-BE" smtClean="0"/>
+              <a:t>Fourth level</a:t>
+            </a:r>
+          </a:p>
+          <a:p>
+            <a:pPr lvl="4"/>
+            <a:r>
+              <a:rPr lang="nl-BE" smtClean="0"/>
+              <a:t>Fifth level</a:t>
+            </a:r>
+            <a:endParaRPr lang="fr-FR"/>
+          </a:p>
+        </p:txBody>
+      </p:sp>
+      <p:sp>
+        <p:nvSpPr>
+          <p:cNvPr id="6" name="Footer Placeholder 5"/>
+          <p:cNvSpPr>
+            <a:spLocks noGrp="1"/>
+          </p:cNvSpPr>
+          <p:nvPr>
+            <p:ph type="ftr" sz="quarter" idx="4"/>
+          </p:nvPr>
+        </p:nvSpPr>
+        <p:spPr>
+          <a:xfrm>
+            <a:off x="0" y="8685213"/>
+            <a:ext cx="2971800" cy="458787"/>
+          </a:xfrm>
+          <a:prstGeom prst="rect">
+            <a:avLst/>
+          </a:prstGeom>
+        </p:spPr>
+        <p:txBody>
+          <a:bodyPr vert="horz" lIns="91440" tIns="45720" rIns="91440" bIns="45720" rtlCol="0" anchor="b"/>
+          <a:lstStyle>
+            <a:lvl1pPr algn="l">
+              <a:defRPr sz="1200"/>
+            </a:lvl1pPr>
+          </a:lstStyle>
+          <a:p>
+            <a:endParaRPr lang="fr-FR"/>
+          </a:p>
+        </p:txBody>
+      </p:sp>
+      <p:sp>
+        <p:nvSpPr>
+          <p:cNvPr id="7" name="Slide Number Placeholder 6"/>
+          <p:cNvSpPr>
+            <a:spLocks noGrp="1"/>
+          </p:cNvSpPr>
+          <p:nvPr>
+            <p:ph type="sldNum" sz="quarter" idx="5"/>
+          </p:nvPr>
+        </p:nvSpPr>
+        <p:spPr>
+          <a:xfrm>
+            <a:off x="3884613" y="8685213"/>
+            <a:ext cx="2971800" cy="458787"/>
+          </a:xfrm>
+          <a:prstGeom prst="rect">
+            <a:avLst/>
+          </a:prstGeom>
+        </p:spPr>
+        <p:txBody>
+          <a:bodyPr vert="horz" lIns="91440" tIns="45720" rIns="91440" bIns="45720" rtlCol="0" anchor="b"/>
+          <a:lstStyle>
+            <a:lvl1pPr algn="r">
+              <a:defRPr sz="1200"/>
+            </a:lvl1pPr>
+          </a:lstStyle>
+          <a:p>
+            <a:fld id="{2306186E-C1A5-7A4B-934A-D62C9BDDDC00}" type="slidenum">
+              <a:rPr lang="fr-FR" smtClean="0"/>
+              <a:t>‹#›</a:t>
+            </a:fld>
+            <a:endParaRPr lang="fr-FR"/>
+          </a:p>
+        </p:txBody>
+      </p:sp>
+    </p:spTree>
+    <p:extLst>
+      <p:ext uri="{BB962C8B-B14F-4D97-AF65-F5344CB8AC3E}">
+        <p14:creationId xmlns:p14="http://schemas.microsoft.com/office/powerpoint/2010/main" val="1559402321"/>
+      </p:ext>
+    </p:extLst>
+  </p:cSld>
+  <p:clrMap bg1="lt1" tx1="dk1" bg2="lt2" tx2="dk2" accent1="accent1" accent2="accent2" accent3="accent3" accent4="accent4" accent5="accent5" accent6="accent6" hlink="hlink" folHlink="folHlink"/>
+  <p:notesStyle>
+    <a:lvl1pPr marL="0" algn="l" defTabSz="914400" rtl="0" eaLnBrk="1" latinLnBrk="0" hangingPunct="1">
+      <a:defRPr sz="1200" kern="1200">
+        <a:solidFill>
+          <a:schemeClr val="tx1"/>
+        </a:solidFill>
+        <a:latin typeface="+mn-lt"/>
+        <a:ea typeface="+mn-ea"/>
+        <a:cs typeface="+mn-cs"/>
+      </a:defRPr>
+    </a:lvl1pPr>
+    <a:lvl2pPr marL="457200" algn="l" defTabSz="914400" rtl="0" eaLnBrk="1" latinLnBrk="0" hangingPunct="1">
+      <a:defRPr sz="1200" kern="1200">
+        <a:solidFill>
+          <a:schemeClr val="tx1"/>
+        </a:solidFill>
+        <a:latin typeface="+mn-lt"/>
+        <a:ea typeface="+mn-ea"/>
+        <a:cs typeface="+mn-cs"/>
+      </a:defRPr>
+    </a:lvl2pPr>
+    <a:lvl3pPr marL="914400" algn="l" defTabSz="914400" rtl="0" eaLnBrk="1" latinLnBrk="0" hangingPunct="1">
+      <a:defRPr sz="1200" kern="1200">
+        <a:solidFill>
+          <a:schemeClr val="tx1"/>
+        </a:solidFill>
+        <a:latin typeface="+mn-lt"/>
+        <a:ea typeface="+mn-ea"/>
+        <a:cs typeface="+mn-cs"/>
+      </a:defRPr>
+    </a:lvl3pPr>
+    <a:lvl4pPr marL="1371600" algn="l" defTabSz="914400" rtl="0" eaLnBrk="1" latinLnBrk="0" hangingPunct="1">
+      <a:defRPr sz="1200" kern="1200">
+        <a:solidFill>
+          <a:schemeClr val="tx1"/>
+        </a:solidFill>
+        <a:latin typeface="+mn-lt"/>
+        <a:ea typeface="+mn-ea"/>
+        <a:cs typeface="+mn-cs"/>
+      </a:defRPr>
+    </a:lvl4pPr>
+    <a:lvl5pPr marL="1828800" algn="l" defTabSz="914400" rtl="0" eaLnBrk="1" latinLnBrk="0" hangingPunct="1">
+      <a:defRPr sz="1200" kern="1200">
+        <a:solidFill>
+          <a:schemeClr val="tx1"/>
+        </a:solidFill>
+        <a:latin typeface="+mn-lt"/>
+        <a:ea typeface="+mn-ea"/>
+        <a:cs typeface="+mn-cs"/>
+      </a:defRPr>
+    </a:lvl5pPr>
+    <a:lvl6pPr marL="2286000" algn="l" defTabSz="914400" rtl="0" eaLnBrk="1" latinLnBrk="0" hangingPunct="1">
+      <a:defRPr sz="1200" kern="1200">
+        <a:solidFill>
+          <a:schemeClr val="tx1"/>
+        </a:solidFill>
+        <a:latin typeface="+mn-lt"/>
+        <a:ea typeface="+mn-ea"/>
+        <a:cs typeface="+mn-cs"/>
+      </a:defRPr>
+    </a:lvl6pPr>
+    <a:lvl7pPr marL="2743200" algn="l" defTabSz="914400" rtl="0" eaLnBrk="1" latinLnBrk="0" hangingPunct="1">
+      <a:defRPr sz="1200" kern="1200">
+        <a:solidFill>
+          <a:schemeClr val="tx1"/>
+        </a:solidFill>
+        <a:latin typeface="+mn-lt"/>
+        <a:ea typeface="+mn-ea"/>
+        <a:cs typeface="+mn-cs"/>
+      </a:defRPr>
+    </a:lvl7pPr>
+    <a:lvl8pPr marL="3200400" algn="l" defTabSz="914400" rtl="0" eaLnBrk="1" latinLnBrk="0" hangingPunct="1">
+      <a:defRPr sz="1200" kern="1200">
+        <a:solidFill>
+          <a:schemeClr val="tx1"/>
+        </a:solidFill>
+        <a:latin typeface="+mn-lt"/>
+        <a:ea typeface="+mn-ea"/>
+        <a:cs typeface="+mn-cs"/>
+      </a:defRPr>
+    </a:lvl8pPr>
+    <a:lvl9pPr marL="3657600" algn="l" defTabSz="914400" rtl="0" eaLnBrk="1" latinLnBrk="0" hangingPunct="1">
+      <a:defRPr sz="1200" kern="1200">
+        <a:solidFill>
+          <a:schemeClr val="tx1"/>
+        </a:solidFill>
+        <a:latin typeface="+mn-lt"/>
+        <a:ea typeface="+mn-ea"/>
+        <a:cs typeface="+mn-cs"/>
+      </a:defRPr>
+    </a:lvl9pPr>
+  </p:notesStyle>
+</p:notesMaster>
+</file>
+
+<file path=ppt/notesSlides/notesSlide1.xml><?xml version="1.0" encoding="utf-8"?>
+<p:notes xmlns:a="http://schemas.openxmlformats.org/drawingml/2006/main" xmlns:r="http://schemas.openxmlformats.org/officeDocument/2006/relationships" xmlns:p="http://schemas.openxmlformats.org/presentationml/2006/main">
+  <p:cSld>
+    <p:spTree>
+      <p:nvGrpSpPr>
+        <p:cNvPr id="1" name=""/>
+        <p:cNvGrpSpPr/>
+        <p:nvPr/>
+      </p:nvGrpSpPr>
+      <p:grpSpPr>
+        <a:xfrm>
+          <a:off x="0" y="0"/>
+          <a:ext cx="0" cy="0"/>
+          <a:chOff x="0" y="0"/>
+          <a:chExt cx="0" cy="0"/>
+        </a:xfrm>
+      </p:grpSpPr>
+      <p:sp>
+        <p:nvSpPr>
+          <p:cNvPr id="2" name="Slide Image Placeholder 1"/>
+          <p:cNvSpPr>
+            <a:spLocks noGrp="1" noRot="1" noChangeAspect="1"/>
+          </p:cNvSpPr>
+          <p:nvPr>
+            <p:ph type="sldImg"/>
+          </p:nvPr>
+        </p:nvSpPr>
+        <p:spPr/>
+      </p:sp>
+      <p:sp>
+        <p:nvSpPr>
+          <p:cNvPr id="3" name="Notes Placeholder 2"/>
+          <p:cNvSpPr>
+            <a:spLocks noGrp="1"/>
+          </p:cNvSpPr>
+          <p:nvPr>
+            <p:ph type="body" idx="1"/>
+          </p:nvPr>
+        </p:nvSpPr>
+        <p:spPr/>
+        <p:txBody>
+          <a:bodyPr/>
+          <a:lstStyle/>
+          <a:p>
+            <a:endParaRPr lang="fr-FR"/>
+          </a:p>
+        </p:txBody>
+      </p:sp>
+      <p:sp>
+        <p:nvSpPr>
+          <p:cNvPr id="4" name="Slide Number Placeholder 3"/>
+          <p:cNvSpPr>
+            <a:spLocks noGrp="1"/>
+          </p:cNvSpPr>
+          <p:nvPr>
+            <p:ph type="sldNum" sz="quarter" idx="10"/>
+          </p:nvPr>
+        </p:nvSpPr>
+        <p:spPr/>
+        <p:txBody>
+          <a:bodyPr/>
+          <a:lstStyle/>
+          <a:p>
+            <a:fld id="{2306186E-C1A5-7A4B-934A-D62C9BDDDC00}" type="slidenum">
+              <a:rPr lang="fr-FR" smtClean="0"/>
+              <a:t>1</a:t>
+            </a:fld>
+            <a:endParaRPr lang="fr-FR"/>
+          </a:p>
+        </p:txBody>
+      </p:sp>
+    </p:spTree>
+    <p:extLst>
+      <p:ext uri="{BB962C8B-B14F-4D97-AF65-F5344CB8AC3E}">
+        <p14:creationId xmlns:p14="http://schemas.microsoft.com/office/powerpoint/2010/main" val="984381059"/>
+      </p:ext>
+    </p:extLst>
+  </p:cSld>
+  <p:clrMapOvr>
+    <a:masterClrMapping/>
+  </p:clrMapOvr>
+</p:notes>
+</file>
+
 <file path=ppt/slideLayouts/slideLayout1.xml><?xml version="1.0" encoding="utf-8"?>
 <p:sldLayout xmlns:a="http://schemas.openxmlformats.org/drawingml/2006/main" xmlns:r="http://schemas.openxmlformats.org/officeDocument/2006/relationships" xmlns:p="http://schemas.openxmlformats.org/presentationml/2006/main" showMasterSp="0" type="title" preserve="1">
   <p:cSld name="Title Slide">
@@ -356,29 +793,33 @@
           <a:bodyPr/>
           <a:lstStyle/>
           <a:p>
-            <a:fld id="{C25A12C4-0F7A-1348-98C8-68CB06813A56}" type="datetimeFigureOut">
+            <a:r>
+              <a:rPr lang="en-CA" smtClean="0"/>
+              <a:t>21/12/2015</a:t>
+            </a:r>
+            <a:endParaRPr lang="fr-FR"/>
+          </a:p>
+        </p:txBody>
+      </p:sp>
+      <p:sp>
+        <p:nvSpPr>
+          <p:cNvPr id="5" name="Footer Placeholder 4"/>
+          <p:cNvSpPr>
+            <a:spLocks noGrp="1"/>
+          </p:cNvSpPr>
+          <p:nvPr>
+            <p:ph type="ftr" sz="quarter" idx="11"/>
+          </p:nvPr>
+        </p:nvSpPr>
+        <p:spPr/>
+        <p:txBody>
+          <a:bodyPr/>
+          <a:lstStyle/>
+          <a:p>
+            <a:r>
               <a:rPr lang="fr-FR" smtClean="0"/>
-              <a:t>19/12/2015</a:t>
-            </a:fld>
-            <a:endParaRPr lang="fr-FR"/>
-          </a:p>
-        </p:txBody>
-      </p:sp>
-      <p:sp>
-        <p:nvSpPr>
-          <p:cNvPr id="5" name="Footer Placeholder 4"/>
-          <p:cNvSpPr>
-            <a:spLocks noGrp="1"/>
-          </p:cNvSpPr>
-          <p:nvPr>
-            <p:ph type="ftr" sz="quarter" idx="11"/>
-          </p:nvPr>
-        </p:nvSpPr>
-        <p:spPr/>
-        <p:txBody>
-          <a:bodyPr/>
-          <a:lstStyle/>
-          <a:p>
+              <a:t>IFT6252 Méthodes empiriques en génie logiciel</a:t>
+            </a:r>
             <a:endParaRPr lang="fr-FR"/>
           </a:p>
         </p:txBody>
@@ -564,29 +1005,33 @@
           <a:bodyPr/>
           <a:lstStyle/>
           <a:p>
-            <a:fld id="{C25A12C4-0F7A-1348-98C8-68CB06813A56}" type="datetimeFigureOut">
+            <a:r>
+              <a:rPr lang="en-CA" smtClean="0"/>
+              <a:t>21/12/2015</a:t>
+            </a:r>
+            <a:endParaRPr lang="fr-FR"/>
+          </a:p>
+        </p:txBody>
+      </p:sp>
+      <p:sp>
+        <p:nvSpPr>
+          <p:cNvPr id="5" name="Footer Placeholder 4"/>
+          <p:cNvSpPr>
+            <a:spLocks noGrp="1"/>
+          </p:cNvSpPr>
+          <p:nvPr>
+            <p:ph type="ftr" sz="quarter" idx="11"/>
+          </p:nvPr>
+        </p:nvSpPr>
+        <p:spPr/>
+        <p:txBody>
+          <a:bodyPr/>
+          <a:lstStyle/>
+          <a:p>
+            <a:r>
               <a:rPr lang="fr-FR" smtClean="0"/>
-              <a:t>19/12/2015</a:t>
-            </a:fld>
-            <a:endParaRPr lang="fr-FR"/>
-          </a:p>
-        </p:txBody>
-      </p:sp>
-      <p:sp>
-        <p:nvSpPr>
-          <p:cNvPr id="5" name="Footer Placeholder 4"/>
-          <p:cNvSpPr>
-            <a:spLocks noGrp="1"/>
-          </p:cNvSpPr>
-          <p:nvPr>
-            <p:ph type="ftr" sz="quarter" idx="11"/>
-          </p:nvPr>
-        </p:nvSpPr>
-        <p:spPr/>
-        <p:txBody>
-          <a:bodyPr/>
-          <a:lstStyle/>
-          <a:p>
+              <a:t>IFT6252 Méthodes empiriques en génie logiciel</a:t>
+            </a:r>
             <a:endParaRPr lang="fr-FR"/>
           </a:p>
         </p:txBody>
@@ -820,29 +1265,33 @@
           <a:bodyPr/>
           <a:lstStyle/>
           <a:p>
-            <a:fld id="{C25A12C4-0F7A-1348-98C8-68CB06813A56}" type="datetimeFigureOut">
+            <a:r>
+              <a:rPr lang="en-CA" smtClean="0"/>
+              <a:t>21/12/2015</a:t>
+            </a:r>
+            <a:endParaRPr lang="fr-FR"/>
+          </a:p>
+        </p:txBody>
+      </p:sp>
+      <p:sp>
+        <p:nvSpPr>
+          <p:cNvPr id="5" name="Footer Placeholder 4"/>
+          <p:cNvSpPr>
+            <a:spLocks noGrp="1"/>
+          </p:cNvSpPr>
+          <p:nvPr>
+            <p:ph type="ftr" sz="quarter" idx="11"/>
+          </p:nvPr>
+        </p:nvSpPr>
+        <p:spPr/>
+        <p:txBody>
+          <a:bodyPr/>
+          <a:lstStyle/>
+          <a:p>
+            <a:r>
               <a:rPr lang="fr-FR" smtClean="0"/>
-              <a:t>19/12/2015</a:t>
-            </a:fld>
-            <a:endParaRPr lang="fr-FR"/>
-          </a:p>
-        </p:txBody>
-      </p:sp>
-      <p:sp>
-        <p:nvSpPr>
-          <p:cNvPr id="5" name="Footer Placeholder 4"/>
-          <p:cNvSpPr>
-            <a:spLocks noGrp="1"/>
-          </p:cNvSpPr>
-          <p:nvPr>
-            <p:ph type="ftr" sz="quarter" idx="11"/>
-          </p:nvPr>
-        </p:nvSpPr>
-        <p:spPr/>
-        <p:txBody>
-          <a:bodyPr/>
-          <a:lstStyle/>
-          <a:p>
+              <a:t>IFT6252 Méthodes empiriques en génie logiciel</a:t>
+            </a:r>
             <a:endParaRPr lang="fr-FR"/>
           </a:p>
         </p:txBody>
@@ -994,29 +1443,33 @@
           <a:bodyPr/>
           <a:lstStyle/>
           <a:p>
-            <a:fld id="{C25A12C4-0F7A-1348-98C8-68CB06813A56}" type="datetimeFigureOut">
+            <a:r>
+              <a:rPr lang="en-CA" smtClean="0"/>
+              <a:t>21/12/2015</a:t>
+            </a:r>
+            <a:endParaRPr lang="fr-FR"/>
+          </a:p>
+        </p:txBody>
+      </p:sp>
+      <p:sp>
+        <p:nvSpPr>
+          <p:cNvPr id="5" name="Footer Placeholder 4"/>
+          <p:cNvSpPr>
+            <a:spLocks noGrp="1"/>
+          </p:cNvSpPr>
+          <p:nvPr>
+            <p:ph type="ftr" sz="quarter" idx="11"/>
+          </p:nvPr>
+        </p:nvSpPr>
+        <p:spPr/>
+        <p:txBody>
+          <a:bodyPr/>
+          <a:lstStyle/>
+          <a:p>
+            <a:r>
               <a:rPr lang="fr-FR" smtClean="0"/>
-              <a:t>19/12/2015</a:t>
-            </a:fld>
-            <a:endParaRPr lang="fr-FR"/>
-          </a:p>
-        </p:txBody>
-      </p:sp>
-      <p:sp>
-        <p:nvSpPr>
-          <p:cNvPr id="5" name="Footer Placeholder 4"/>
-          <p:cNvSpPr>
-            <a:spLocks noGrp="1"/>
-          </p:cNvSpPr>
-          <p:nvPr>
-            <p:ph type="ftr" sz="quarter" idx="11"/>
-          </p:nvPr>
-        </p:nvSpPr>
-        <p:spPr/>
-        <p:txBody>
-          <a:bodyPr/>
-          <a:lstStyle/>
-          <a:p>
+              <a:t>IFT6252 Méthodes empiriques en génie logiciel</a:t>
+            </a:r>
             <a:endParaRPr lang="fr-FR"/>
           </a:p>
         </p:txBody>
@@ -1337,29 +1790,33 @@
           <a:bodyPr/>
           <a:lstStyle/>
           <a:p>
-            <a:fld id="{C25A12C4-0F7A-1348-98C8-68CB06813A56}" type="datetimeFigureOut">
+            <a:r>
+              <a:rPr lang="en-CA" smtClean="0"/>
+              <a:t>21/12/2015</a:t>
+            </a:r>
+            <a:endParaRPr lang="fr-FR"/>
+          </a:p>
+        </p:txBody>
+      </p:sp>
+      <p:sp>
+        <p:nvSpPr>
+          <p:cNvPr id="5" name="Footer Placeholder 4"/>
+          <p:cNvSpPr>
+            <a:spLocks noGrp="1"/>
+          </p:cNvSpPr>
+          <p:nvPr>
+            <p:ph type="ftr" sz="quarter" idx="11"/>
+          </p:nvPr>
+        </p:nvSpPr>
+        <p:spPr/>
+        <p:txBody>
+          <a:bodyPr/>
+          <a:lstStyle/>
+          <a:p>
+            <a:r>
               <a:rPr lang="fr-FR" smtClean="0"/>
-              <a:t>19/12/2015</a:t>
-            </a:fld>
-            <a:endParaRPr lang="fr-FR"/>
-          </a:p>
-        </p:txBody>
-      </p:sp>
-      <p:sp>
-        <p:nvSpPr>
-          <p:cNvPr id="5" name="Footer Placeholder 4"/>
-          <p:cNvSpPr>
-            <a:spLocks noGrp="1"/>
-          </p:cNvSpPr>
-          <p:nvPr>
-            <p:ph type="ftr" sz="quarter" idx="11"/>
-          </p:nvPr>
-        </p:nvSpPr>
-        <p:spPr/>
-        <p:txBody>
-          <a:bodyPr/>
-          <a:lstStyle/>
-          <a:p>
+              <a:t>IFT6252 Méthodes empiriques en génie logiciel</a:t>
+            </a:r>
             <a:endParaRPr lang="fr-FR"/>
           </a:p>
         </p:txBody>
@@ -1612,29 +2069,33 @@
           <a:bodyPr/>
           <a:lstStyle/>
           <a:p>
-            <a:fld id="{C25A12C4-0F7A-1348-98C8-68CB06813A56}" type="datetimeFigureOut">
+            <a:r>
+              <a:rPr lang="en-CA" smtClean="0"/>
+              <a:t>21/12/2015</a:t>
+            </a:r>
+            <a:endParaRPr lang="fr-FR"/>
+          </a:p>
+        </p:txBody>
+      </p:sp>
+      <p:sp>
+        <p:nvSpPr>
+          <p:cNvPr id="6" name="Footer Placeholder 5"/>
+          <p:cNvSpPr>
+            <a:spLocks noGrp="1"/>
+          </p:cNvSpPr>
+          <p:nvPr>
+            <p:ph type="ftr" sz="quarter" idx="11"/>
+          </p:nvPr>
+        </p:nvSpPr>
+        <p:spPr/>
+        <p:txBody>
+          <a:bodyPr/>
+          <a:lstStyle/>
+          <a:p>
+            <a:r>
               <a:rPr lang="fr-FR" smtClean="0"/>
-              <a:t>19/12/2015</a:t>
-            </a:fld>
-            <a:endParaRPr lang="fr-FR"/>
-          </a:p>
-        </p:txBody>
-      </p:sp>
-      <p:sp>
-        <p:nvSpPr>
-          <p:cNvPr id="6" name="Footer Placeholder 5"/>
-          <p:cNvSpPr>
-            <a:spLocks noGrp="1"/>
-          </p:cNvSpPr>
-          <p:nvPr>
-            <p:ph type="ftr" sz="quarter" idx="11"/>
-          </p:nvPr>
-        </p:nvSpPr>
-        <p:spPr/>
-        <p:txBody>
-          <a:bodyPr/>
-          <a:lstStyle/>
-          <a:p>
+              <a:t>IFT6252 Méthodes empiriques en génie logiciel</a:t>
+            </a:r>
             <a:endParaRPr lang="fr-FR"/>
           </a:p>
         </p:txBody>
@@ -1991,29 +2452,33 @@
           <a:bodyPr/>
           <a:lstStyle/>
           <a:p>
-            <a:fld id="{C25A12C4-0F7A-1348-98C8-68CB06813A56}" type="datetimeFigureOut">
+            <a:r>
+              <a:rPr lang="en-CA" smtClean="0"/>
+              <a:t>21/12/2015</a:t>
+            </a:r>
+            <a:endParaRPr lang="fr-FR"/>
+          </a:p>
+        </p:txBody>
+      </p:sp>
+      <p:sp>
+        <p:nvSpPr>
+          <p:cNvPr id="8" name="Footer Placeholder 7"/>
+          <p:cNvSpPr>
+            <a:spLocks noGrp="1"/>
+          </p:cNvSpPr>
+          <p:nvPr>
+            <p:ph type="ftr" sz="quarter" idx="11"/>
+          </p:nvPr>
+        </p:nvSpPr>
+        <p:spPr/>
+        <p:txBody>
+          <a:bodyPr/>
+          <a:lstStyle/>
+          <a:p>
+            <a:r>
               <a:rPr lang="fr-FR" smtClean="0"/>
-              <a:t>19/12/2015</a:t>
-            </a:fld>
-            <a:endParaRPr lang="fr-FR"/>
-          </a:p>
-        </p:txBody>
-      </p:sp>
-      <p:sp>
-        <p:nvSpPr>
-          <p:cNvPr id="8" name="Footer Placeholder 7"/>
-          <p:cNvSpPr>
-            <a:spLocks noGrp="1"/>
-          </p:cNvSpPr>
-          <p:nvPr>
-            <p:ph type="ftr" sz="quarter" idx="11"/>
-          </p:nvPr>
-        </p:nvSpPr>
-        <p:spPr/>
-        <p:txBody>
-          <a:bodyPr/>
-          <a:lstStyle/>
-          <a:p>
+              <a:t>IFT6252 Méthodes empiriques en génie logiciel</a:t>
+            </a:r>
             <a:endParaRPr lang="fr-FR"/>
           </a:p>
         </p:txBody>
@@ -2109,29 +2574,33 @@
           <a:bodyPr/>
           <a:lstStyle/>
           <a:p>
-            <a:fld id="{C25A12C4-0F7A-1348-98C8-68CB06813A56}" type="datetimeFigureOut">
+            <a:r>
+              <a:rPr lang="en-CA" smtClean="0"/>
+              <a:t>21/12/2015</a:t>
+            </a:r>
+            <a:endParaRPr lang="fr-FR"/>
+          </a:p>
+        </p:txBody>
+      </p:sp>
+      <p:sp>
+        <p:nvSpPr>
+          <p:cNvPr id="4" name="Footer Placeholder 3"/>
+          <p:cNvSpPr>
+            <a:spLocks noGrp="1"/>
+          </p:cNvSpPr>
+          <p:nvPr>
+            <p:ph type="ftr" sz="quarter" idx="11"/>
+          </p:nvPr>
+        </p:nvSpPr>
+        <p:spPr/>
+        <p:txBody>
+          <a:bodyPr/>
+          <a:lstStyle/>
+          <a:p>
+            <a:r>
               <a:rPr lang="fr-FR" smtClean="0"/>
-              <a:t>19/12/2015</a:t>
-            </a:fld>
-            <a:endParaRPr lang="fr-FR"/>
-          </a:p>
-        </p:txBody>
-      </p:sp>
-      <p:sp>
-        <p:nvSpPr>
-          <p:cNvPr id="4" name="Footer Placeholder 3"/>
-          <p:cNvSpPr>
-            <a:spLocks noGrp="1"/>
-          </p:cNvSpPr>
-          <p:nvPr>
-            <p:ph type="ftr" sz="quarter" idx="11"/>
-          </p:nvPr>
-        </p:nvSpPr>
-        <p:spPr/>
-        <p:txBody>
-          <a:bodyPr/>
-          <a:lstStyle/>
-          <a:p>
+              <a:t>IFT6252 Méthodes empiriques en génie logiciel</a:t>
+            </a:r>
             <a:endParaRPr lang="fr-FR"/>
           </a:p>
         </p:txBody>
@@ -2280,10 +2749,10 @@
           <a:bodyPr/>
           <a:lstStyle/>
           <a:p>
-            <a:fld id="{C25A12C4-0F7A-1348-98C8-68CB06813A56}" type="datetimeFigureOut">
-              <a:rPr lang="fr-FR" smtClean="0"/>
-              <a:t>19/12/2015</a:t>
-            </a:fld>
+            <a:r>
+              <a:rPr lang="en-CA" smtClean="0"/>
+              <a:t>21/12/2015</a:t>
+            </a:r>
             <a:endParaRPr lang="fr-FR"/>
           </a:p>
         </p:txBody>
@@ -2311,6 +2780,10 @@
             </a:lvl1pPr>
           </a:lstStyle>
           <a:p>
+            <a:r>
+              <a:rPr lang="fr-FR" smtClean="0"/>
+              <a:t>IFT6252 Méthodes empiriques en génie logiciel</a:t>
+            </a:r>
             <a:endParaRPr lang="fr-FR"/>
           </a:p>
         </p:txBody>
@@ -2634,10 +3107,10 @@
             </a:lvl1pPr>
           </a:lstStyle>
           <a:p>
-            <a:fld id="{C25A12C4-0F7A-1348-98C8-68CB06813A56}" type="datetimeFigureOut">
-              <a:rPr lang="fr-FR" smtClean="0"/>
-              <a:t>19/12/2015</a:t>
-            </a:fld>
+            <a:r>
+              <a:rPr lang="en-CA" smtClean="0"/>
+              <a:t>21/12/2015</a:t>
+            </a:r>
             <a:endParaRPr lang="fr-FR"/>
           </a:p>
         </p:txBody>
@@ -2670,6 +3143,10 @@
             </a:lvl1pPr>
           </a:lstStyle>
           <a:p>
+            <a:r>
+              <a:rPr lang="fr-FR" smtClean="0"/>
+              <a:t>IFT6252 Méthodes empiriques en génie logiciel</a:t>
+            </a:r>
             <a:endParaRPr lang="fr-FR"/>
           </a:p>
         </p:txBody>
@@ -3016,29 +3493,33 @@
           <a:bodyPr/>
           <a:lstStyle/>
           <a:p>
-            <a:fld id="{C25A12C4-0F7A-1348-98C8-68CB06813A56}" type="datetimeFigureOut">
+            <a:r>
+              <a:rPr lang="en-CA" smtClean="0"/>
+              <a:t>21/12/2015</a:t>
+            </a:r>
+            <a:endParaRPr lang="fr-FR"/>
+          </a:p>
+        </p:txBody>
+      </p:sp>
+      <p:sp>
+        <p:nvSpPr>
+          <p:cNvPr id="6" name="Footer Placeholder 5"/>
+          <p:cNvSpPr>
+            <a:spLocks noGrp="1"/>
+          </p:cNvSpPr>
+          <p:nvPr>
+            <p:ph type="ftr" sz="quarter" idx="11"/>
+          </p:nvPr>
+        </p:nvSpPr>
+        <p:spPr/>
+        <p:txBody>
+          <a:bodyPr/>
+          <a:lstStyle/>
+          <a:p>
+            <a:r>
               <a:rPr lang="fr-FR" smtClean="0"/>
-              <a:t>19/12/2015</a:t>
-            </a:fld>
-            <a:endParaRPr lang="fr-FR"/>
-          </a:p>
-        </p:txBody>
-      </p:sp>
-      <p:sp>
-        <p:nvSpPr>
-          <p:cNvPr id="6" name="Footer Placeholder 5"/>
-          <p:cNvSpPr>
-            <a:spLocks noGrp="1"/>
-          </p:cNvSpPr>
-          <p:nvPr>
-            <p:ph type="ftr" sz="quarter" idx="11"/>
-          </p:nvPr>
-        </p:nvSpPr>
-        <p:spPr/>
-        <p:txBody>
-          <a:bodyPr/>
-          <a:lstStyle/>
-          <a:p>
+              <a:t>IFT6252 Méthodes empiriques en génie logiciel</a:t>
+            </a:r>
             <a:endParaRPr lang="fr-FR"/>
           </a:p>
         </p:txBody>
@@ -3303,10 +3784,10 @@
             </a:lvl1pPr>
           </a:lstStyle>
           <a:p>
-            <a:fld id="{C25A12C4-0F7A-1348-98C8-68CB06813A56}" type="datetimeFigureOut">
-              <a:rPr lang="fr-FR" smtClean="0"/>
-              <a:t>19/12/2015</a:t>
-            </a:fld>
+            <a:r>
+              <a:rPr lang="en-CA" smtClean="0"/>
+              <a:t>21/12/2015</a:t>
+            </a:r>
             <a:endParaRPr lang="fr-FR"/>
           </a:p>
         </p:txBody>
@@ -3342,6 +3823,10 @@
             </a:lvl1pPr>
           </a:lstStyle>
           <a:p>
+            <a:r>
+              <a:rPr lang="fr-FR" smtClean="0"/>
+              <a:t>IFT6252 Méthodes empiriques en génie logiciel</a:t>
+            </a:r>
             <a:endParaRPr lang="fr-FR"/>
           </a:p>
         </p:txBody>
@@ -3444,6 +3929,7 @@
     <p:sldLayoutId id="2147483712" r:id="rId10"/>
     <p:sldLayoutId id="2147483713" r:id="rId11"/>
   </p:sldLayoutIdLst>
+  <p:hf hdr="0"/>
   <p:txStyles>
     <p:titleStyle>
       <a:lvl1pPr algn="l" defTabSz="914400" rtl="0" eaLnBrk="1" latinLnBrk="0" hangingPunct="1">
@@ -3885,6 +4371,75 @@
           </a:p>
         </p:txBody>
       </p:sp>
+      <p:sp>
+        <p:nvSpPr>
+          <p:cNvPr id="4" name="Date Placeholder 3"/>
+          <p:cNvSpPr>
+            <a:spLocks noGrp="1"/>
+          </p:cNvSpPr>
+          <p:nvPr>
+            <p:ph type="dt" sz="half" idx="10"/>
+          </p:nvPr>
+        </p:nvSpPr>
+        <p:spPr/>
+        <p:txBody>
+          <a:bodyPr/>
+          <a:lstStyle/>
+          <a:p>
+            <a:r>
+              <a:rPr lang="en-CA" smtClean="0"/>
+              <a:t>21/12/2015</a:t>
+            </a:r>
+            <a:endParaRPr lang="fr-FR"/>
+          </a:p>
+        </p:txBody>
+      </p:sp>
+      <p:sp>
+        <p:nvSpPr>
+          <p:cNvPr id="5" name="Footer Placeholder 4"/>
+          <p:cNvSpPr>
+            <a:spLocks noGrp="1"/>
+          </p:cNvSpPr>
+          <p:nvPr>
+            <p:ph type="ftr" sz="quarter" idx="11"/>
+          </p:nvPr>
+        </p:nvSpPr>
+        <p:spPr/>
+        <p:txBody>
+          <a:bodyPr/>
+          <a:lstStyle/>
+          <a:p>
+            <a:r>
+              <a:rPr lang="fr-FR" smtClean="0"/>
+              <a:t>IFT6252 Méthodes empiriques en génie logiciel</a:t>
+            </a:r>
+            <a:endParaRPr lang="fr-FR"/>
+          </a:p>
+        </p:txBody>
+      </p:sp>
+      <p:sp>
+        <p:nvSpPr>
+          <p:cNvPr id="6" name="Slide Number Placeholder 5"/>
+          <p:cNvSpPr>
+            <a:spLocks noGrp="1"/>
+          </p:cNvSpPr>
+          <p:nvPr>
+            <p:ph type="sldNum" sz="quarter" idx="12"/>
+          </p:nvPr>
+        </p:nvSpPr>
+        <p:spPr/>
+        <p:txBody>
+          <a:bodyPr/>
+          <a:lstStyle/>
+          <a:p>
+            <a:fld id="{16D7DFFE-4023-BF4F-95A6-0BE536B3CCAC}" type="slidenum">
+              <a:rPr lang="fr-FR" smtClean="0"/>
+              <a:t>1</a:t>
+            </a:fld>
+            <a:endParaRPr lang="fr-FR"/>
+          </a:p>
+        </p:txBody>
+      </p:sp>
     </p:spTree>
     <p:extLst>
       <p:ext uri="{BB962C8B-B14F-4D97-AF65-F5344CB8AC3E}">
@@ -3932,212 +4487,6 @@
           <a:p>
             <a:r>
               <a:rPr lang="fr-FR" dirty="0"/>
-              <a:t>Analyse statique</a:t>
-            </a:r>
-          </a:p>
-        </p:txBody>
-      </p:sp>
-      <p:sp>
-        <p:nvSpPr>
-          <p:cNvPr id="3" name="Content Placeholder 2"/>
-          <p:cNvSpPr>
-            <a:spLocks noGrp="1"/>
-          </p:cNvSpPr>
-          <p:nvPr>
-            <p:ph idx="1"/>
-          </p:nvPr>
-        </p:nvSpPr>
-        <p:spPr/>
-        <p:txBody>
-          <a:bodyPr/>
-          <a:lstStyle/>
-          <a:p>
-            <a:endParaRPr lang="fr-FR" dirty="0" smtClean="0"/>
-          </a:p>
-          <a:p>
-            <a:r>
-              <a:rPr lang="fr-FR" dirty="0" smtClean="0"/>
-              <a:t>Pour l’analyse statique on utilise : </a:t>
-            </a:r>
-            <a:r>
-              <a:rPr lang="fr-FR" b="1" dirty="0"/>
-              <a:t>java-</a:t>
-            </a:r>
-            <a:r>
-              <a:rPr lang="fr-FR" b="1" dirty="0" err="1"/>
-              <a:t>callgraph</a:t>
-            </a:r>
-            <a:r>
-              <a:rPr lang="fr-FR" dirty="0"/>
-              <a:t> </a:t>
-            </a:r>
-            <a:r>
-              <a:rPr lang="fr-FR" sz="1400" dirty="0"/>
-              <a:t>(</a:t>
-            </a:r>
-            <a:r>
-              <a:rPr lang="fr-FR" sz="1400" dirty="0" err="1"/>
-              <a:t>Georgios</a:t>
-            </a:r>
-            <a:r>
-              <a:rPr lang="fr-FR" sz="1400" dirty="0"/>
-              <a:t> </a:t>
-            </a:r>
-            <a:r>
-              <a:rPr lang="fr-FR" sz="1400" dirty="0" err="1"/>
-              <a:t>Gousios</a:t>
-            </a:r>
-            <a:r>
-              <a:rPr lang="fr-FR" sz="1400" dirty="0"/>
-              <a:t>, Institute for </a:t>
-            </a:r>
-            <a:r>
-              <a:rPr lang="fr-FR" sz="1400" dirty="0" err="1"/>
-              <a:t>Computing</a:t>
-            </a:r>
-            <a:r>
-              <a:rPr lang="fr-FR" sz="1400" dirty="0"/>
-              <a:t> and Information Sciences, </a:t>
-            </a:r>
-            <a:r>
-              <a:rPr lang="fr-FR" sz="1400" dirty="0" err="1"/>
-              <a:t>Radboud</a:t>
-            </a:r>
-            <a:r>
-              <a:rPr lang="fr-FR" sz="1400" dirty="0"/>
-              <a:t> </a:t>
-            </a:r>
-            <a:r>
-              <a:rPr lang="fr-FR" sz="1400" dirty="0" err="1"/>
-              <a:t>Universiteit</a:t>
-            </a:r>
-            <a:r>
-              <a:rPr lang="fr-FR" sz="1400" dirty="0"/>
-              <a:t> </a:t>
-            </a:r>
-            <a:r>
-              <a:rPr lang="fr-FR" sz="1400" dirty="0" err="1"/>
-              <a:t>Nijmegen</a:t>
-            </a:r>
-            <a:r>
-              <a:rPr lang="fr-FR" sz="1400" dirty="0" smtClean="0"/>
-              <a:t>)</a:t>
-            </a:r>
-            <a:endParaRPr lang="fr-FR" dirty="0" smtClean="0"/>
-          </a:p>
-          <a:p>
-            <a:pPr marL="0" indent="0">
-              <a:buNone/>
-            </a:pPr>
-            <a:endParaRPr lang="fr-FR" dirty="0"/>
-          </a:p>
-          <a:p>
-            <a:r>
-              <a:rPr lang="fr-FR" dirty="0" err="1"/>
-              <a:t>Dalvik</a:t>
-            </a:r>
-            <a:r>
-              <a:rPr lang="fr-FR" dirty="0"/>
-              <a:t> </a:t>
-            </a:r>
-            <a:r>
-              <a:rPr lang="fr-FR" dirty="0" smtClean="0"/>
-              <a:t>VM format </a:t>
-            </a:r>
-            <a:r>
-              <a:rPr lang="fr-FR" dirty="0"/>
-              <a:t>-&gt; Java VM </a:t>
-            </a:r>
-            <a:r>
-              <a:rPr lang="fr-FR" dirty="0" smtClean="0"/>
-              <a:t>format -&gt; Graphe d’appels</a:t>
-            </a:r>
-          </a:p>
-          <a:p>
-            <a:endParaRPr lang="fr-FR" dirty="0"/>
-          </a:p>
-          <a:p>
-            <a:endParaRPr lang="fr-FR" dirty="0"/>
-          </a:p>
-        </p:txBody>
-      </p:sp>
-      <p:pic>
-        <p:nvPicPr>
-          <p:cNvPr id="5" name="Picture 4"/>
-          <p:cNvPicPr>
-            <a:picLocks noChangeAspect="1"/>
-          </p:cNvPicPr>
-          <p:nvPr/>
-        </p:nvPicPr>
-        <p:blipFill>
-          <a:blip r:embed="rId2">
-            <a:extLst>
-              <a:ext uri="{28A0092B-C50C-407E-A947-70E740481C1C}">
-                <a14:useLocalDpi xmlns:a14="http://schemas.microsoft.com/office/drawing/2010/main" val="0"/>
-              </a:ext>
-            </a:extLst>
-          </a:blip>
-          <a:stretch>
-            <a:fillRect/>
-          </a:stretch>
-        </p:blipFill>
-        <p:spPr>
-          <a:xfrm>
-            <a:off x="1097280" y="4216399"/>
-            <a:ext cx="10058400" cy="1170479"/>
-          </a:xfrm>
-          <a:prstGeom prst="rect">
-            <a:avLst/>
-          </a:prstGeom>
-        </p:spPr>
-      </p:pic>
-    </p:spTree>
-    <p:extLst>
-      <p:ext uri="{BB962C8B-B14F-4D97-AF65-F5344CB8AC3E}">
-        <p14:creationId xmlns:p14="http://schemas.microsoft.com/office/powerpoint/2010/main" val="1429292868"/>
-      </p:ext>
-    </p:extLst>
-  </p:cSld>
-  <p:clrMapOvr>
-    <a:masterClrMapping/>
-  </p:clrMapOvr>
-</p:sld>
-</file>
-
-<file path=ppt/slides/slide11.xml><?xml version="1.0" encoding="utf-8"?>
-<p:sld xmlns:a="http://schemas.openxmlformats.org/drawingml/2006/main" xmlns:r="http://schemas.openxmlformats.org/officeDocument/2006/relationships" xmlns:p="http://schemas.openxmlformats.org/presentationml/2006/main">
-  <p:cSld>
-    <p:spTree>
-      <p:nvGrpSpPr>
-        <p:cNvPr id="1" name=""/>
-        <p:cNvGrpSpPr/>
-        <p:nvPr/>
-      </p:nvGrpSpPr>
-      <p:grpSpPr>
-        <a:xfrm>
-          <a:off x="0" y="0"/>
-          <a:ext cx="0" cy="0"/>
-          <a:chOff x="0" y="0"/>
-          <a:chExt cx="0" cy="0"/>
-        </a:xfrm>
-      </p:grpSpPr>
-      <p:sp>
-        <p:nvSpPr>
-          <p:cNvPr id="2" name="Title 1"/>
-          <p:cNvSpPr>
-            <a:spLocks noGrp="1"/>
-          </p:cNvSpPr>
-          <p:nvPr>
-            <p:ph type="title"/>
-          </p:nvPr>
-        </p:nvSpPr>
-        <p:spPr/>
-        <p:txBody>
-          <a:bodyPr/>
-          <a:lstStyle/>
-          <a:p>
-            <a:r>
-              <a:rPr lang="fr-FR" dirty="0"/>
               <a:t>Appels Client-&gt;</a:t>
             </a:r>
             <a:r>
@@ -4172,15 +4521,7 @@
             </a:pPr>
             <a:r>
               <a:rPr lang="fr-FR" dirty="0" smtClean="0"/>
-              <a:t>Pour chaque classe, identifier tous les appels vers l’API </a:t>
-            </a:r>
-            <a:r>
-              <a:rPr lang="fr-FR" dirty="0" smtClean="0"/>
-              <a:t>A</a:t>
-            </a:r>
-            <a:r>
-              <a:rPr lang="fr-FR" dirty="0" smtClean="0"/>
-              <a:t>ndroid</a:t>
+              <a:t>Pour chaque classe, identifier tous les appels vers l’API Android</a:t>
             </a:r>
           </a:p>
           <a:p>
@@ -4192,7 +4533,6 @@
               <a:rPr lang="fr-FR" dirty="0" smtClean="0"/>
               <a:t>On les additionne et on stocke les résultats</a:t>
             </a:r>
-            <a:endParaRPr lang="fr-FR" dirty="0" smtClean="0"/>
           </a:p>
           <a:p>
             <a:pPr marL="0" indent="0">
@@ -4281,10 +4621,267 @@
           </a:prstGeom>
         </p:spPr>
       </p:pic>
+      <p:sp>
+        <p:nvSpPr>
+          <p:cNvPr id="4" name="Date Placeholder 3"/>
+          <p:cNvSpPr>
+            <a:spLocks noGrp="1"/>
+          </p:cNvSpPr>
+          <p:nvPr>
+            <p:ph type="dt" sz="half" idx="10"/>
+          </p:nvPr>
+        </p:nvSpPr>
+        <p:spPr/>
+        <p:txBody>
+          <a:bodyPr/>
+          <a:lstStyle/>
+          <a:p>
+            <a:r>
+              <a:rPr lang="en-CA" smtClean="0"/>
+              <a:t>21/12/2015</a:t>
+            </a:r>
+            <a:endParaRPr lang="fr-FR"/>
+          </a:p>
+        </p:txBody>
+      </p:sp>
+      <p:sp>
+        <p:nvSpPr>
+          <p:cNvPr id="6" name="Footer Placeholder 5"/>
+          <p:cNvSpPr>
+            <a:spLocks noGrp="1"/>
+          </p:cNvSpPr>
+          <p:nvPr>
+            <p:ph type="ftr" sz="quarter" idx="11"/>
+          </p:nvPr>
+        </p:nvSpPr>
+        <p:spPr/>
+        <p:txBody>
+          <a:bodyPr/>
+          <a:lstStyle/>
+          <a:p>
+            <a:r>
+              <a:rPr lang="fr-FR" smtClean="0"/>
+              <a:t>IFT6252 Méthodes empiriques en génie logiciel</a:t>
+            </a:r>
+            <a:endParaRPr lang="fr-FR"/>
+          </a:p>
+        </p:txBody>
+      </p:sp>
+      <p:sp>
+        <p:nvSpPr>
+          <p:cNvPr id="7" name="Slide Number Placeholder 6"/>
+          <p:cNvSpPr>
+            <a:spLocks noGrp="1"/>
+          </p:cNvSpPr>
+          <p:nvPr>
+            <p:ph type="sldNum" sz="quarter" idx="12"/>
+          </p:nvPr>
+        </p:nvSpPr>
+        <p:spPr/>
+        <p:txBody>
+          <a:bodyPr/>
+          <a:lstStyle/>
+          <a:p>
+            <a:fld id="{16D7DFFE-4023-BF4F-95A6-0BE536B3CCAC}" type="slidenum">
+              <a:rPr lang="fr-FR" smtClean="0"/>
+              <a:t>10</a:t>
+            </a:fld>
+            <a:endParaRPr lang="fr-FR"/>
+          </a:p>
+        </p:txBody>
+      </p:sp>
     </p:spTree>
     <p:extLst>
       <p:ext uri="{BB962C8B-B14F-4D97-AF65-F5344CB8AC3E}">
         <p14:creationId xmlns:p14="http://schemas.microsoft.com/office/powerpoint/2010/main" val="792817131"/>
+      </p:ext>
+    </p:extLst>
+  </p:cSld>
+  <p:clrMapOvr>
+    <a:masterClrMapping/>
+  </p:clrMapOvr>
+</p:sld>
+</file>
+
+<file path=ppt/slides/slide11.xml><?xml version="1.0" encoding="utf-8"?>
+<p:sld xmlns:a="http://schemas.openxmlformats.org/drawingml/2006/main" xmlns:r="http://schemas.openxmlformats.org/officeDocument/2006/relationships" xmlns:p="http://schemas.openxmlformats.org/presentationml/2006/main">
+  <p:cSld>
+    <p:spTree>
+      <p:nvGrpSpPr>
+        <p:cNvPr id="1" name=""/>
+        <p:cNvGrpSpPr/>
+        <p:nvPr/>
+      </p:nvGrpSpPr>
+      <p:grpSpPr>
+        <a:xfrm>
+          <a:off x="0" y="0"/>
+          <a:ext cx="0" cy="0"/>
+          <a:chOff x="0" y="0"/>
+          <a:chExt cx="0" cy="0"/>
+        </a:xfrm>
+      </p:grpSpPr>
+      <p:sp>
+        <p:nvSpPr>
+          <p:cNvPr id="2" name="Title 1"/>
+          <p:cNvSpPr>
+            <a:spLocks noGrp="1"/>
+          </p:cNvSpPr>
+          <p:nvPr>
+            <p:ph type="title"/>
+          </p:nvPr>
+        </p:nvSpPr>
+        <p:spPr/>
+        <p:txBody>
+          <a:bodyPr/>
+          <a:lstStyle/>
+          <a:p>
+            <a:r>
+              <a:rPr lang="fr-FR" dirty="0"/>
+              <a:t>Taille des </a:t>
+            </a:r>
+            <a:r>
+              <a:rPr lang="fr-FR" dirty="0" smtClean="0"/>
+              <a:t>classes</a:t>
+            </a:r>
+            <a:endParaRPr lang="fr-FR" dirty="0"/>
+          </a:p>
+        </p:txBody>
+      </p:sp>
+      <p:sp>
+        <p:nvSpPr>
+          <p:cNvPr id="3" name="Content Placeholder 2"/>
+          <p:cNvSpPr>
+            <a:spLocks noGrp="1"/>
+          </p:cNvSpPr>
+          <p:nvPr>
+            <p:ph idx="1"/>
+          </p:nvPr>
+        </p:nvSpPr>
+        <p:spPr/>
+        <p:txBody>
+          <a:bodyPr/>
+          <a:lstStyle/>
+          <a:p>
+            <a:endParaRPr lang="fr-FR" dirty="0" smtClean="0"/>
+          </a:p>
+          <a:p>
+            <a:r>
+              <a:rPr lang="fr-FR" dirty="0" smtClean="0"/>
+              <a:t>Assez similaire aux </a:t>
+            </a:r>
+            <a:r>
+              <a:rPr lang="fr-FR" dirty="0" err="1" smtClean="0"/>
+              <a:t>ap</a:t>
+            </a:r>
+            <a:r>
+              <a:rPr lang="nl-BE" dirty="0" smtClean="0"/>
+              <a:t>pels :</a:t>
+            </a:r>
+          </a:p>
+          <a:p>
+            <a:endParaRPr lang="nl-BE" dirty="0"/>
+          </a:p>
+          <a:p>
+            <a:pPr marL="457200" indent="-457200">
+              <a:buFont typeface="+mj-lt"/>
+              <a:buAutoNum type="arabicPeriod"/>
+            </a:pPr>
+            <a:r>
+              <a:rPr lang="nl-BE" dirty="0" smtClean="0"/>
+              <a:t>Pour chaque classe, on identifie ses méthodes apparaissant dans le graphe d’appel.</a:t>
+            </a:r>
+          </a:p>
+          <a:p>
+            <a:pPr marL="457200" indent="-457200">
+              <a:buFont typeface="+mj-lt"/>
+              <a:buAutoNum type="arabicPeriod"/>
+            </a:pPr>
+            <a:r>
+              <a:rPr lang="fr-FR" dirty="0"/>
+              <a:t>On les additionne et on stocke les résultats</a:t>
+            </a:r>
+          </a:p>
+          <a:p>
+            <a:pPr marL="0" indent="0">
+              <a:buNone/>
+            </a:pPr>
+            <a:endParaRPr lang="fr-FR" dirty="0"/>
+          </a:p>
+        </p:txBody>
+      </p:sp>
+      <p:sp>
+        <p:nvSpPr>
+          <p:cNvPr id="4" name="Date Placeholder 3"/>
+          <p:cNvSpPr>
+            <a:spLocks noGrp="1"/>
+          </p:cNvSpPr>
+          <p:nvPr>
+            <p:ph type="dt" sz="half" idx="10"/>
+          </p:nvPr>
+        </p:nvSpPr>
+        <p:spPr/>
+        <p:txBody>
+          <a:bodyPr/>
+          <a:lstStyle/>
+          <a:p>
+            <a:r>
+              <a:rPr lang="en-CA" smtClean="0"/>
+              <a:t>21/12/2015</a:t>
+            </a:r>
+            <a:endParaRPr lang="fr-FR"/>
+          </a:p>
+        </p:txBody>
+      </p:sp>
+      <p:sp>
+        <p:nvSpPr>
+          <p:cNvPr id="5" name="Footer Placeholder 4"/>
+          <p:cNvSpPr>
+            <a:spLocks noGrp="1"/>
+          </p:cNvSpPr>
+          <p:nvPr>
+            <p:ph type="ftr" sz="quarter" idx="11"/>
+          </p:nvPr>
+        </p:nvSpPr>
+        <p:spPr/>
+        <p:txBody>
+          <a:bodyPr/>
+          <a:lstStyle/>
+          <a:p>
+            <a:r>
+              <a:rPr lang="fr-FR" smtClean="0"/>
+              <a:t>IFT6252 Méthodes empiriques en génie logiciel</a:t>
+            </a:r>
+            <a:endParaRPr lang="fr-FR"/>
+          </a:p>
+        </p:txBody>
+      </p:sp>
+      <p:sp>
+        <p:nvSpPr>
+          <p:cNvPr id="6" name="Slide Number Placeholder 5"/>
+          <p:cNvSpPr>
+            <a:spLocks noGrp="1"/>
+          </p:cNvSpPr>
+          <p:nvPr>
+            <p:ph type="sldNum" sz="quarter" idx="12"/>
+          </p:nvPr>
+        </p:nvSpPr>
+        <p:spPr/>
+        <p:txBody>
+          <a:bodyPr/>
+          <a:lstStyle/>
+          <a:p>
+            <a:fld id="{16D7DFFE-4023-BF4F-95A6-0BE536B3CCAC}" type="slidenum">
+              <a:rPr lang="fr-FR" smtClean="0"/>
+              <a:t>11</a:t>
+            </a:fld>
+            <a:endParaRPr lang="fr-FR"/>
+          </a:p>
+        </p:txBody>
+      </p:sp>
+    </p:spTree>
+    <p:extLst>
+      <p:ext uri="{BB962C8B-B14F-4D97-AF65-F5344CB8AC3E}">
+        <p14:creationId xmlns:p14="http://schemas.microsoft.com/office/powerpoint/2010/main" val="993719502"/>
       </p:ext>
     </p:extLst>
   </p:cSld>
@@ -4327,12 +4924,12 @@
           <a:lstStyle/>
           <a:p>
             <a:r>
-              <a:rPr lang="fr-FR" dirty="0"/>
-              <a:t>Taille des </a:t>
-            </a:r>
-            <a:r>
-              <a:rPr lang="fr-FR" dirty="0" smtClean="0"/>
-              <a:t>classes</a:t>
+              <a:rPr lang="nl-BE" dirty="0"/>
+              <a:t>Issues dans le </a:t>
+            </a:r>
+            <a:r>
+              <a:rPr lang="nl-BE" dirty="0" smtClean="0"/>
+              <a:t>code (1/2)</a:t>
             </a:r>
             <a:endParaRPr lang="fr-FR" dirty="0"/>
           </a:p>
@@ -4353,24 +4950,14 @@
           <a:bodyPr/>
           <a:lstStyle/>
           <a:p>
-            <a:endParaRPr lang="fr-FR" dirty="0" smtClean="0"/>
-          </a:p>
-          <a:p>
-            <a:r>
-              <a:rPr lang="fr-FR" dirty="0" smtClean="0"/>
-              <a:t>Assez similaire aux </a:t>
-            </a:r>
-            <a:r>
-              <a:rPr lang="fr-FR" dirty="0" err="1" smtClean="0"/>
-              <a:t>ap</a:t>
-            </a:r>
-            <a:r>
-              <a:rPr lang="nl-BE" dirty="0" smtClean="0"/>
-              <a:t>pels :</a:t>
-            </a:r>
-          </a:p>
-          <a:p>
-            <a:endParaRPr lang="nl-BE" dirty="0"/>
+            <a:pPr marL="0" indent="0">
+              <a:buNone/>
+            </a:pPr>
+            <a:r>
+              <a:rPr lang="fr-FR" dirty="0" smtClean="0"/>
+              <a:t>C’est assez difficile a récupérer car cela dépend de la documentation des problèmes</a:t>
+            </a:r>
+            <a:endParaRPr lang="fr-FR" dirty="0"/>
           </a:p>
           <a:p>
             <a:pPr marL="457200" indent="-457200">
@@ -4378,9 +4965,26 @@
               <a:buAutoNum type="arabicPeriod"/>
             </a:pPr>
             <a:r>
-              <a:rPr lang="nl-BE" dirty="0" smtClean="0"/>
-              <a:t>Pour chaque classe, on identifie ses méthodes apparaissant dans le graphe d’appel.</a:t>
-            </a:r>
+              <a:rPr lang="fr-FR" dirty="0" smtClean="0"/>
+              <a:t>Pour chaque applications, récupérer l’ensemble des issues ouvert sur </a:t>
+            </a:r>
+            <a:r>
+              <a:rPr lang="fr-FR" dirty="0" err="1" smtClean="0"/>
+              <a:t>GitHub</a:t>
+            </a:r>
+            <a:r>
+              <a:rPr lang="fr-FR" dirty="0" smtClean="0"/>
+              <a:t> via l’API </a:t>
+            </a:r>
+            <a:r>
+              <a:rPr lang="fr-FR" dirty="0" err="1" smtClean="0"/>
+              <a:t>Gihub</a:t>
+            </a:r>
+            <a:r>
+              <a:rPr lang="fr-FR" dirty="0"/>
+              <a:t>,</a:t>
+            </a:r>
+            <a:endParaRPr lang="fr-FR" dirty="0"/>
           </a:p>
           <a:p>
             <a:pPr marL="457200" indent="-457200">
@@ -4388,22 +4992,290 @@
               <a:buAutoNum type="arabicPeriod"/>
             </a:pPr>
             <a:r>
-              <a:rPr lang="fr-FR" dirty="0"/>
-              <a:t>On les additionne et on stocke les résultats</a:t>
-            </a:r>
-          </a:p>
-          <a:p>
-            <a:pPr marL="0" indent="0">
+              <a:rPr lang="fr-FR" dirty="0" smtClean="0"/>
+              <a:t>Pour chaque issue, récupérer l’ensemble des </a:t>
+            </a:r>
+            <a:r>
+              <a:rPr lang="fr-FR" i="1" dirty="0" err="1" smtClean="0"/>
+              <a:t>events</a:t>
+            </a:r>
+            <a:r>
+              <a:rPr lang="fr-FR" i="1" dirty="0" smtClean="0"/>
+              <a:t>,</a:t>
+            </a:r>
+          </a:p>
+          <a:p>
+            <a:pPr marL="457200" indent="-457200">
+              <a:buFont typeface="+mj-lt"/>
+              <a:buAutoNum type="arabicPeriod"/>
+            </a:pPr>
+            <a:r>
+              <a:rPr lang="fr-FR" dirty="0" smtClean="0"/>
+              <a:t>Pour chaque </a:t>
+            </a:r>
+            <a:r>
+              <a:rPr lang="fr-FR" i="1" dirty="0" err="1" smtClean="0"/>
+              <a:t>event</a:t>
+            </a:r>
+            <a:r>
+              <a:rPr lang="fr-FR" dirty="0" smtClean="0"/>
+              <a:t>, récupérer le commit associé ou la </a:t>
+            </a:r>
+            <a:r>
+              <a:rPr lang="fr-FR" i="1" dirty="0" smtClean="0"/>
+              <a:t>pull </a:t>
+            </a:r>
+            <a:r>
+              <a:rPr lang="fr-FR" i="1" dirty="0" err="1" smtClean="0"/>
+              <a:t>request</a:t>
+            </a:r>
+            <a:r>
+              <a:rPr lang="fr-FR" i="1" dirty="0" smtClean="0"/>
+              <a:t> </a:t>
+            </a:r>
+            <a:r>
+              <a:rPr lang="fr-FR" dirty="0" smtClean="0"/>
+              <a:t>associé.</a:t>
+            </a:r>
+          </a:p>
+          <a:p>
+            <a:pPr marL="0" indent="0" algn="ctr">
               <a:buNone/>
             </a:pPr>
             <a:endParaRPr lang="fr-FR" dirty="0"/>
           </a:p>
-        </p:txBody>
-      </p:sp>
+          <a:p>
+            <a:pPr marL="0" indent="0" algn="ctr">
+              <a:buNone/>
+            </a:pPr>
+            <a:r>
+              <a:rPr lang="fr-FR" dirty="0" smtClean="0"/>
+              <a:t>                                                     Issue avec une </a:t>
+            </a:r>
+            <a:r>
+              <a:rPr lang="fr-FR" dirty="0" err="1" smtClean="0"/>
+              <a:t>réference</a:t>
+            </a:r>
+            <a:r>
+              <a:rPr lang="fr-FR" dirty="0" smtClean="0"/>
+              <a:t> vers une pull </a:t>
+            </a:r>
+            <a:r>
+              <a:rPr lang="fr-FR" dirty="0" err="1" smtClean="0"/>
+              <a:t>request</a:t>
+            </a:r>
+            <a:endParaRPr lang="fr-FR" dirty="0" smtClean="0"/>
+          </a:p>
+          <a:p>
+            <a:pPr marL="0" indent="0" algn="ctr">
+              <a:buNone/>
+            </a:pPr>
+            <a:endParaRPr lang="fr-FR" dirty="0"/>
+          </a:p>
+          <a:p>
+            <a:pPr marL="0" indent="0" algn="ctr">
+              <a:buNone/>
+            </a:pPr>
+            <a:endParaRPr lang="fr-FR" dirty="0" smtClean="0"/>
+          </a:p>
+          <a:p>
+            <a:pPr marL="0" indent="0" algn="ctr">
+              <a:buNone/>
+            </a:pPr>
+            <a:r>
+              <a:rPr lang="fr-FR" dirty="0" smtClean="0"/>
+              <a:t>                                               Pull </a:t>
+            </a:r>
+            <a:r>
+              <a:rPr lang="fr-FR" dirty="0" err="1" smtClean="0"/>
+              <a:t>Request</a:t>
+            </a:r>
+            <a:r>
+              <a:rPr lang="fr-FR" dirty="0" smtClean="0"/>
+              <a:t> avec référence vers le commit</a:t>
+            </a:r>
+            <a:endParaRPr lang="fr-FR" dirty="0"/>
+          </a:p>
+        </p:txBody>
+      </p:sp>
+      <p:sp>
+        <p:nvSpPr>
+          <p:cNvPr id="4" name="Date Placeholder 3"/>
+          <p:cNvSpPr>
+            <a:spLocks noGrp="1"/>
+          </p:cNvSpPr>
+          <p:nvPr>
+            <p:ph type="dt" sz="half" idx="10"/>
+          </p:nvPr>
+        </p:nvSpPr>
+        <p:spPr/>
+        <p:txBody>
+          <a:bodyPr/>
+          <a:lstStyle/>
+          <a:p>
+            <a:r>
+              <a:rPr lang="en-CA" smtClean="0"/>
+              <a:t>21/12/2015</a:t>
+            </a:r>
+            <a:endParaRPr lang="fr-FR"/>
+          </a:p>
+        </p:txBody>
+      </p:sp>
+      <p:sp>
+        <p:nvSpPr>
+          <p:cNvPr id="5" name="Footer Placeholder 4"/>
+          <p:cNvSpPr>
+            <a:spLocks noGrp="1"/>
+          </p:cNvSpPr>
+          <p:nvPr>
+            <p:ph type="ftr" sz="quarter" idx="11"/>
+          </p:nvPr>
+        </p:nvSpPr>
+        <p:spPr/>
+        <p:txBody>
+          <a:bodyPr/>
+          <a:lstStyle/>
+          <a:p>
+            <a:r>
+              <a:rPr lang="fr-FR" smtClean="0"/>
+              <a:t>IFT6252 Méthodes empiriques en génie logiciel</a:t>
+            </a:r>
+            <a:endParaRPr lang="fr-FR"/>
+          </a:p>
+        </p:txBody>
+      </p:sp>
+      <p:sp>
+        <p:nvSpPr>
+          <p:cNvPr id="6" name="Slide Number Placeholder 5"/>
+          <p:cNvSpPr>
+            <a:spLocks noGrp="1"/>
+          </p:cNvSpPr>
+          <p:nvPr>
+            <p:ph type="sldNum" sz="quarter" idx="12"/>
+          </p:nvPr>
+        </p:nvSpPr>
+        <p:spPr/>
+        <p:txBody>
+          <a:bodyPr/>
+          <a:lstStyle/>
+          <a:p>
+            <a:fld id="{16D7DFFE-4023-BF4F-95A6-0BE536B3CCAC}" type="slidenum">
+              <a:rPr lang="fr-FR" smtClean="0"/>
+              <a:t>12</a:t>
+            </a:fld>
+            <a:endParaRPr lang="fr-FR"/>
+          </a:p>
+        </p:txBody>
+      </p:sp>
+      <p:pic>
+        <p:nvPicPr>
+          <p:cNvPr id="9" name="Picture 8"/>
+          <p:cNvPicPr>
+            <a:picLocks noChangeAspect="1"/>
+          </p:cNvPicPr>
+          <p:nvPr/>
+        </p:nvPicPr>
+        <p:blipFill>
+          <a:blip r:embed="rId2">
+            <a:extLst>
+              <a:ext uri="{28A0092B-C50C-407E-A947-70E740481C1C}">
+                <a14:useLocalDpi xmlns:a14="http://schemas.microsoft.com/office/drawing/2010/main" val="0"/>
+              </a:ext>
+            </a:extLst>
+          </a:blip>
+          <a:stretch>
+            <a:fillRect/>
+          </a:stretch>
+        </p:blipFill>
+        <p:spPr>
+          <a:xfrm>
+            <a:off x="1097279" y="3886497"/>
+            <a:ext cx="3630885" cy="482586"/>
+          </a:xfrm>
+          <a:prstGeom prst="rect">
+            <a:avLst/>
+          </a:prstGeom>
+          <a:ln>
+            <a:solidFill>
+              <a:schemeClr val="tx1"/>
+            </a:solidFill>
+          </a:ln>
+        </p:spPr>
+      </p:pic>
+      <p:pic>
+        <p:nvPicPr>
+          <p:cNvPr id="10" name="Picture 9"/>
+          <p:cNvPicPr>
+            <a:picLocks noChangeAspect="1"/>
+          </p:cNvPicPr>
+          <p:nvPr/>
+        </p:nvPicPr>
+        <p:blipFill>
+          <a:blip r:embed="rId3">
+            <a:extLst>
+              <a:ext uri="{28A0092B-C50C-407E-A947-70E740481C1C}">
+                <a14:useLocalDpi xmlns:a14="http://schemas.microsoft.com/office/drawing/2010/main" val="0"/>
+              </a:ext>
+            </a:extLst>
+          </a:blip>
+          <a:stretch>
+            <a:fillRect/>
+          </a:stretch>
+        </p:blipFill>
+        <p:spPr>
+          <a:xfrm>
+            <a:off x="1097279" y="4384715"/>
+            <a:ext cx="3630885" cy="432248"/>
+          </a:xfrm>
+          <a:prstGeom prst="rect">
+            <a:avLst/>
+          </a:prstGeom>
+          <a:ln>
+            <a:solidFill>
+              <a:schemeClr val="tx1"/>
+            </a:solidFill>
+          </a:ln>
+        </p:spPr>
+      </p:pic>
+      <p:pic>
+        <p:nvPicPr>
+          <p:cNvPr id="11" name="Picture 10"/>
+          <p:cNvPicPr>
+            <a:picLocks noChangeAspect="1"/>
+          </p:cNvPicPr>
+          <p:nvPr/>
+        </p:nvPicPr>
+        <p:blipFill>
+          <a:blip r:embed="rId4">
+            <a:extLst>
+              <a:ext uri="{28A0092B-C50C-407E-A947-70E740481C1C}">
+                <a14:useLocalDpi xmlns:a14="http://schemas.microsoft.com/office/drawing/2010/main" val="0"/>
+              </a:ext>
+            </a:extLst>
+          </a:blip>
+          <a:stretch>
+            <a:fillRect/>
+          </a:stretch>
+        </p:blipFill>
+        <p:spPr>
+          <a:xfrm>
+            <a:off x="1097279" y="5003798"/>
+            <a:ext cx="3630885" cy="1052131"/>
+          </a:xfrm>
+          <a:prstGeom prst="rect">
+            <a:avLst/>
+          </a:prstGeom>
+          <a:ln>
+            <a:solidFill>
+              <a:schemeClr val="tx1"/>
+            </a:solidFill>
+          </a:ln>
+        </p:spPr>
+      </p:pic>
     </p:spTree>
     <p:extLst>
       <p:ext uri="{BB962C8B-B14F-4D97-AF65-F5344CB8AC3E}">
-        <p14:creationId xmlns:p14="http://schemas.microsoft.com/office/powerpoint/2010/main" val="993719502"/>
+        <p14:creationId xmlns:p14="http://schemas.microsoft.com/office/powerpoint/2010/main" val="254150704"/>
       </p:ext>
     </p:extLst>
   </p:cSld>
@@ -4450,36 +5322,293 @@
               <a:t>Issues dans le </a:t>
             </a:r>
             <a:r>
+              <a:rPr lang="nl-BE" dirty="0"/>
+              <a:t>code </a:t>
+            </a:r>
+            <a:r>
               <a:rPr lang="nl-BE" dirty="0" smtClean="0"/>
-              <a:t>code</a:t>
+              <a:t>(2/2</a:t>
+            </a:r>
+            <a:r>
+              <a:rPr lang="nl-BE" dirty="0"/>
+              <a:t>)</a:t>
             </a:r>
             <a:endParaRPr lang="fr-FR" dirty="0"/>
           </a:p>
         </p:txBody>
       </p:sp>
-      <p:sp>
-        <p:nvSpPr>
-          <p:cNvPr id="3" name="Content Placeholder 2"/>
-          <p:cNvSpPr>
-            <a:spLocks noGrp="1"/>
-          </p:cNvSpPr>
-          <p:nvPr>
-            <p:ph idx="1"/>
-          </p:nvPr>
-        </p:nvSpPr>
-        <p:spPr/>
-        <p:txBody>
-          <a:bodyPr/>
-          <a:lstStyle/>
-          <a:p>
-            <a:endParaRPr lang="fr-FR"/>
-          </a:p>
-        </p:txBody>
-      </p:sp>
+      <mc:AlternateContent xmlns:mc="http://schemas.openxmlformats.org/markup-compatibility/2006">
+        <mc:Choice xmlns:a14="http://schemas.microsoft.com/office/drawing/2010/main" Requires="a14">
+          <p:sp>
+            <p:nvSpPr>
+              <p:cNvPr id="3" name="Content Placeholder 2"/>
+              <p:cNvSpPr>
+                <a:spLocks noGrp="1"/>
+              </p:cNvSpPr>
+              <p:nvPr>
+                <p:ph idx="1"/>
+              </p:nvPr>
+            </p:nvSpPr>
+            <p:spPr/>
+            <p:txBody>
+              <a:bodyPr/>
+              <a:lstStyle/>
+              <a:p>
+                <a:pPr marL="457200" indent="-457200">
+                  <a:buFont typeface="+mj-lt"/>
+                  <a:buAutoNum type="arabicPeriod"/>
+                </a:pPr>
+                <a:r>
+                  <a:rPr lang="fr-FR" dirty="0" smtClean="0"/>
+                  <a:t>Pour chaque commit, identifier les classes concernés</a:t>
+                </a:r>
+              </a:p>
+              <a:p>
+                <a:pPr marL="457200" indent="-457200">
+                  <a:buFont typeface="+mj-lt"/>
+                  <a:buAutoNum type="arabicPeriod"/>
+                </a:pPr>
+                <a:r>
+                  <a:rPr lang="fr-FR" dirty="0" smtClean="0"/>
+                  <a:t>Ajouter le score </a:t>
+                </a:r>
+                <a14:m>
+                  <m:oMath xmlns:m="http://schemas.openxmlformats.org/officeDocument/2006/math">
+                    <m:f>
+                      <m:fPr>
+                        <m:ctrlPr>
+                          <a:rPr lang="bg-BG" i="1" smtClean="0">
+                            <a:latin typeface="Cambria Math" charset="0"/>
+                          </a:rPr>
+                        </m:ctrlPr>
+                      </m:fPr>
+                      <m:num>
+                        <m:r>
+                          <a:rPr lang="nl-BE" b="0" i="1" smtClean="0">
+                            <a:latin typeface="Cambria Math" charset="0"/>
+                          </a:rPr>
+                          <m:t>1</m:t>
+                        </m:r>
+                      </m:num>
+                      <m:den>
+                        <m:r>
+                          <a:rPr lang="nl-BE" b="0" i="1" smtClean="0">
+                            <a:latin typeface="Cambria Math" charset="0"/>
+                          </a:rPr>
+                          <m:t>𝑛𝑜𝑚𝑏𝑟𝑒</m:t>
+                        </m:r>
+                        <m:r>
+                          <a:rPr lang="nl-BE" b="0" i="1" smtClean="0">
+                            <a:latin typeface="Cambria Math" charset="0"/>
+                          </a:rPr>
+                          <m:t> </m:t>
+                        </m:r>
+                        <m:r>
+                          <a:rPr lang="nl-BE" b="0" i="1" smtClean="0">
+                            <a:latin typeface="Cambria Math" charset="0"/>
+                          </a:rPr>
+                          <m:t>𝑑𝑒</m:t>
+                        </m:r>
+                        <m:r>
+                          <a:rPr lang="nl-BE" b="0" i="1" smtClean="0">
+                            <a:latin typeface="Cambria Math" charset="0"/>
+                          </a:rPr>
+                          <m:t> </m:t>
+                        </m:r>
+                        <m:r>
+                          <a:rPr lang="nl-BE" b="0" i="1" smtClean="0">
+                            <a:latin typeface="Cambria Math" charset="0"/>
+                          </a:rPr>
+                          <m:t>𝑐𝑙𝑎𝑠𝑠𝑒𝑠</m:t>
+                        </m:r>
+                        <m:r>
+                          <a:rPr lang="nl-BE" b="0" i="1" smtClean="0">
+                            <a:latin typeface="Cambria Math" charset="0"/>
+                          </a:rPr>
+                          <m:t> </m:t>
+                        </m:r>
+                        <m:r>
+                          <a:rPr lang="nl-BE" b="0" i="1" smtClean="0">
+                            <a:latin typeface="Cambria Math" charset="0"/>
+                          </a:rPr>
+                          <m:t>𝑐𝑜𝑛𝑐𝑒𝑟𝑛</m:t>
+                        </m:r>
+                        <m:r>
+                          <a:rPr lang="nl-BE" b="0" i="1" smtClean="0">
+                            <a:latin typeface="Cambria Math" charset="0"/>
+                          </a:rPr>
+                          <m:t>é</m:t>
+                        </m:r>
+                        <m:r>
+                          <a:rPr lang="nl-BE" b="0" i="1" smtClean="0">
+                            <a:latin typeface="Cambria Math" charset="0"/>
+                          </a:rPr>
+                          <m:t>𝑠</m:t>
+                        </m:r>
+                      </m:den>
+                    </m:f>
+                  </m:oMath>
+                </a14:m>
+                <a:r>
+                  <a:rPr lang="fr-FR" dirty="0" smtClean="0"/>
+                  <a:t> aux classes concernés</a:t>
+                </a:r>
+              </a:p>
+              <a:p>
+                <a:pPr marL="0" indent="0">
+                  <a:buNone/>
+                </a:pPr>
+                <a:r>
+                  <a:rPr lang="fr-FR" dirty="0" smtClean="0"/>
+                  <a:t>Exemple :</a:t>
+                </a:r>
+              </a:p>
+              <a:p>
+                <a:pPr marL="0" indent="0">
+                  <a:buNone/>
+                </a:pPr>
+                <a:endParaRPr lang="fr-FR" dirty="0"/>
+              </a:p>
+            </p:txBody>
+          </p:sp>
+        </mc:Choice>
+        <mc:Fallback>
+          <p:sp>
+            <p:nvSpPr>
+              <p:cNvPr id="3" name="Content Placeholder 2"/>
+              <p:cNvSpPr>
+                <a:spLocks noGrp="1" noRot="1" noChangeAspect="1" noMove="1" noResize="1" noEditPoints="1" noAdjustHandles="1" noChangeArrowheads="1" noChangeShapeType="1" noTextEdit="1"/>
+              </p:cNvSpPr>
+              <p:nvPr>
+                <p:ph idx="1"/>
+              </p:nvPr>
+            </p:nvSpPr>
+            <p:spPr>
+              <a:blipFill rotWithShape="0">
+                <a:blip r:embed="rId2"/>
+                <a:stretch>
+                  <a:fillRect l="-1576" t="-1818"/>
+                </a:stretch>
+              </a:blipFill>
+            </p:spPr>
+            <p:txBody>
+              <a:bodyPr/>
+              <a:lstStyle/>
+              <a:p>
+                <a:r>
+                  <a:rPr lang="fr-FR">
+                    <a:noFill/>
+                  </a:rPr>
+                  <a:t> </a:t>
+                </a:r>
+              </a:p>
+            </p:txBody>
+          </p:sp>
+        </mc:Fallback>
+      </mc:AlternateContent>
+      <p:sp>
+        <p:nvSpPr>
+          <p:cNvPr id="4" name="Date Placeholder 3"/>
+          <p:cNvSpPr>
+            <a:spLocks noGrp="1"/>
+          </p:cNvSpPr>
+          <p:nvPr>
+            <p:ph type="dt" sz="half" idx="10"/>
+          </p:nvPr>
+        </p:nvSpPr>
+        <p:spPr/>
+        <p:txBody>
+          <a:bodyPr/>
+          <a:lstStyle/>
+          <a:p>
+            <a:r>
+              <a:rPr lang="en-CA" smtClean="0"/>
+              <a:t>21/12/2015</a:t>
+            </a:r>
+            <a:endParaRPr lang="fr-FR"/>
+          </a:p>
+        </p:txBody>
+      </p:sp>
+      <p:sp>
+        <p:nvSpPr>
+          <p:cNvPr id="5" name="Footer Placeholder 4"/>
+          <p:cNvSpPr>
+            <a:spLocks noGrp="1"/>
+          </p:cNvSpPr>
+          <p:nvPr>
+            <p:ph type="ftr" sz="quarter" idx="11"/>
+          </p:nvPr>
+        </p:nvSpPr>
+        <p:spPr/>
+        <p:txBody>
+          <a:bodyPr/>
+          <a:lstStyle/>
+          <a:p>
+            <a:r>
+              <a:rPr lang="fr-FR" smtClean="0"/>
+              <a:t>IFT6252 Méthodes empiriques en génie logiciel</a:t>
+            </a:r>
+            <a:endParaRPr lang="fr-FR"/>
+          </a:p>
+        </p:txBody>
+      </p:sp>
+      <p:sp>
+        <p:nvSpPr>
+          <p:cNvPr id="6" name="Slide Number Placeholder 5"/>
+          <p:cNvSpPr>
+            <a:spLocks noGrp="1"/>
+          </p:cNvSpPr>
+          <p:nvPr>
+            <p:ph type="sldNum" sz="quarter" idx="12"/>
+          </p:nvPr>
+        </p:nvSpPr>
+        <p:spPr/>
+        <p:txBody>
+          <a:bodyPr/>
+          <a:lstStyle/>
+          <a:p>
+            <a:fld id="{16D7DFFE-4023-BF4F-95A6-0BE536B3CCAC}" type="slidenum">
+              <a:rPr lang="fr-FR" smtClean="0"/>
+              <a:t>13</a:t>
+            </a:fld>
+            <a:endParaRPr lang="fr-FR"/>
+          </a:p>
+        </p:txBody>
+      </p:sp>
+      <p:pic>
+        <p:nvPicPr>
+          <p:cNvPr id="7" name="Picture 6"/>
+          <p:cNvPicPr>
+            <a:picLocks noChangeAspect="1"/>
+          </p:cNvPicPr>
+          <p:nvPr/>
+        </p:nvPicPr>
+        <p:blipFill>
+          <a:blip r:embed="rId3">
+            <a:extLst>
+              <a:ext uri="{28A0092B-C50C-407E-A947-70E740481C1C}">
+                <a14:useLocalDpi xmlns:a14="http://schemas.microsoft.com/office/drawing/2010/main" val="0"/>
+              </a:ext>
+            </a:extLst>
+          </a:blip>
+          <a:stretch>
+            <a:fillRect/>
+          </a:stretch>
+        </p:blipFill>
+        <p:spPr>
+          <a:xfrm>
+            <a:off x="3043237" y="3060908"/>
+            <a:ext cx="6108700" cy="2916560"/>
+          </a:xfrm>
+          <a:prstGeom prst="rect">
+            <a:avLst/>
+          </a:prstGeom>
+        </p:spPr>
+      </p:pic>
     </p:spTree>
     <p:extLst>
       <p:ext uri="{BB962C8B-B14F-4D97-AF65-F5344CB8AC3E}">
-        <p14:creationId xmlns:p14="http://schemas.microsoft.com/office/powerpoint/2010/main" val="254150704"/>
+        <p14:creationId xmlns:p14="http://schemas.microsoft.com/office/powerpoint/2010/main" val="867480966"/>
       </p:ext>
     </p:extLst>
   </p:cSld>
@@ -4522,28 +5651,112 @@
           <a:lstStyle/>
           <a:p>
             <a:r>
-              <a:rPr lang="nl-BE" dirty="0"/>
-              <a:t>Issues dans le code</a:t>
+              <a:rPr lang="fr-FR" dirty="0" smtClean="0"/>
+              <a:t>Résultats : csv</a:t>
             </a:r>
             <a:endParaRPr lang="fr-FR" dirty="0"/>
           </a:p>
         </p:txBody>
       </p:sp>
-      <p:sp>
-        <p:nvSpPr>
-          <p:cNvPr id="3" name="Content Placeholder 2"/>
-          <p:cNvSpPr>
-            <a:spLocks noGrp="1"/>
-          </p:cNvSpPr>
+      <p:pic>
+        <p:nvPicPr>
+          <p:cNvPr id="6" name="Content Placeholder 5"/>
+          <p:cNvPicPr>
+            <a:picLocks noGrp="1" noChangeAspect="1"/>
+          </p:cNvPicPr>
           <p:nvPr>
             <p:ph idx="1"/>
           </p:nvPr>
-        </p:nvSpPr>
-        <p:spPr/>
-        <p:txBody>
-          <a:bodyPr/>
-          <a:lstStyle/>
-          <a:p>
+        </p:nvPicPr>
+        <p:blipFill>
+          <a:blip r:embed="rId2">
+            <a:extLst>
+              <a:ext uri="{28A0092B-C50C-407E-A947-70E740481C1C}">
+                <a14:useLocalDpi xmlns:a14="http://schemas.microsoft.com/office/drawing/2010/main" val="0"/>
+              </a:ext>
+            </a:extLst>
+          </a:blip>
+          <a:stretch>
+            <a:fillRect/>
+          </a:stretch>
+        </p:blipFill>
+        <p:spPr>
+          <a:xfrm>
+            <a:off x="2792413" y="2333625"/>
+            <a:ext cx="6667500" cy="3048000"/>
+          </a:xfrm>
+          <a:ln>
+            <a:solidFill>
+              <a:schemeClr val="accent1"/>
+            </a:solidFill>
+          </a:ln>
+        </p:spPr>
+      </p:pic>
+      <p:sp>
+        <p:nvSpPr>
+          <p:cNvPr id="3" name="Date Placeholder 2"/>
+          <p:cNvSpPr>
+            <a:spLocks noGrp="1"/>
+          </p:cNvSpPr>
+          <p:nvPr>
+            <p:ph type="dt" sz="half" idx="10"/>
+          </p:nvPr>
+        </p:nvSpPr>
+        <p:spPr/>
+        <p:txBody>
+          <a:bodyPr/>
+          <a:lstStyle/>
+          <a:p>
+            <a:r>
+              <a:rPr lang="en-CA" smtClean="0"/>
+              <a:t>21/12/2015</a:t>
+            </a:r>
+            <a:endParaRPr lang="fr-FR"/>
+          </a:p>
+        </p:txBody>
+      </p:sp>
+      <p:sp>
+        <p:nvSpPr>
+          <p:cNvPr id="4" name="Footer Placeholder 3"/>
+          <p:cNvSpPr>
+            <a:spLocks noGrp="1"/>
+          </p:cNvSpPr>
+          <p:nvPr>
+            <p:ph type="ftr" sz="quarter" idx="11"/>
+          </p:nvPr>
+        </p:nvSpPr>
+        <p:spPr/>
+        <p:txBody>
+          <a:bodyPr/>
+          <a:lstStyle/>
+          <a:p>
+            <a:r>
+              <a:rPr lang="fr-FR" smtClean="0"/>
+              <a:t>IFT6252 Méthodes empiriques en génie logiciel</a:t>
+            </a:r>
+            <a:endParaRPr lang="fr-FR"/>
+          </a:p>
+        </p:txBody>
+      </p:sp>
+      <p:sp>
+        <p:nvSpPr>
+          <p:cNvPr id="5" name="Slide Number Placeholder 4"/>
+          <p:cNvSpPr>
+            <a:spLocks noGrp="1"/>
+          </p:cNvSpPr>
+          <p:nvPr>
+            <p:ph type="sldNum" sz="quarter" idx="12"/>
+          </p:nvPr>
+        </p:nvSpPr>
+        <p:spPr/>
+        <p:txBody>
+          <a:bodyPr/>
+          <a:lstStyle/>
+          <a:p>
+            <a:fld id="{16D7DFFE-4023-BF4F-95A6-0BE536B3CCAC}" type="slidenum">
+              <a:rPr lang="fr-FR" smtClean="0"/>
+              <a:t>14</a:t>
+            </a:fld>
             <a:endParaRPr lang="fr-FR"/>
           </a:p>
         </p:txBody>
@@ -4551,7 +5764,7 @@
     </p:spTree>
     <p:extLst>
       <p:ext uri="{BB962C8B-B14F-4D97-AF65-F5344CB8AC3E}">
-        <p14:creationId xmlns:p14="http://schemas.microsoft.com/office/powerpoint/2010/main" val="867480966"/>
+        <p14:creationId xmlns:p14="http://schemas.microsoft.com/office/powerpoint/2010/main" val="718139080"/>
       </p:ext>
     </p:extLst>
   </p:cSld>
@@ -4594,22 +5807,118 @@
           <a:lstStyle/>
           <a:p>
             <a:r>
-              <a:rPr lang="fr-FR" dirty="0" smtClean="0"/>
-              <a:t>Résultats</a:t>
-            </a:r>
+              <a:rPr lang="fr-FR" dirty="0"/>
+              <a:t>Résultats : </a:t>
+            </a:r>
+            <a:r>
+              <a:rPr lang="fr-FR" dirty="0" smtClean="0"/>
+              <a:t>graphique</a:t>
+            </a:r>
+            <a:endParaRPr lang="fr-FR" dirty="0"/>
+          </a:p>
+        </p:txBody>
+      </p:sp>
+      <p:sp>
+        <p:nvSpPr>
+          <p:cNvPr id="4" name="Date Placeholder 3"/>
+          <p:cNvSpPr>
+            <a:spLocks noGrp="1"/>
+          </p:cNvSpPr>
+          <p:nvPr>
+            <p:ph type="dt" sz="half" idx="10"/>
+          </p:nvPr>
+        </p:nvSpPr>
+        <p:spPr/>
+        <p:txBody>
+          <a:bodyPr/>
+          <a:lstStyle/>
+          <a:p>
+            <a:r>
+              <a:rPr lang="en-CA" smtClean="0"/>
+              <a:t>21/12/2015</a:t>
+            </a:r>
+            <a:endParaRPr lang="fr-FR"/>
+          </a:p>
+        </p:txBody>
+      </p:sp>
+      <p:sp>
+        <p:nvSpPr>
+          <p:cNvPr id="5" name="Footer Placeholder 4"/>
+          <p:cNvSpPr>
+            <a:spLocks noGrp="1"/>
+          </p:cNvSpPr>
+          <p:nvPr>
+            <p:ph type="ftr" sz="quarter" idx="11"/>
+          </p:nvPr>
+        </p:nvSpPr>
+        <p:spPr/>
+        <p:txBody>
+          <a:bodyPr/>
+          <a:lstStyle/>
+          <a:p>
+            <a:r>
+              <a:rPr lang="fr-FR" smtClean="0"/>
+              <a:t>IFT6252 Méthodes empiriques en génie logiciel</a:t>
+            </a:r>
+            <a:endParaRPr lang="fr-FR"/>
+          </a:p>
+        </p:txBody>
+      </p:sp>
+      <p:sp>
+        <p:nvSpPr>
+          <p:cNvPr id="6" name="Slide Number Placeholder 5"/>
+          <p:cNvSpPr>
+            <a:spLocks noGrp="1"/>
+          </p:cNvSpPr>
+          <p:nvPr>
+            <p:ph type="sldNum" sz="quarter" idx="12"/>
+          </p:nvPr>
+        </p:nvSpPr>
+        <p:spPr/>
+        <p:txBody>
+          <a:bodyPr/>
+          <a:lstStyle/>
+          <a:p>
+            <a:fld id="{16D7DFFE-4023-BF4F-95A6-0BE536B3CCAC}" type="slidenum">
+              <a:rPr lang="fr-FR" smtClean="0"/>
+              <a:t>15</a:t>
+            </a:fld>
+            <a:endParaRPr lang="fr-FR"/>
+          </a:p>
+        </p:txBody>
+      </p:sp>
+      <p:sp>
+        <p:nvSpPr>
+          <p:cNvPr id="9" name="Content Placeholder 8"/>
+          <p:cNvSpPr>
+            <a:spLocks noGrp="1"/>
+          </p:cNvSpPr>
+          <p:nvPr>
+            <p:ph idx="1"/>
+          </p:nvPr>
+        </p:nvSpPr>
+        <p:spPr/>
+        <p:txBody>
+          <a:bodyPr/>
+          <a:lstStyle/>
+          <a:p>
+            <a:r>
+              <a:rPr lang="fr-FR" dirty="0" smtClean="0"/>
+              <a:t>Pour l’ensemble des applications</a:t>
+            </a:r>
+          </a:p>
+          <a:p>
             <a:endParaRPr lang="fr-FR" dirty="0"/>
           </a:p>
         </p:txBody>
       </p:sp>
       <p:pic>
         <p:nvPicPr>
-          <p:cNvPr id="6" name="Content Placeholder 5"/>
+          <p:cNvPr id="10" name="Picture 9"/>
           <p:cNvPicPr>
-            <a:picLocks noGrp="1" noChangeAspect="1"/>
+            <a:picLocks noChangeAspect="1"/>
           </p:cNvPicPr>
-          <p:nvPr>
-            <p:ph idx="1"/>
-          </p:nvPr>
+          <p:nvPr/>
         </p:nvPicPr>
         <p:blipFill>
           <a:blip r:embed="rId2">
@@ -4625,20 +5934,18 @@
         </p:blipFill>
         <p:spPr>
           <a:xfrm>
-            <a:off x="2792413" y="2333625"/>
-            <a:ext cx="6667500" cy="3048000"/>
+            <a:off x="3424237" y="2154414"/>
+            <a:ext cx="5346700" cy="4010025"/>
           </a:xfrm>
-          <a:ln>
-            <a:solidFill>
-              <a:schemeClr val="accent1"/>
-            </a:solidFill>
-          </a:ln>
+          <a:prstGeom prst="rect">
+            <a:avLst/>
+          </a:prstGeom>
         </p:spPr>
       </p:pic>
     </p:spTree>
     <p:extLst>
       <p:ext uri="{BB962C8B-B14F-4D97-AF65-F5344CB8AC3E}">
-        <p14:creationId xmlns:p14="http://schemas.microsoft.com/office/powerpoint/2010/main" val="718139080"/>
+        <p14:creationId xmlns:p14="http://schemas.microsoft.com/office/powerpoint/2010/main" val="726272431"/>
       </p:ext>
     </p:extLst>
   </p:cSld>
@@ -4818,6 +6125,75 @@
           <a:p>
             <a:pPr lvl="1"/>
             <a:endParaRPr lang="fr-FR" dirty="0"/>
+          </a:p>
+        </p:txBody>
+      </p:sp>
+      <p:sp>
+        <p:nvSpPr>
+          <p:cNvPr id="4" name="Date Placeholder 3"/>
+          <p:cNvSpPr>
+            <a:spLocks noGrp="1"/>
+          </p:cNvSpPr>
+          <p:nvPr>
+            <p:ph type="dt" sz="half" idx="10"/>
+          </p:nvPr>
+        </p:nvSpPr>
+        <p:spPr/>
+        <p:txBody>
+          <a:bodyPr/>
+          <a:lstStyle/>
+          <a:p>
+            <a:r>
+              <a:rPr lang="en-CA" smtClean="0"/>
+              <a:t>21/12/2015</a:t>
+            </a:r>
+            <a:endParaRPr lang="fr-FR"/>
+          </a:p>
+        </p:txBody>
+      </p:sp>
+      <p:sp>
+        <p:nvSpPr>
+          <p:cNvPr id="5" name="Footer Placeholder 4"/>
+          <p:cNvSpPr>
+            <a:spLocks noGrp="1"/>
+          </p:cNvSpPr>
+          <p:nvPr>
+            <p:ph type="ftr" sz="quarter" idx="11"/>
+          </p:nvPr>
+        </p:nvSpPr>
+        <p:spPr/>
+        <p:txBody>
+          <a:bodyPr/>
+          <a:lstStyle/>
+          <a:p>
+            <a:r>
+              <a:rPr lang="fr-FR" smtClean="0"/>
+              <a:t>IFT6252 Méthodes empiriques en génie logiciel</a:t>
+            </a:r>
+            <a:endParaRPr lang="fr-FR"/>
+          </a:p>
+        </p:txBody>
+      </p:sp>
+      <p:sp>
+        <p:nvSpPr>
+          <p:cNvPr id="6" name="Slide Number Placeholder 5"/>
+          <p:cNvSpPr>
+            <a:spLocks noGrp="1"/>
+          </p:cNvSpPr>
+          <p:nvPr>
+            <p:ph type="sldNum" sz="quarter" idx="12"/>
+          </p:nvPr>
+        </p:nvSpPr>
+        <p:spPr/>
+        <p:txBody>
+          <a:bodyPr/>
+          <a:lstStyle/>
+          <a:p>
+            <a:fld id="{16D7DFFE-4023-BF4F-95A6-0BE536B3CCAC}" type="slidenum">
+              <a:rPr lang="fr-FR" smtClean="0"/>
+              <a:t>16</a:t>
+            </a:fld>
+            <a:endParaRPr lang="fr-FR"/>
           </a:p>
         </p:txBody>
       </p:sp>
@@ -4986,6 +6362,75 @@
           </a:ln>
         </p:spPr>
       </p:pic>
+      <p:sp>
+        <p:nvSpPr>
+          <p:cNvPr id="5" name="Date Placeholder 4"/>
+          <p:cNvSpPr>
+            <a:spLocks noGrp="1"/>
+          </p:cNvSpPr>
+          <p:nvPr>
+            <p:ph type="dt" sz="half" idx="10"/>
+          </p:nvPr>
+        </p:nvSpPr>
+        <p:spPr/>
+        <p:txBody>
+          <a:bodyPr/>
+          <a:lstStyle/>
+          <a:p>
+            <a:r>
+              <a:rPr lang="en-CA" smtClean="0"/>
+              <a:t>21/12/2015</a:t>
+            </a:r>
+            <a:endParaRPr lang="fr-FR"/>
+          </a:p>
+        </p:txBody>
+      </p:sp>
+      <p:sp>
+        <p:nvSpPr>
+          <p:cNvPr id="6" name="Footer Placeholder 5"/>
+          <p:cNvSpPr>
+            <a:spLocks noGrp="1"/>
+          </p:cNvSpPr>
+          <p:nvPr>
+            <p:ph type="ftr" sz="quarter" idx="11"/>
+          </p:nvPr>
+        </p:nvSpPr>
+        <p:spPr/>
+        <p:txBody>
+          <a:bodyPr/>
+          <a:lstStyle/>
+          <a:p>
+            <a:r>
+              <a:rPr lang="fr-FR" smtClean="0"/>
+              <a:t>IFT6252 Méthodes empiriques en génie logiciel</a:t>
+            </a:r>
+            <a:endParaRPr lang="fr-FR"/>
+          </a:p>
+        </p:txBody>
+      </p:sp>
+      <p:sp>
+        <p:nvSpPr>
+          <p:cNvPr id="7" name="Slide Number Placeholder 6"/>
+          <p:cNvSpPr>
+            <a:spLocks noGrp="1"/>
+          </p:cNvSpPr>
+          <p:nvPr>
+            <p:ph type="sldNum" sz="quarter" idx="12"/>
+          </p:nvPr>
+        </p:nvSpPr>
+        <p:spPr/>
+        <p:txBody>
+          <a:bodyPr/>
+          <a:lstStyle/>
+          <a:p>
+            <a:fld id="{16D7DFFE-4023-BF4F-95A6-0BE536B3CCAC}" type="slidenum">
+              <a:rPr lang="fr-FR" smtClean="0"/>
+              <a:t>17</a:t>
+            </a:fld>
+            <a:endParaRPr lang="fr-FR"/>
+          </a:p>
+        </p:txBody>
+      </p:sp>
     </p:spTree>
     <p:extLst>
       <p:ext uri="{BB962C8B-B14F-4D97-AF65-F5344CB8AC3E}">
@@ -5056,8 +6501,29 @@
           <a:p>
             <a:r>
               <a:rPr lang="fr-FR" dirty="0" smtClean="0"/>
-              <a:t>classe avec Appel et sans appel</a:t>
-            </a:r>
+              <a:t>H</a:t>
+            </a:r>
+            <a:r>
+              <a:rPr lang="fr-FR" baseline="-25000" dirty="0" smtClean="0"/>
+              <a:t>0</a:t>
+            </a:r>
+            <a:r>
+              <a:rPr lang="fr-FR" dirty="0" smtClean="0"/>
+              <a:t> : Echantillon de la m</a:t>
+            </a:r>
+            <a:r>
+              <a:rPr lang="nl-BE" dirty="0" smtClean="0"/>
+              <a:t>ême population avec la même moyenne</a:t>
+            </a:r>
+          </a:p>
+          <a:p>
+            <a:r>
+              <a:rPr lang="fr-FR" dirty="0" smtClean="0"/>
+              <a:t>Comparaison des issues pour les classes avec appels et sans appels</a:t>
+            </a:r>
+          </a:p>
+          <a:p>
+            <a:endParaRPr lang="fr-FR" dirty="0" smtClean="0"/>
           </a:p>
           <a:p>
             <a:endParaRPr lang="fr-FR" dirty="0"/>
@@ -5065,12 +6531,183 @@
           <a:p>
             <a:r>
               <a:rPr lang="fr-FR" dirty="0" smtClean="0"/>
-              <a:t>Classe avec problème et sans problème</a:t>
-            </a:r>
+              <a:t>Comparaison </a:t>
+            </a:r>
+            <a:r>
+              <a:rPr lang="fr-FR" dirty="0"/>
+              <a:t>des </a:t>
+            </a:r>
+            <a:r>
+              <a:rPr lang="fr-FR" dirty="0" smtClean="0"/>
+              <a:t>appels pour </a:t>
+            </a:r>
+            <a:r>
+              <a:rPr lang="fr-FR" dirty="0"/>
+              <a:t>les classes avec </a:t>
+            </a:r>
+            <a:r>
+              <a:rPr lang="fr-FR" dirty="0" smtClean="0"/>
+              <a:t>issues et </a:t>
+            </a:r>
+            <a:r>
+              <a:rPr lang="fr-FR" dirty="0"/>
+              <a:t>sans </a:t>
+            </a:r>
+            <a:r>
+              <a:rPr lang="fr-FR" dirty="0" smtClean="0"/>
+              <a:t>issues</a:t>
+            </a:r>
+          </a:p>
+          <a:p>
             <a:endParaRPr lang="fr-FR" dirty="0"/>
           </a:p>
-        </p:txBody>
-      </p:sp>
+          <a:p>
+            <a:endParaRPr lang="fr-FR" dirty="0" smtClean="0"/>
+          </a:p>
+          <a:p>
+            <a:pPr>
+              <a:buFont typeface="Wingdings" charset="2"/>
+              <a:buChar char="Ø"/>
+            </a:pPr>
+            <a:r>
+              <a:rPr lang="fr-FR" dirty="0" smtClean="0"/>
+              <a:t>On rejette l’hypothèse nulle</a:t>
+            </a:r>
+          </a:p>
+          <a:p>
+            <a:endParaRPr lang="fr-FR" dirty="0"/>
+          </a:p>
+        </p:txBody>
+      </p:sp>
+      <p:sp>
+        <p:nvSpPr>
+          <p:cNvPr id="4" name="Date Placeholder 3"/>
+          <p:cNvSpPr>
+            <a:spLocks noGrp="1"/>
+          </p:cNvSpPr>
+          <p:nvPr>
+            <p:ph type="dt" sz="half" idx="10"/>
+          </p:nvPr>
+        </p:nvSpPr>
+        <p:spPr/>
+        <p:txBody>
+          <a:bodyPr/>
+          <a:lstStyle/>
+          <a:p>
+            <a:r>
+              <a:rPr lang="en-CA" smtClean="0"/>
+              <a:t>21/12/2015</a:t>
+            </a:r>
+            <a:endParaRPr lang="fr-FR"/>
+          </a:p>
+        </p:txBody>
+      </p:sp>
+      <p:sp>
+        <p:nvSpPr>
+          <p:cNvPr id="5" name="Footer Placeholder 4"/>
+          <p:cNvSpPr>
+            <a:spLocks noGrp="1"/>
+          </p:cNvSpPr>
+          <p:nvPr>
+            <p:ph type="ftr" sz="quarter" idx="11"/>
+          </p:nvPr>
+        </p:nvSpPr>
+        <p:spPr/>
+        <p:txBody>
+          <a:bodyPr/>
+          <a:lstStyle/>
+          <a:p>
+            <a:r>
+              <a:rPr lang="fr-FR" smtClean="0"/>
+              <a:t>IFT6252 Méthodes empiriques en génie logiciel</a:t>
+            </a:r>
+            <a:endParaRPr lang="fr-FR"/>
+          </a:p>
+        </p:txBody>
+      </p:sp>
+      <p:sp>
+        <p:nvSpPr>
+          <p:cNvPr id="6" name="Slide Number Placeholder 5"/>
+          <p:cNvSpPr>
+            <a:spLocks noGrp="1"/>
+          </p:cNvSpPr>
+          <p:nvPr>
+            <p:ph type="sldNum" sz="quarter" idx="12"/>
+          </p:nvPr>
+        </p:nvSpPr>
+        <p:spPr/>
+        <p:txBody>
+          <a:bodyPr/>
+          <a:lstStyle/>
+          <a:p>
+            <a:fld id="{16D7DFFE-4023-BF4F-95A6-0BE536B3CCAC}" type="slidenum">
+              <a:rPr lang="fr-FR" smtClean="0"/>
+              <a:t>18</a:t>
+            </a:fld>
+            <a:endParaRPr lang="fr-FR"/>
+          </a:p>
+        </p:txBody>
+      </p:sp>
+      <p:pic>
+        <p:nvPicPr>
+          <p:cNvPr id="7" name="Picture 6"/>
+          <p:cNvPicPr>
+            <a:picLocks noChangeAspect="1"/>
+          </p:cNvPicPr>
+          <p:nvPr/>
+        </p:nvPicPr>
+        <p:blipFill>
+          <a:blip r:embed="rId2">
+            <a:extLst>
+              <a:ext uri="{28A0092B-C50C-407E-A947-70E740481C1C}">
+                <a14:useLocalDpi xmlns:a14="http://schemas.microsoft.com/office/drawing/2010/main" val="0"/>
+              </a:ext>
+            </a:extLst>
+          </a:blip>
+          <a:stretch>
+            <a:fillRect/>
+          </a:stretch>
+        </p:blipFill>
+        <p:spPr>
+          <a:xfrm>
+            <a:off x="1097280" y="2874856"/>
+            <a:ext cx="3022600" cy="393700"/>
+          </a:xfrm>
+          <a:prstGeom prst="rect">
+            <a:avLst/>
+          </a:prstGeom>
+        </p:spPr>
+      </p:pic>
+      <p:pic>
+        <p:nvPicPr>
+          <p:cNvPr id="8" name="Picture 7"/>
+          <p:cNvPicPr>
+            <a:picLocks noChangeAspect="1"/>
+          </p:cNvPicPr>
+          <p:nvPr/>
+        </p:nvPicPr>
+        <p:blipFill>
+          <a:blip r:embed="rId3">
+            <a:extLst>
+              <a:ext uri="{28A0092B-C50C-407E-A947-70E740481C1C}">
+                <a14:useLocalDpi xmlns:a14="http://schemas.microsoft.com/office/drawing/2010/main" val="0"/>
+              </a:ext>
+            </a:extLst>
+          </a:blip>
+          <a:stretch>
+            <a:fillRect/>
+          </a:stretch>
+        </p:blipFill>
+        <p:spPr>
+          <a:xfrm>
+            <a:off x="1097280" y="4267200"/>
+            <a:ext cx="3060700" cy="406400"/>
+          </a:xfrm>
+          <a:prstGeom prst="rect">
+            <a:avLst/>
+          </a:prstGeom>
+        </p:spPr>
+      </p:pic>
     </p:spTree>
     <p:extLst>
       <p:ext uri="{BB962C8B-B14F-4D97-AF65-F5344CB8AC3E}">
@@ -5181,6 +6818,75 @@
           </a:ln>
         </p:spPr>
       </p:pic>
+      <p:sp>
+        <p:nvSpPr>
+          <p:cNvPr id="5" name="Date Placeholder 4"/>
+          <p:cNvSpPr>
+            <a:spLocks noGrp="1"/>
+          </p:cNvSpPr>
+          <p:nvPr>
+            <p:ph type="dt" sz="half" idx="10"/>
+          </p:nvPr>
+        </p:nvSpPr>
+        <p:spPr/>
+        <p:txBody>
+          <a:bodyPr/>
+          <a:lstStyle/>
+          <a:p>
+            <a:r>
+              <a:rPr lang="en-CA" smtClean="0"/>
+              <a:t>21/12/2015</a:t>
+            </a:r>
+            <a:endParaRPr lang="fr-FR"/>
+          </a:p>
+        </p:txBody>
+      </p:sp>
+      <p:sp>
+        <p:nvSpPr>
+          <p:cNvPr id="6" name="Footer Placeholder 5"/>
+          <p:cNvSpPr>
+            <a:spLocks noGrp="1"/>
+          </p:cNvSpPr>
+          <p:nvPr>
+            <p:ph type="ftr" sz="quarter" idx="11"/>
+          </p:nvPr>
+        </p:nvSpPr>
+        <p:spPr/>
+        <p:txBody>
+          <a:bodyPr/>
+          <a:lstStyle/>
+          <a:p>
+            <a:r>
+              <a:rPr lang="fr-FR" smtClean="0"/>
+              <a:t>IFT6252 Méthodes empiriques en génie logiciel</a:t>
+            </a:r>
+            <a:endParaRPr lang="fr-FR"/>
+          </a:p>
+        </p:txBody>
+      </p:sp>
+      <p:sp>
+        <p:nvSpPr>
+          <p:cNvPr id="7" name="Slide Number Placeholder 6"/>
+          <p:cNvSpPr>
+            <a:spLocks noGrp="1"/>
+          </p:cNvSpPr>
+          <p:nvPr>
+            <p:ph type="sldNum" sz="quarter" idx="12"/>
+          </p:nvPr>
+        </p:nvSpPr>
+        <p:spPr/>
+        <p:txBody>
+          <a:bodyPr/>
+          <a:lstStyle/>
+          <a:p>
+            <a:fld id="{16D7DFFE-4023-BF4F-95A6-0BE536B3CCAC}" type="slidenum">
+              <a:rPr lang="fr-FR" smtClean="0"/>
+              <a:t>19</a:t>
+            </a:fld>
+            <a:endParaRPr lang="fr-FR"/>
+          </a:p>
+        </p:txBody>
+      </p:sp>
     </p:spTree>
     <p:extLst>
       <p:ext uri="{BB962C8B-B14F-4D97-AF65-F5344CB8AC3E}">
@@ -5269,6 +6975,75 @@
           </a:p>
         </p:txBody>
       </p:sp>
+      <p:sp>
+        <p:nvSpPr>
+          <p:cNvPr id="4" name="Date Placeholder 3"/>
+          <p:cNvSpPr>
+            <a:spLocks noGrp="1"/>
+          </p:cNvSpPr>
+          <p:nvPr>
+            <p:ph type="dt" sz="half" idx="10"/>
+          </p:nvPr>
+        </p:nvSpPr>
+        <p:spPr/>
+        <p:txBody>
+          <a:bodyPr/>
+          <a:lstStyle/>
+          <a:p>
+            <a:r>
+              <a:rPr lang="en-CA" smtClean="0"/>
+              <a:t>21/12/2015</a:t>
+            </a:r>
+            <a:endParaRPr lang="fr-FR"/>
+          </a:p>
+        </p:txBody>
+      </p:sp>
+      <p:sp>
+        <p:nvSpPr>
+          <p:cNvPr id="5" name="Footer Placeholder 4"/>
+          <p:cNvSpPr>
+            <a:spLocks noGrp="1"/>
+          </p:cNvSpPr>
+          <p:nvPr>
+            <p:ph type="ftr" sz="quarter" idx="11"/>
+          </p:nvPr>
+        </p:nvSpPr>
+        <p:spPr/>
+        <p:txBody>
+          <a:bodyPr/>
+          <a:lstStyle/>
+          <a:p>
+            <a:r>
+              <a:rPr lang="fr-FR" smtClean="0"/>
+              <a:t>IFT6252 Méthodes empiriques en génie logiciel</a:t>
+            </a:r>
+            <a:endParaRPr lang="fr-FR"/>
+          </a:p>
+        </p:txBody>
+      </p:sp>
+      <p:sp>
+        <p:nvSpPr>
+          <p:cNvPr id="6" name="Slide Number Placeholder 5"/>
+          <p:cNvSpPr>
+            <a:spLocks noGrp="1"/>
+          </p:cNvSpPr>
+          <p:nvPr>
+            <p:ph type="sldNum" sz="quarter" idx="12"/>
+          </p:nvPr>
+        </p:nvSpPr>
+        <p:spPr/>
+        <p:txBody>
+          <a:bodyPr/>
+          <a:lstStyle/>
+          <a:p>
+            <a:fld id="{16D7DFFE-4023-BF4F-95A6-0BE536B3CCAC}" type="slidenum">
+              <a:rPr lang="fr-FR" smtClean="0"/>
+              <a:t>2</a:t>
+            </a:fld>
+            <a:endParaRPr lang="fr-FR"/>
+          </a:p>
+        </p:txBody>
+      </p:sp>
     </p:spTree>
     <p:extLst>
       <p:ext uri="{BB962C8B-B14F-4D97-AF65-F5344CB8AC3E}">
@@ -5339,26 +7114,23 @@
           <a:p>
             <a:r>
               <a:rPr lang="fr-FR" dirty="0" smtClean="0"/>
-              <a:t>Taille de la classe calculer en fonction du nombre de </a:t>
-            </a:r>
-            <a:r>
-              <a:rPr lang="fr-FR" dirty="0" smtClean="0"/>
-              <a:t>méthode.</a:t>
-            </a:r>
-            <a:endParaRPr lang="fr-FR" dirty="0" smtClean="0"/>
-          </a:p>
-          <a:p>
-            <a:r>
-              <a:rPr lang="fr-FR" dirty="0" smtClean="0"/>
-              <a:t>Les renommage de </a:t>
-            </a:r>
-            <a:r>
-              <a:rPr lang="fr-FR" dirty="0" smtClean="0"/>
-              <a:t>classes </a:t>
-            </a:r>
-            <a:r>
-              <a:rPr lang="fr-FR" dirty="0" smtClean="0"/>
-              <a:t>ne sont pas pris en compte</a:t>
+              <a:t>Fiabilité du système de score des issues.</a:t>
+            </a:r>
+          </a:p>
+          <a:p>
+            <a:r>
+              <a:rPr lang="fr-FR" dirty="0" smtClean="0"/>
+              <a:t>Taille </a:t>
+            </a:r>
+            <a:r>
+              <a:rPr lang="fr-FR" dirty="0" smtClean="0"/>
+              <a:t>de la classe calculer en fonction du nombre de méthode.</a:t>
+            </a:r>
+          </a:p>
+          <a:p>
+            <a:r>
+              <a:rPr lang="fr-FR" dirty="0" smtClean="0"/>
+              <a:t>Les renommage de classes ne sont pas pris en compte</a:t>
             </a:r>
             <a:r>
               <a:rPr lang="nl-BE" dirty="0" smtClean="0"/>
@@ -5371,7 +7143,6 @@
               <a:rPr lang="fr-FR" dirty="0" smtClean="0"/>
               <a:t>L’héritage n’est pas considéré.</a:t>
             </a:r>
-            <a:endParaRPr lang="fr-FR" dirty="0" smtClean="0"/>
           </a:p>
           <a:p>
             <a:r>
@@ -5469,6 +7240,75 @@
               <a:t>0.544</a:t>
             </a:r>
             <a:endParaRPr lang="fr-FR" dirty="0"/>
+          </a:p>
+        </p:txBody>
+      </p:sp>
+      <p:sp>
+        <p:nvSpPr>
+          <p:cNvPr id="4" name="Date Placeholder 3"/>
+          <p:cNvSpPr>
+            <a:spLocks noGrp="1"/>
+          </p:cNvSpPr>
+          <p:nvPr>
+            <p:ph type="dt" sz="half" idx="10"/>
+          </p:nvPr>
+        </p:nvSpPr>
+        <p:spPr/>
+        <p:txBody>
+          <a:bodyPr/>
+          <a:lstStyle/>
+          <a:p>
+            <a:r>
+              <a:rPr lang="en-CA" smtClean="0"/>
+              <a:t>21/12/2015</a:t>
+            </a:r>
+            <a:endParaRPr lang="fr-FR"/>
+          </a:p>
+        </p:txBody>
+      </p:sp>
+      <p:sp>
+        <p:nvSpPr>
+          <p:cNvPr id="5" name="Footer Placeholder 4"/>
+          <p:cNvSpPr>
+            <a:spLocks noGrp="1"/>
+          </p:cNvSpPr>
+          <p:nvPr>
+            <p:ph type="ftr" sz="quarter" idx="11"/>
+          </p:nvPr>
+        </p:nvSpPr>
+        <p:spPr/>
+        <p:txBody>
+          <a:bodyPr/>
+          <a:lstStyle/>
+          <a:p>
+            <a:r>
+              <a:rPr lang="fr-FR" smtClean="0"/>
+              <a:t>IFT6252 Méthodes empiriques en génie logiciel</a:t>
+            </a:r>
+            <a:endParaRPr lang="fr-FR"/>
+          </a:p>
+        </p:txBody>
+      </p:sp>
+      <p:sp>
+        <p:nvSpPr>
+          <p:cNvPr id="6" name="Slide Number Placeholder 5"/>
+          <p:cNvSpPr>
+            <a:spLocks noGrp="1"/>
+          </p:cNvSpPr>
+          <p:nvPr>
+            <p:ph type="sldNum" sz="quarter" idx="12"/>
+          </p:nvPr>
+        </p:nvSpPr>
+        <p:spPr/>
+        <p:txBody>
+          <a:bodyPr/>
+          <a:lstStyle/>
+          <a:p>
+            <a:fld id="{16D7DFFE-4023-BF4F-95A6-0BE536B3CCAC}" type="slidenum">
+              <a:rPr lang="fr-FR" smtClean="0"/>
+              <a:t>20</a:t>
+            </a:fld>
+            <a:endParaRPr lang="fr-FR"/>
           </a:p>
         </p:txBody>
       </p:sp>
@@ -5564,6 +7404,75 @@
           </a:p>
         </p:txBody>
       </p:sp>
+      <p:sp>
+        <p:nvSpPr>
+          <p:cNvPr id="4" name="Date Placeholder 3"/>
+          <p:cNvSpPr>
+            <a:spLocks noGrp="1"/>
+          </p:cNvSpPr>
+          <p:nvPr>
+            <p:ph type="dt" sz="half" idx="10"/>
+          </p:nvPr>
+        </p:nvSpPr>
+        <p:spPr/>
+        <p:txBody>
+          <a:bodyPr/>
+          <a:lstStyle/>
+          <a:p>
+            <a:r>
+              <a:rPr lang="en-CA" smtClean="0"/>
+              <a:t>21/12/2015</a:t>
+            </a:r>
+            <a:endParaRPr lang="fr-FR"/>
+          </a:p>
+        </p:txBody>
+      </p:sp>
+      <p:sp>
+        <p:nvSpPr>
+          <p:cNvPr id="5" name="Footer Placeholder 4"/>
+          <p:cNvSpPr>
+            <a:spLocks noGrp="1"/>
+          </p:cNvSpPr>
+          <p:nvPr>
+            <p:ph type="ftr" sz="quarter" idx="11"/>
+          </p:nvPr>
+        </p:nvSpPr>
+        <p:spPr/>
+        <p:txBody>
+          <a:bodyPr/>
+          <a:lstStyle/>
+          <a:p>
+            <a:r>
+              <a:rPr lang="fr-FR" smtClean="0"/>
+              <a:t>IFT6252 Méthodes empiriques en génie logiciel</a:t>
+            </a:r>
+            <a:endParaRPr lang="fr-FR"/>
+          </a:p>
+        </p:txBody>
+      </p:sp>
+      <p:sp>
+        <p:nvSpPr>
+          <p:cNvPr id="6" name="Slide Number Placeholder 5"/>
+          <p:cNvSpPr>
+            <a:spLocks noGrp="1"/>
+          </p:cNvSpPr>
+          <p:nvPr>
+            <p:ph type="sldNum" sz="quarter" idx="12"/>
+          </p:nvPr>
+        </p:nvSpPr>
+        <p:spPr/>
+        <p:txBody>
+          <a:bodyPr/>
+          <a:lstStyle/>
+          <a:p>
+            <a:fld id="{16D7DFFE-4023-BF4F-95A6-0BE536B3CCAC}" type="slidenum">
+              <a:rPr lang="fr-FR" smtClean="0"/>
+              <a:t>21</a:t>
+            </a:fld>
+            <a:endParaRPr lang="fr-FR"/>
+          </a:p>
+        </p:txBody>
+      </p:sp>
     </p:spTree>
     <p:extLst>
       <p:ext uri="{BB962C8B-B14F-4D97-AF65-F5344CB8AC3E}">
@@ -5610,12 +7519,8 @@
           <a:lstStyle/>
           <a:p>
             <a:r>
-              <a:rPr lang="fr-FR" dirty="0"/>
-              <a:t>Description du </a:t>
-            </a:r>
-            <a:r>
-              <a:rPr lang="fr-FR" dirty="0" smtClean="0"/>
-              <a:t>problème</a:t>
+              <a:rPr lang="fr-FR" dirty="0" smtClean="0"/>
+              <a:t>Questions de recherche</a:t>
             </a:r>
             <a:endParaRPr lang="fr-FR" dirty="0"/>
           </a:p>
@@ -5633,106 +7538,133 @@
         </p:nvSpPr>
         <p:spPr/>
         <p:txBody>
-          <a:bodyPr/>
-          <a:lstStyle/>
-          <a:p>
-            <a:r>
-              <a:rPr lang="fr-FR" dirty="0" smtClean="0"/>
-              <a:t>On cherche </a:t>
-            </a:r>
-            <a:r>
-              <a:rPr lang="is-IS" dirty="0" smtClean="0"/>
-              <a:t>…</a:t>
-            </a:r>
-          </a:p>
-          <a:p>
-            <a:endParaRPr lang="is-IS" dirty="0"/>
-          </a:p>
-          <a:p>
-            <a:endParaRPr lang="is-IS" dirty="0" smtClean="0"/>
-          </a:p>
-          <a:p>
-            <a:r>
-              <a:rPr lang="fr-FR" dirty="0" smtClean="0"/>
-              <a:t>Les défis seront </a:t>
-            </a:r>
-            <a:r>
-              <a:rPr lang="is-IS" dirty="0" smtClean="0"/>
-              <a:t>…</a:t>
-            </a:r>
-            <a:endParaRPr lang="is-IS" dirty="0"/>
-          </a:p>
-        </p:txBody>
-      </p:sp>
-    </p:spTree>
-    <p:extLst>
-      <p:ext uri="{BB962C8B-B14F-4D97-AF65-F5344CB8AC3E}">
-        <p14:creationId xmlns:p14="http://schemas.microsoft.com/office/powerpoint/2010/main" val="287437194"/>
-      </p:ext>
-    </p:extLst>
-  </p:cSld>
-  <p:clrMapOvr>
-    <a:masterClrMapping/>
-  </p:clrMapOvr>
-</p:sld>
-</file>
-
-<file path=ppt/slides/slide4.xml><?xml version="1.0" encoding="utf-8"?>
-<p:sld xmlns:a="http://schemas.openxmlformats.org/drawingml/2006/main" xmlns:r="http://schemas.openxmlformats.org/officeDocument/2006/relationships" xmlns:p="http://schemas.openxmlformats.org/presentationml/2006/main">
-  <p:cSld>
-    <p:spTree>
-      <p:nvGrpSpPr>
-        <p:cNvPr id="1" name=""/>
-        <p:cNvGrpSpPr/>
-        <p:nvPr/>
-      </p:nvGrpSpPr>
-      <p:grpSpPr>
-        <a:xfrm>
-          <a:off x="0" y="0"/>
-          <a:ext cx="0" cy="0"/>
-          <a:chOff x="0" y="0"/>
-          <a:chExt cx="0" cy="0"/>
-        </a:xfrm>
-      </p:grpSpPr>
-      <p:sp>
-        <p:nvSpPr>
-          <p:cNvPr id="2" name="Title 1"/>
-          <p:cNvSpPr>
-            <a:spLocks noGrp="1"/>
-          </p:cNvSpPr>
-          <p:nvPr>
-            <p:ph type="title"/>
-          </p:nvPr>
-        </p:nvSpPr>
-        <p:spPr/>
-        <p:txBody>
-          <a:bodyPr/>
-          <a:lstStyle/>
-          <a:p>
-            <a:r>
-              <a:rPr lang="fr-FR" dirty="0" smtClean="0"/>
-              <a:t>Questions de recherche</a:t>
-            </a:r>
+          <a:bodyPr>
+            <a:normAutofit/>
+          </a:bodyPr>
+          <a:lstStyle/>
+          <a:p>
+            <a:endParaRPr lang="fr-FR" dirty="0" smtClean="0"/>
+          </a:p>
+          <a:p>
+            <a:r>
+              <a:rPr lang="fr-FR" b="1" dirty="0" smtClean="0"/>
+              <a:t>Quelles sont les relations entre les appels d’un client vers l’API </a:t>
+            </a:r>
+            <a:r>
+              <a:rPr lang="fr-FR" b="1" dirty="0"/>
+              <a:t>A</a:t>
+            </a:r>
+            <a:r>
+              <a:rPr lang="fr-FR" b="1" dirty="0" smtClean="0"/>
+              <a:t>ndroid et les issues dans le code ?</a:t>
+            </a:r>
+          </a:p>
+          <a:p>
             <a:endParaRPr lang="fr-FR" dirty="0"/>
           </a:p>
-        </p:txBody>
-      </p:sp>
-      <p:sp>
-        <p:nvSpPr>
-          <p:cNvPr id="3" name="Content Placeholder 2"/>
-          <p:cNvSpPr>
-            <a:spLocks noGrp="1"/>
-          </p:cNvSpPr>
-          <p:nvPr>
-            <p:ph idx="1"/>
-          </p:nvPr>
-        </p:nvSpPr>
-        <p:spPr/>
-        <p:txBody>
-          <a:bodyPr/>
-          <a:lstStyle/>
-          <a:p>
+          <a:p>
+            <a:r>
+              <a:rPr lang="fr-FR" dirty="0" smtClean="0"/>
+              <a:t>Pour cela on va répondre aux sous-questions suivantes au niveau des classes.</a:t>
+            </a:r>
+          </a:p>
+          <a:p>
+            <a:pPr lvl="1"/>
+            <a:r>
+              <a:rPr lang="fr-FR" dirty="0" smtClean="0"/>
+              <a:t>Est ce qu’il y a une corrélation entre les deux ?</a:t>
+            </a:r>
+          </a:p>
+          <a:p>
+            <a:pPr lvl="1"/>
+            <a:r>
+              <a:rPr lang="fr-FR" dirty="0" smtClean="0"/>
+              <a:t>Est ce qu’il y a une différence entre les classes avec et sans appels ?</a:t>
+            </a:r>
+          </a:p>
+          <a:p>
+            <a:pPr lvl="1"/>
+            <a:r>
+              <a:rPr lang="fr-FR" dirty="0" smtClean="0"/>
+              <a:t>Est-il possible de créer un modèle prédictif ?</a:t>
+            </a:r>
+          </a:p>
+          <a:p>
+            <a:pPr lvl="1"/>
+            <a:r>
+              <a:rPr lang="fr-FR" dirty="0" smtClean="0"/>
+              <a:t>Est ce que la taille des classes a aussi une influence ?</a:t>
+            </a:r>
             <a:endParaRPr lang="fr-FR" dirty="0"/>
+          </a:p>
+        </p:txBody>
+      </p:sp>
+      <p:sp>
+        <p:nvSpPr>
+          <p:cNvPr id="4" name="Date Placeholder 3"/>
+          <p:cNvSpPr>
+            <a:spLocks noGrp="1"/>
+          </p:cNvSpPr>
+          <p:nvPr>
+            <p:ph type="dt" sz="half" idx="10"/>
+          </p:nvPr>
+        </p:nvSpPr>
+        <p:spPr/>
+        <p:txBody>
+          <a:bodyPr/>
+          <a:lstStyle/>
+          <a:p>
+            <a:r>
+              <a:rPr lang="en-CA" smtClean="0"/>
+              <a:t>21/12/2015</a:t>
+            </a:r>
+            <a:endParaRPr lang="fr-FR"/>
+          </a:p>
+        </p:txBody>
+      </p:sp>
+      <p:sp>
+        <p:nvSpPr>
+          <p:cNvPr id="5" name="Footer Placeholder 4"/>
+          <p:cNvSpPr>
+            <a:spLocks noGrp="1"/>
+          </p:cNvSpPr>
+          <p:nvPr>
+            <p:ph type="ftr" sz="quarter" idx="11"/>
+          </p:nvPr>
+        </p:nvSpPr>
+        <p:spPr/>
+        <p:txBody>
+          <a:bodyPr/>
+          <a:lstStyle/>
+          <a:p>
+            <a:r>
+              <a:rPr lang="fr-FR" smtClean="0"/>
+              <a:t>IFT6252 Méthodes empiriques en génie logiciel</a:t>
+            </a:r>
+            <a:endParaRPr lang="fr-FR"/>
+          </a:p>
+        </p:txBody>
+      </p:sp>
+      <p:sp>
+        <p:nvSpPr>
+          <p:cNvPr id="6" name="Slide Number Placeholder 5"/>
+          <p:cNvSpPr>
+            <a:spLocks noGrp="1"/>
+          </p:cNvSpPr>
+          <p:nvPr>
+            <p:ph type="sldNum" sz="quarter" idx="12"/>
+          </p:nvPr>
+        </p:nvSpPr>
+        <p:spPr/>
+        <p:txBody>
+          <a:bodyPr/>
+          <a:lstStyle/>
+          <a:p>
+            <a:fld id="{16D7DFFE-4023-BF4F-95A6-0BE536B3CCAC}" type="slidenum">
+              <a:rPr lang="fr-FR" smtClean="0"/>
+              <a:t>3</a:t>
+            </a:fld>
+            <a:endParaRPr lang="fr-FR"/>
           </a:p>
         </p:txBody>
       </p:sp>
@@ -5749,7 +7681,7 @@
 </p:sld>
 </file>
 
-<file path=ppt/slides/slide5.xml><?xml version="1.0" encoding="utf-8"?>
+<file path=ppt/slides/slide4.xml><?xml version="1.0" encoding="utf-8"?>
 <p:sld xmlns:a="http://schemas.openxmlformats.org/drawingml/2006/main" xmlns:r="http://schemas.openxmlformats.org/officeDocument/2006/relationships" xmlns:p="http://schemas.openxmlformats.org/presentationml/2006/main">
   <p:cSld>
     <p:spTree>
@@ -5890,10 +7822,265 @@
           </a:prstGeom>
         </p:spPr>
       </p:pic>
+      <p:sp>
+        <p:nvSpPr>
+          <p:cNvPr id="4" name="Date Placeholder 3"/>
+          <p:cNvSpPr>
+            <a:spLocks noGrp="1"/>
+          </p:cNvSpPr>
+          <p:nvPr>
+            <p:ph type="dt" sz="half" idx="10"/>
+          </p:nvPr>
+        </p:nvSpPr>
+        <p:spPr/>
+        <p:txBody>
+          <a:bodyPr/>
+          <a:lstStyle/>
+          <a:p>
+            <a:r>
+              <a:rPr lang="en-CA" smtClean="0"/>
+              <a:t>21/12/2015</a:t>
+            </a:r>
+            <a:endParaRPr lang="fr-FR"/>
+          </a:p>
+        </p:txBody>
+      </p:sp>
+      <p:sp>
+        <p:nvSpPr>
+          <p:cNvPr id="6" name="Footer Placeholder 5"/>
+          <p:cNvSpPr>
+            <a:spLocks noGrp="1"/>
+          </p:cNvSpPr>
+          <p:nvPr>
+            <p:ph type="ftr" sz="quarter" idx="11"/>
+          </p:nvPr>
+        </p:nvSpPr>
+        <p:spPr/>
+        <p:txBody>
+          <a:bodyPr/>
+          <a:lstStyle/>
+          <a:p>
+            <a:r>
+              <a:rPr lang="fr-FR" smtClean="0"/>
+              <a:t>IFT6252 Méthodes empiriques en génie logiciel</a:t>
+            </a:r>
+            <a:endParaRPr lang="fr-FR"/>
+          </a:p>
+        </p:txBody>
+      </p:sp>
+      <p:sp>
+        <p:nvSpPr>
+          <p:cNvPr id="7" name="Slide Number Placeholder 6"/>
+          <p:cNvSpPr>
+            <a:spLocks noGrp="1"/>
+          </p:cNvSpPr>
+          <p:nvPr>
+            <p:ph type="sldNum" sz="quarter" idx="12"/>
+          </p:nvPr>
+        </p:nvSpPr>
+        <p:spPr/>
+        <p:txBody>
+          <a:bodyPr/>
+          <a:lstStyle/>
+          <a:p>
+            <a:fld id="{16D7DFFE-4023-BF4F-95A6-0BE536B3CCAC}" type="slidenum">
+              <a:rPr lang="fr-FR" smtClean="0"/>
+              <a:t>4</a:t>
+            </a:fld>
+            <a:endParaRPr lang="fr-FR"/>
+          </a:p>
+        </p:txBody>
+      </p:sp>
     </p:spTree>
     <p:extLst>
       <p:ext uri="{BB962C8B-B14F-4D97-AF65-F5344CB8AC3E}">
         <p14:creationId xmlns:p14="http://schemas.microsoft.com/office/powerpoint/2010/main" val="2055849859"/>
+      </p:ext>
+    </p:extLst>
+  </p:cSld>
+  <p:clrMapOvr>
+    <a:masterClrMapping/>
+  </p:clrMapOvr>
+</p:sld>
+</file>
+
+<file path=ppt/slides/slide5.xml><?xml version="1.0" encoding="utf-8"?>
+<p:sld xmlns:a="http://schemas.openxmlformats.org/drawingml/2006/main" xmlns:r="http://schemas.openxmlformats.org/officeDocument/2006/relationships" xmlns:p="http://schemas.openxmlformats.org/presentationml/2006/main">
+  <p:cSld>
+    <p:spTree>
+      <p:nvGrpSpPr>
+        <p:cNvPr id="1" name=""/>
+        <p:cNvGrpSpPr/>
+        <p:nvPr/>
+      </p:nvGrpSpPr>
+      <p:grpSpPr>
+        <a:xfrm>
+          <a:off x="0" y="0"/>
+          <a:ext cx="0" cy="0"/>
+          <a:chOff x="0" y="0"/>
+          <a:chExt cx="0" cy="0"/>
+        </a:xfrm>
+      </p:grpSpPr>
+      <p:sp>
+        <p:nvSpPr>
+          <p:cNvPr id="2" name="Title 1"/>
+          <p:cNvSpPr>
+            <a:spLocks noGrp="1"/>
+          </p:cNvSpPr>
+          <p:nvPr>
+            <p:ph type="title"/>
+          </p:nvPr>
+        </p:nvSpPr>
+        <p:spPr/>
+        <p:txBody>
+          <a:bodyPr/>
+          <a:lstStyle/>
+          <a:p>
+            <a:r>
+              <a:rPr lang="fr-FR" dirty="0" smtClean="0"/>
+              <a:t>Collection des données</a:t>
+            </a:r>
+            <a:endParaRPr lang="fr-FR" dirty="0"/>
+          </a:p>
+        </p:txBody>
+      </p:sp>
+      <p:sp>
+        <p:nvSpPr>
+          <p:cNvPr id="3" name="Content Placeholder 2"/>
+          <p:cNvSpPr>
+            <a:spLocks noGrp="1"/>
+          </p:cNvSpPr>
+          <p:nvPr>
+            <p:ph idx="1"/>
+          </p:nvPr>
+        </p:nvSpPr>
+        <p:spPr/>
+        <p:txBody>
+          <a:bodyPr/>
+          <a:lstStyle/>
+          <a:p>
+            <a:pPr marL="0" indent="0">
+              <a:buNone/>
+            </a:pPr>
+            <a:r>
+              <a:rPr lang="fr-FR" dirty="0" smtClean="0"/>
+              <a:t>Trois types de données:</a:t>
+            </a:r>
+          </a:p>
+          <a:p>
+            <a:r>
+              <a:rPr lang="fr-FR" dirty="0" smtClean="0"/>
+              <a:t>Appels Client-&gt;Api</a:t>
+            </a:r>
+          </a:p>
+          <a:p>
+            <a:pPr lvl="1"/>
+            <a:r>
+              <a:rPr lang="fr-FR" dirty="0"/>
+              <a:t>Basé sur une analyse statique du code</a:t>
+            </a:r>
+          </a:p>
+          <a:p>
+            <a:r>
+              <a:rPr lang="fr-FR" dirty="0" smtClean="0"/>
+              <a:t>Taille des classes</a:t>
+            </a:r>
+          </a:p>
+          <a:p>
+            <a:pPr lvl="1"/>
+            <a:r>
+              <a:rPr lang="fr-FR" dirty="0" smtClean="0"/>
+              <a:t>Basé sur une analyse statique du code</a:t>
+            </a:r>
+          </a:p>
+          <a:p>
+            <a:r>
+              <a:rPr lang="nl-BE" dirty="0" smtClean="0"/>
+              <a:t>Issues dans le code</a:t>
+            </a:r>
+          </a:p>
+          <a:p>
+            <a:pPr lvl="1"/>
+            <a:r>
+              <a:rPr lang="fr-FR" dirty="0"/>
+              <a:t>Basé sur le feedback des utilisateurs/développeurs</a:t>
+            </a:r>
+          </a:p>
+        </p:txBody>
+      </p:sp>
+      <p:sp>
+        <p:nvSpPr>
+          <p:cNvPr id="4" name="Date Placeholder 3"/>
+          <p:cNvSpPr>
+            <a:spLocks noGrp="1"/>
+          </p:cNvSpPr>
+          <p:nvPr>
+            <p:ph type="dt" sz="half" idx="10"/>
+          </p:nvPr>
+        </p:nvSpPr>
+        <p:spPr/>
+        <p:txBody>
+          <a:bodyPr/>
+          <a:lstStyle/>
+          <a:p>
+            <a:r>
+              <a:rPr lang="en-CA" smtClean="0"/>
+              <a:t>21/12/2015</a:t>
+            </a:r>
+            <a:endParaRPr lang="fr-FR"/>
+          </a:p>
+        </p:txBody>
+      </p:sp>
+      <p:sp>
+        <p:nvSpPr>
+          <p:cNvPr id="5" name="Footer Placeholder 4"/>
+          <p:cNvSpPr>
+            <a:spLocks noGrp="1"/>
+          </p:cNvSpPr>
+          <p:nvPr>
+            <p:ph type="ftr" sz="quarter" idx="11"/>
+          </p:nvPr>
+        </p:nvSpPr>
+        <p:spPr/>
+        <p:txBody>
+          <a:bodyPr/>
+          <a:lstStyle/>
+          <a:p>
+            <a:r>
+              <a:rPr lang="fr-FR" smtClean="0"/>
+              <a:t>IFT6252 Méthodes empiriques en génie logiciel</a:t>
+            </a:r>
+            <a:endParaRPr lang="fr-FR"/>
+          </a:p>
+        </p:txBody>
+      </p:sp>
+      <p:sp>
+        <p:nvSpPr>
+          <p:cNvPr id="6" name="Slide Number Placeholder 5"/>
+          <p:cNvSpPr>
+            <a:spLocks noGrp="1"/>
+          </p:cNvSpPr>
+          <p:nvPr>
+            <p:ph type="sldNum" sz="quarter" idx="12"/>
+          </p:nvPr>
+        </p:nvSpPr>
+        <p:spPr/>
+        <p:txBody>
+          <a:bodyPr/>
+          <a:lstStyle/>
+          <a:p>
+            <a:fld id="{16D7DFFE-4023-BF4F-95A6-0BE536B3CCAC}" type="slidenum">
+              <a:rPr lang="fr-FR" smtClean="0"/>
+              <a:t>5</a:t>
+            </a:fld>
+            <a:endParaRPr lang="fr-FR"/>
+          </a:p>
+        </p:txBody>
+      </p:sp>
+    </p:spTree>
+    <p:extLst>
+      <p:ext uri="{BB962C8B-B14F-4D97-AF65-F5344CB8AC3E}">
+        <p14:creationId xmlns:p14="http://schemas.microsoft.com/office/powerpoint/2010/main" val="1565168062"/>
       </p:ext>
     </p:extLst>
   </p:cSld>
@@ -5936,8 +8123,12 @@
           <a:lstStyle/>
           <a:p>
             <a:r>
-              <a:rPr lang="fr-FR" dirty="0" smtClean="0"/>
-              <a:t>Collection des données</a:t>
+              <a:rPr lang="fr-FR" dirty="0"/>
+              <a:t>Source de donnée : F-</a:t>
+            </a:r>
+            <a:r>
+              <a:rPr lang="fr-FR" dirty="0" err="1"/>
+              <a:t>droid</a:t>
             </a:r>
             <a:endParaRPr lang="fr-FR" dirty="0"/>
           </a:p>
@@ -5955,154 +8146,21 @@
         </p:nvSpPr>
         <p:spPr/>
         <p:txBody>
-          <a:bodyPr/>
+          <a:bodyPr>
+            <a:normAutofit/>
+          </a:bodyPr>
           <a:lstStyle/>
           <a:p>
             <a:pPr marL="0" indent="0">
               <a:buNone/>
             </a:pPr>
             <a:r>
-              <a:rPr lang="fr-FR" dirty="0" smtClean="0"/>
-              <a:t>Trois types de données:</a:t>
-            </a:r>
-          </a:p>
-          <a:p>
-            <a:r>
-              <a:rPr lang="fr-FR" dirty="0" smtClean="0"/>
-              <a:t>Appels Client-&gt;Api</a:t>
-            </a:r>
-          </a:p>
-          <a:p>
-            <a:pPr lvl="1"/>
-            <a:r>
-              <a:rPr lang="fr-FR" dirty="0"/>
-              <a:t>Basé sur une analyse statique du code</a:t>
-            </a:r>
-          </a:p>
-          <a:p>
-            <a:r>
-              <a:rPr lang="fr-FR" dirty="0" smtClean="0"/>
-              <a:t>Taille des classes</a:t>
-            </a:r>
-          </a:p>
-          <a:p>
-            <a:pPr lvl="1"/>
-            <a:r>
-              <a:rPr lang="fr-FR" dirty="0" smtClean="0"/>
-              <a:t>Basé sur une analyse statique du code</a:t>
-            </a:r>
-          </a:p>
-          <a:p>
-            <a:r>
-              <a:rPr lang="nl-BE" dirty="0" smtClean="0"/>
-              <a:t>Issues dans le code</a:t>
-            </a:r>
-          </a:p>
-          <a:p>
-            <a:pPr lvl="1"/>
-            <a:r>
-              <a:rPr lang="fr-FR" dirty="0"/>
-              <a:t>Basé sur le feedback des utilisateurs/développeurs</a:t>
-            </a:r>
-          </a:p>
-        </p:txBody>
-      </p:sp>
-    </p:spTree>
-    <p:extLst>
-      <p:ext uri="{BB962C8B-B14F-4D97-AF65-F5344CB8AC3E}">
-        <p14:creationId xmlns:p14="http://schemas.microsoft.com/office/powerpoint/2010/main" val="1565168062"/>
-      </p:ext>
-    </p:extLst>
-  </p:cSld>
-  <p:clrMapOvr>
-    <a:masterClrMapping/>
-  </p:clrMapOvr>
-</p:sld>
-</file>
-
-<file path=ppt/slides/slide7.xml><?xml version="1.0" encoding="utf-8"?>
-<p:sld xmlns:a="http://schemas.openxmlformats.org/drawingml/2006/main" xmlns:r="http://schemas.openxmlformats.org/officeDocument/2006/relationships" xmlns:p="http://schemas.openxmlformats.org/presentationml/2006/main">
-  <p:cSld>
-    <p:spTree>
-      <p:nvGrpSpPr>
-        <p:cNvPr id="1" name=""/>
-        <p:cNvGrpSpPr/>
-        <p:nvPr/>
-      </p:nvGrpSpPr>
-      <p:grpSpPr>
-        <a:xfrm>
-          <a:off x="0" y="0"/>
-          <a:ext cx="0" cy="0"/>
-          <a:chOff x="0" y="0"/>
-          <a:chExt cx="0" cy="0"/>
-        </a:xfrm>
-      </p:grpSpPr>
-      <p:sp>
-        <p:nvSpPr>
-          <p:cNvPr id="2" name="Title 1"/>
-          <p:cNvSpPr>
-            <a:spLocks noGrp="1"/>
-          </p:cNvSpPr>
-          <p:nvPr>
-            <p:ph type="title"/>
-          </p:nvPr>
-        </p:nvSpPr>
-        <p:spPr/>
-        <p:txBody>
-          <a:bodyPr/>
-          <a:lstStyle/>
-          <a:p>
-            <a:r>
-              <a:rPr lang="fr-FR" dirty="0"/>
-              <a:t>Source de donnée : F-</a:t>
-            </a:r>
-            <a:r>
-              <a:rPr lang="fr-FR" dirty="0" err="1"/>
-              <a:t>droid</a:t>
-            </a:r>
-            <a:endParaRPr lang="fr-FR" dirty="0"/>
-          </a:p>
-        </p:txBody>
-      </p:sp>
-      <p:sp>
-        <p:nvSpPr>
-          <p:cNvPr id="3" name="Content Placeholder 2"/>
-          <p:cNvSpPr>
-            <a:spLocks noGrp="1"/>
-          </p:cNvSpPr>
-          <p:nvPr>
-            <p:ph idx="1"/>
-          </p:nvPr>
-        </p:nvSpPr>
-        <p:spPr/>
-        <p:txBody>
-          <a:bodyPr>
-            <a:normAutofit/>
-          </a:bodyPr>
-          <a:lstStyle/>
-          <a:p>
-            <a:pPr marL="0" indent="0">
-              <a:buNone/>
-            </a:pPr>
-            <a:r>
               <a:rPr lang="fr-FR" dirty="0" err="1" smtClean="0"/>
               <a:t>Repository</a:t>
             </a:r>
             <a:r>
               <a:rPr lang="fr-FR" dirty="0" smtClean="0"/>
-              <a:t> </a:t>
-            </a:r>
-            <a:r>
-              <a:rPr lang="fr-FR" dirty="0" smtClean="0"/>
-              <a:t>de nombreuses applications </a:t>
-            </a:r>
-            <a:r>
-              <a:rPr lang="fr-FR" dirty="0" smtClean="0"/>
-              <a:t>open-source </a:t>
-            </a:r>
-            <a:r>
-              <a:rPr lang="fr-FR" dirty="0" smtClean="0"/>
-              <a:t>Android</a:t>
+              <a:t> de nombreuses applications open-source Android</a:t>
             </a:r>
             <a:endParaRPr lang="fr-FR" dirty="0"/>
           </a:p>
@@ -6196,6 +8254,75 @@
           </a:ln>
         </p:spPr>
       </p:pic>
+      <p:sp>
+        <p:nvSpPr>
+          <p:cNvPr id="6" name="Date Placeholder 5"/>
+          <p:cNvSpPr>
+            <a:spLocks noGrp="1"/>
+          </p:cNvSpPr>
+          <p:nvPr>
+            <p:ph type="dt" sz="half" idx="10"/>
+          </p:nvPr>
+        </p:nvSpPr>
+        <p:spPr/>
+        <p:txBody>
+          <a:bodyPr/>
+          <a:lstStyle/>
+          <a:p>
+            <a:r>
+              <a:rPr lang="en-CA" smtClean="0"/>
+              <a:t>21/12/2015</a:t>
+            </a:r>
+            <a:endParaRPr lang="fr-FR"/>
+          </a:p>
+        </p:txBody>
+      </p:sp>
+      <p:sp>
+        <p:nvSpPr>
+          <p:cNvPr id="7" name="Footer Placeholder 6"/>
+          <p:cNvSpPr>
+            <a:spLocks noGrp="1"/>
+          </p:cNvSpPr>
+          <p:nvPr>
+            <p:ph type="ftr" sz="quarter" idx="11"/>
+          </p:nvPr>
+        </p:nvSpPr>
+        <p:spPr/>
+        <p:txBody>
+          <a:bodyPr/>
+          <a:lstStyle/>
+          <a:p>
+            <a:r>
+              <a:rPr lang="fr-FR" smtClean="0"/>
+              <a:t>IFT6252 Méthodes empiriques en génie logiciel</a:t>
+            </a:r>
+            <a:endParaRPr lang="fr-FR"/>
+          </a:p>
+        </p:txBody>
+      </p:sp>
+      <p:sp>
+        <p:nvSpPr>
+          <p:cNvPr id="8" name="Slide Number Placeholder 7"/>
+          <p:cNvSpPr>
+            <a:spLocks noGrp="1"/>
+          </p:cNvSpPr>
+          <p:nvPr>
+            <p:ph type="sldNum" sz="quarter" idx="12"/>
+          </p:nvPr>
+        </p:nvSpPr>
+        <p:spPr/>
+        <p:txBody>
+          <a:bodyPr/>
+          <a:lstStyle/>
+          <a:p>
+            <a:fld id="{16D7DFFE-4023-BF4F-95A6-0BE536B3CCAC}" type="slidenum">
+              <a:rPr lang="fr-FR" smtClean="0"/>
+              <a:t>6</a:t>
+            </a:fld>
+            <a:endParaRPr lang="fr-FR"/>
+          </a:p>
+        </p:txBody>
+      </p:sp>
     </p:spTree>
     <p:extLst>
       <p:ext uri="{BB962C8B-B14F-4D97-AF65-F5344CB8AC3E}">
@@ -6209,7 +8336,7 @@
 </p:sld>
 </file>
 
-<file path=ppt/slides/slide8.xml><?xml version="1.0" encoding="utf-8"?>
+<file path=ppt/slides/slide7.xml><?xml version="1.0" encoding="utf-8"?>
 <p:sld xmlns:a="http://schemas.openxmlformats.org/drawingml/2006/main" xmlns:r="http://schemas.openxmlformats.org/officeDocument/2006/relationships" xmlns:p="http://schemas.openxmlformats.org/presentationml/2006/main">
   <p:cSld>
     <p:spTree>
@@ -6270,15 +8397,7 @@
           <a:p>
             <a:r>
               <a:rPr lang="fr-FR" dirty="0" smtClean="0"/>
-              <a:t>Pas </a:t>
-            </a:r>
-            <a:r>
-              <a:rPr lang="fr-FR" dirty="0" smtClean="0"/>
-              <a:t>moyen </a:t>
-            </a:r>
-            <a:r>
-              <a:rPr lang="fr-FR" dirty="0" smtClean="0"/>
-              <a:t>d’exporter les données</a:t>
+              <a:t>Pas moyen d’exporter les données</a:t>
             </a:r>
           </a:p>
           <a:p>
@@ -6297,17 +8416,8 @@
             </a:r>
             <a:r>
               <a:rPr lang="fr-FR" dirty="0" smtClean="0"/>
-              <a:t> </a:t>
-            </a:r>
-            <a:r>
-              <a:rPr lang="fr-FR" dirty="0" smtClean="0"/>
-              <a:t>html</a:t>
-            </a:r>
-            <a:r>
-              <a:rPr lang="fr-FR" dirty="0" smtClean="0"/>
-              <a:t>)</a:t>
-            </a:r>
-            <a:endParaRPr lang="fr-FR" dirty="0" smtClean="0"/>
+              <a:t> html)</a:t>
+            </a:r>
           </a:p>
           <a:p>
             <a:pPr lvl="1"/>
@@ -6329,11 +8439,7 @@
             </a:r>
             <a:r>
               <a:rPr lang="fr-FR" dirty="0" smtClean="0"/>
-              <a:t>contenant </a:t>
-            </a:r>
-            <a:r>
-              <a:rPr lang="fr-FR" dirty="0" smtClean="0"/>
-              <a:t>les liens vers les codes sources, les bugs </a:t>
+              <a:t>contenant les liens vers les codes sources, les bugs </a:t>
             </a:r>
             <a:r>
               <a:rPr lang="fr-FR" dirty="0" err="1" smtClean="0"/>
@@ -6375,7 +8481,6 @@
               <a:rPr lang="fr-FR" dirty="0" smtClean="0"/>
               <a:t>Cela nous laisse avec 1647 applications disponibles</a:t>
             </a:r>
-            <a:endParaRPr lang="fr-FR" dirty="0" smtClean="0"/>
           </a:p>
         </p:txBody>
       </p:sp>
@@ -6409,10 +8514,285 @@
           </a:prstGeom>
         </p:spPr>
       </p:pic>
+      <p:sp>
+        <p:nvSpPr>
+          <p:cNvPr id="5" name="Date Placeholder 4"/>
+          <p:cNvSpPr>
+            <a:spLocks noGrp="1"/>
+          </p:cNvSpPr>
+          <p:nvPr>
+            <p:ph type="dt" sz="half" idx="10"/>
+          </p:nvPr>
+        </p:nvSpPr>
+        <p:spPr/>
+        <p:txBody>
+          <a:bodyPr/>
+          <a:lstStyle/>
+          <a:p>
+            <a:r>
+              <a:rPr lang="en-CA" smtClean="0"/>
+              <a:t>21/12/2015</a:t>
+            </a:r>
+            <a:endParaRPr lang="fr-FR"/>
+          </a:p>
+        </p:txBody>
+      </p:sp>
+      <p:sp>
+        <p:nvSpPr>
+          <p:cNvPr id="6" name="Footer Placeholder 5"/>
+          <p:cNvSpPr>
+            <a:spLocks noGrp="1"/>
+          </p:cNvSpPr>
+          <p:nvPr>
+            <p:ph type="ftr" sz="quarter" idx="11"/>
+          </p:nvPr>
+        </p:nvSpPr>
+        <p:spPr/>
+        <p:txBody>
+          <a:bodyPr/>
+          <a:lstStyle/>
+          <a:p>
+            <a:r>
+              <a:rPr lang="fr-FR" smtClean="0"/>
+              <a:t>IFT6252 Méthodes empiriques en génie logiciel</a:t>
+            </a:r>
+            <a:endParaRPr lang="fr-FR"/>
+          </a:p>
+        </p:txBody>
+      </p:sp>
+      <p:sp>
+        <p:nvSpPr>
+          <p:cNvPr id="7" name="Slide Number Placeholder 6"/>
+          <p:cNvSpPr>
+            <a:spLocks noGrp="1"/>
+          </p:cNvSpPr>
+          <p:nvPr>
+            <p:ph type="sldNum" sz="quarter" idx="12"/>
+          </p:nvPr>
+        </p:nvSpPr>
+        <p:spPr/>
+        <p:txBody>
+          <a:bodyPr/>
+          <a:lstStyle/>
+          <a:p>
+            <a:fld id="{16D7DFFE-4023-BF4F-95A6-0BE536B3CCAC}" type="slidenum">
+              <a:rPr lang="fr-FR" smtClean="0"/>
+              <a:t>7</a:t>
+            </a:fld>
+            <a:endParaRPr lang="fr-FR"/>
+          </a:p>
+        </p:txBody>
+      </p:sp>
     </p:spTree>
     <p:extLst>
       <p:ext uri="{BB962C8B-B14F-4D97-AF65-F5344CB8AC3E}">
         <p14:creationId xmlns:p14="http://schemas.microsoft.com/office/powerpoint/2010/main" val="860023630"/>
+      </p:ext>
+    </p:extLst>
+  </p:cSld>
+  <p:clrMapOvr>
+    <a:masterClrMapping/>
+  </p:clrMapOvr>
+</p:sld>
+</file>
+
+<file path=ppt/slides/slide8.xml><?xml version="1.0" encoding="utf-8"?>
+<p:sld xmlns:a="http://schemas.openxmlformats.org/drawingml/2006/main" xmlns:r="http://schemas.openxmlformats.org/officeDocument/2006/relationships" xmlns:p="http://schemas.openxmlformats.org/presentationml/2006/main">
+  <p:cSld>
+    <p:spTree>
+      <p:nvGrpSpPr>
+        <p:cNvPr id="1" name=""/>
+        <p:cNvGrpSpPr/>
+        <p:nvPr/>
+      </p:nvGrpSpPr>
+      <p:grpSpPr>
+        <a:xfrm>
+          <a:off x="0" y="0"/>
+          <a:ext cx="0" cy="0"/>
+          <a:chOff x="0" y="0"/>
+          <a:chExt cx="0" cy="0"/>
+        </a:xfrm>
+      </p:grpSpPr>
+      <p:sp>
+        <p:nvSpPr>
+          <p:cNvPr id="2" name="Title 1"/>
+          <p:cNvSpPr>
+            <a:spLocks noGrp="1"/>
+          </p:cNvSpPr>
+          <p:nvPr>
+            <p:ph type="title"/>
+          </p:nvPr>
+        </p:nvSpPr>
+        <p:spPr/>
+        <p:txBody>
+          <a:bodyPr/>
+          <a:lstStyle/>
+          <a:p>
+            <a:r>
+              <a:rPr lang="fr-FR" dirty="0" smtClean="0"/>
+              <a:t>Sélection des données</a:t>
+            </a:r>
+            <a:endParaRPr lang="fr-FR" dirty="0"/>
+          </a:p>
+        </p:txBody>
+      </p:sp>
+      <p:sp>
+        <p:nvSpPr>
+          <p:cNvPr id="3" name="Content Placeholder 2"/>
+          <p:cNvSpPr>
+            <a:spLocks noGrp="1"/>
+          </p:cNvSpPr>
+          <p:nvPr>
+            <p:ph idx="1"/>
+          </p:nvPr>
+        </p:nvSpPr>
+        <p:spPr/>
+        <p:txBody>
+          <a:bodyPr/>
+          <a:lstStyle/>
+          <a:p>
+            <a:pPr marL="0" indent="0">
+              <a:buNone/>
+            </a:pPr>
+            <a:endParaRPr lang="fr-FR" dirty="0"/>
+          </a:p>
+          <a:p>
+            <a:r>
+              <a:rPr lang="fr-FR" dirty="0" smtClean="0"/>
+              <a:t>Parmi l’ensemble des applications, en choisir un nombre raisonnable.</a:t>
+            </a:r>
+          </a:p>
+          <a:p>
+            <a:r>
+              <a:rPr lang="fr-FR" dirty="0" smtClean="0"/>
+              <a:t>On donne la priorité aux applications avec des « issues » bien répertorié et beaucoup de </a:t>
+            </a:r>
+            <a:r>
+              <a:rPr lang="fr-FR" dirty="0" err="1" smtClean="0"/>
+              <a:t>commits</a:t>
+            </a:r>
+            <a:endParaRPr lang="fr-FR" dirty="0"/>
+          </a:p>
+          <a:p>
+            <a:pPr lvl="1"/>
+            <a:r>
+              <a:rPr lang="fr-FR" dirty="0" smtClean="0">
+                <a:solidFill>
+                  <a:srgbClr val="FF0000"/>
+                </a:solidFill>
+              </a:rPr>
+              <a:t>TODO</a:t>
+            </a:r>
+          </a:p>
+          <a:p>
+            <a:r>
+              <a:rPr lang="fr-FR" dirty="0" err="1" smtClean="0"/>
+              <a:t>GitHub</a:t>
+            </a:r>
+            <a:r>
+              <a:rPr lang="fr-FR" dirty="0" smtClean="0"/>
+              <a:t> n’autorise que 5000 requêtes authentifiées par heure.</a:t>
+            </a:r>
+          </a:p>
+          <a:p>
+            <a:pPr lvl="1"/>
+            <a:r>
+              <a:rPr lang="fr-FR" dirty="0" smtClean="0"/>
+              <a:t>(et ne font pas facilement d’exception)</a:t>
+            </a:r>
+          </a:p>
+          <a:p>
+            <a:pPr marL="457200" lvl="1" indent="0">
+              <a:buNone/>
+            </a:pPr>
+            <a:endParaRPr lang="fr-FR" dirty="0"/>
+          </a:p>
+          <a:p>
+            <a:pPr>
+              <a:buFont typeface="Wingdings" charset="2"/>
+              <a:buChar char="Ø"/>
+            </a:pPr>
+            <a:r>
+              <a:rPr lang="fr-FR" dirty="0" smtClean="0"/>
+              <a:t>On se limite à 14 applications et 26000 issues (6 heures de traitement)</a:t>
+            </a:r>
+            <a:endParaRPr lang="fr-FR" dirty="0"/>
+          </a:p>
+        </p:txBody>
+      </p:sp>
+      <p:sp>
+        <p:nvSpPr>
+          <p:cNvPr id="4" name="Date Placeholder 3"/>
+          <p:cNvSpPr>
+            <a:spLocks noGrp="1"/>
+          </p:cNvSpPr>
+          <p:nvPr>
+            <p:ph type="dt" sz="half" idx="10"/>
+          </p:nvPr>
+        </p:nvSpPr>
+        <p:spPr/>
+        <p:txBody>
+          <a:bodyPr/>
+          <a:lstStyle/>
+          <a:p>
+            <a:r>
+              <a:rPr lang="en-CA" smtClean="0"/>
+              <a:t>21/12/2015</a:t>
+            </a:r>
+            <a:endParaRPr lang="fr-FR"/>
+          </a:p>
+        </p:txBody>
+      </p:sp>
+      <p:sp>
+        <p:nvSpPr>
+          <p:cNvPr id="5" name="Footer Placeholder 4"/>
+          <p:cNvSpPr>
+            <a:spLocks noGrp="1"/>
+          </p:cNvSpPr>
+          <p:nvPr>
+            <p:ph type="ftr" sz="quarter" idx="11"/>
+          </p:nvPr>
+        </p:nvSpPr>
+        <p:spPr/>
+        <p:txBody>
+          <a:bodyPr/>
+          <a:lstStyle/>
+          <a:p>
+            <a:r>
+              <a:rPr lang="fr-FR" smtClean="0"/>
+              <a:t>IFT6252 Méthodes empiriques en génie logiciel</a:t>
+            </a:r>
+            <a:endParaRPr lang="fr-FR"/>
+          </a:p>
+        </p:txBody>
+      </p:sp>
+      <p:sp>
+        <p:nvSpPr>
+          <p:cNvPr id="6" name="Slide Number Placeholder 5"/>
+          <p:cNvSpPr>
+            <a:spLocks noGrp="1"/>
+          </p:cNvSpPr>
+          <p:nvPr>
+            <p:ph type="sldNum" sz="quarter" idx="12"/>
+          </p:nvPr>
+        </p:nvSpPr>
+        <p:spPr/>
+        <p:txBody>
+          <a:bodyPr/>
+          <a:lstStyle/>
+          <a:p>
+            <a:fld id="{16D7DFFE-4023-BF4F-95A6-0BE536B3CCAC}" type="slidenum">
+              <a:rPr lang="fr-FR" smtClean="0"/>
+              <a:t>8</a:t>
+            </a:fld>
+            <a:endParaRPr lang="fr-FR"/>
+          </a:p>
+        </p:txBody>
+      </p:sp>
+    </p:spTree>
+    <p:extLst>
+      <p:ext uri="{BB962C8B-B14F-4D97-AF65-F5344CB8AC3E}">
+        <p14:creationId xmlns:p14="http://schemas.microsoft.com/office/powerpoint/2010/main" val="879487325"/>
       </p:ext>
     </p:extLst>
   </p:cSld>
@@ -6455,8 +8835,12 @@
           <a:lstStyle/>
           <a:p>
             <a:r>
-              <a:rPr lang="fr-FR" dirty="0" smtClean="0"/>
-              <a:t>Sélection des données</a:t>
+              <a:rPr lang="fr-FR" dirty="0"/>
+              <a:t>Analyse </a:t>
+            </a:r>
+            <a:r>
+              <a:rPr lang="fr-FR" dirty="0" smtClean="0"/>
+              <a:t>statique du code</a:t>
             </a:r>
             <a:endParaRPr lang="fr-FR" dirty="0"/>
           </a:p>
@@ -6476,6 +8860,80 @@
         <p:txBody>
           <a:bodyPr/>
           <a:lstStyle/>
+          <a:p>
+            <a:endParaRPr lang="fr-FR" dirty="0" smtClean="0"/>
+          </a:p>
+          <a:p>
+            <a:r>
+              <a:rPr lang="fr-FR" dirty="0" smtClean="0"/>
+              <a:t>Pour l’analyse statique on utilise : </a:t>
+            </a:r>
+            <a:r>
+              <a:rPr lang="fr-FR" b="1" dirty="0"/>
+              <a:t>java-</a:t>
+            </a:r>
+            <a:r>
+              <a:rPr lang="fr-FR" b="1" dirty="0" err="1"/>
+              <a:t>callgraph</a:t>
+            </a:r>
+            <a:r>
+              <a:rPr lang="fr-FR" dirty="0"/>
+              <a:t> </a:t>
+            </a:r>
+            <a:r>
+              <a:rPr lang="fr-FR" sz="1400" dirty="0"/>
+              <a:t>(</a:t>
+            </a:r>
+            <a:r>
+              <a:rPr lang="fr-FR" sz="1400" dirty="0" err="1"/>
+              <a:t>Georgios</a:t>
+            </a:r>
+            <a:r>
+              <a:rPr lang="fr-FR" sz="1400" dirty="0"/>
+              <a:t> </a:t>
+            </a:r>
+            <a:r>
+              <a:rPr lang="fr-FR" sz="1400" dirty="0" err="1"/>
+              <a:t>Gousios</a:t>
+            </a:r>
+            <a:r>
+              <a:rPr lang="fr-FR" sz="1400" dirty="0"/>
+              <a:t>, Institute for </a:t>
+            </a:r>
+            <a:r>
+              <a:rPr lang="fr-FR" sz="1400" dirty="0" err="1"/>
+              <a:t>Computing</a:t>
+            </a:r>
+            <a:r>
+              <a:rPr lang="fr-FR" sz="1400" dirty="0"/>
+              <a:t> and Information Sciences, </a:t>
+            </a:r>
+            <a:r>
+              <a:rPr lang="fr-FR" sz="1400" dirty="0" err="1"/>
+              <a:t>Radboud</a:t>
+            </a:r>
+            <a:r>
+              <a:rPr lang="fr-FR" sz="1400" dirty="0"/>
+              <a:t> </a:t>
+            </a:r>
+            <a:r>
+              <a:rPr lang="fr-FR" sz="1400" dirty="0" err="1"/>
+              <a:t>Universiteit</a:t>
+            </a:r>
+            <a:r>
+              <a:rPr lang="fr-FR" sz="1400" dirty="0"/>
+              <a:t> </a:t>
+            </a:r>
+            <a:r>
+              <a:rPr lang="fr-FR" sz="1400" dirty="0" err="1"/>
+              <a:t>Nijmegen</a:t>
+            </a:r>
+            <a:r>
+              <a:rPr lang="fr-FR" sz="1400" dirty="0" smtClean="0"/>
+              <a:t>)</a:t>
+            </a:r>
+            <a:endParaRPr lang="fr-FR" dirty="0" smtClean="0"/>
+          </a:p>
           <a:p>
             <a:pPr marL="0" indent="0">
               <a:buNone/>
@@ -6484,100 +8942,137 @@
           </a:p>
           <a:p>
             <a:r>
-              <a:rPr lang="fr-FR" dirty="0" smtClean="0"/>
-              <a:t>Parmi l’ensemble des applications, en choisir un nombre raisonnable.</a:t>
-            </a:r>
-          </a:p>
-          <a:p>
-            <a:r>
-              <a:rPr lang="fr-FR" dirty="0" smtClean="0"/>
-              <a:t>On </a:t>
-            </a:r>
-            <a:r>
-              <a:rPr lang="fr-FR" dirty="0" smtClean="0"/>
-              <a:t>donne la priorité aux applications avec des « issues » bien répertorié et beaucoup de </a:t>
-            </a:r>
-            <a:r>
-              <a:rPr lang="fr-FR" dirty="0" err="1" smtClean="0"/>
-              <a:t>commits</a:t>
-            </a:r>
+              <a:rPr lang="fr-FR" dirty="0" err="1"/>
+              <a:t>Dalvik</a:t>
+            </a:r>
+            <a:r>
+              <a:rPr lang="fr-FR" dirty="0"/>
+              <a:t> </a:t>
+            </a:r>
+            <a:r>
+              <a:rPr lang="fr-FR" dirty="0" smtClean="0"/>
+              <a:t>VM format </a:t>
+            </a:r>
+            <a:r>
+              <a:rPr lang="fr-FR" dirty="0"/>
+              <a:t>-&gt; Java VM </a:t>
+            </a:r>
+            <a:r>
+              <a:rPr lang="fr-FR" dirty="0" smtClean="0"/>
+              <a:t>format -&gt; Graphe d’appels</a:t>
+            </a:r>
+          </a:p>
+          <a:p>
             <a:endParaRPr lang="fr-FR" dirty="0"/>
           </a:p>
           <a:p>
-            <a:pPr lvl="1"/>
-            <a:r>
-              <a:rPr lang="fr-FR" dirty="0" smtClean="0">
-                <a:solidFill>
-                  <a:srgbClr val="FF0000"/>
-                </a:solidFill>
-              </a:rPr>
-              <a:t>TODO</a:t>
-            </a:r>
-          </a:p>
-          <a:p>
-            <a:r>
-              <a:rPr lang="fr-FR" dirty="0" err="1" smtClean="0"/>
-              <a:t>GitHub</a:t>
-            </a:r>
-            <a:r>
-              <a:rPr lang="fr-FR" dirty="0" smtClean="0"/>
-              <a:t> n’autorise que 5000 requêtes authentifiées par heure.</a:t>
-            </a:r>
-          </a:p>
-          <a:p>
-            <a:pPr lvl="1"/>
-            <a:r>
-              <a:rPr lang="fr-FR" dirty="0" smtClean="0"/>
-              <a:t>(et ne font </a:t>
-            </a:r>
-            <a:r>
-              <a:rPr lang="fr-FR" dirty="0" smtClean="0"/>
-              <a:t>pas facilement d’exception</a:t>
-            </a:r>
-            <a:r>
-              <a:rPr lang="fr-FR" dirty="0" smtClean="0"/>
-              <a:t>)</a:t>
-            </a:r>
-          </a:p>
-          <a:p>
-            <a:pPr marL="457200" lvl="1" indent="0">
-              <a:buNone/>
-            </a:pPr>
             <a:endParaRPr lang="fr-FR" dirty="0"/>
           </a:p>
-          <a:p>
-            <a:pPr>
-              <a:buFont typeface="Wingdings" charset="2"/>
-              <a:buChar char="Ø"/>
-            </a:pPr>
-            <a:r>
-              <a:rPr lang="fr-FR" dirty="0" smtClean="0"/>
-              <a:t>On se limite </a:t>
-            </a:r>
-            <a:r>
-              <a:rPr lang="fr-FR" dirty="0" smtClean="0"/>
-              <a:t>à </a:t>
-            </a:r>
-            <a:r>
-              <a:rPr lang="fr-FR" dirty="0" smtClean="0"/>
-              <a:t>14 applications et 26000 issues (</a:t>
-            </a:r>
-            <a:r>
-              <a:rPr lang="fr-FR" dirty="0" smtClean="0"/>
-              <a:t>6 heures </a:t>
-            </a:r>
-            <a:r>
-              <a:rPr lang="fr-FR" dirty="0" smtClean="0"/>
-              <a:t>de traitement)</a:t>
-            </a:r>
-            <a:endParaRPr lang="fr-FR" dirty="0"/>
+        </p:txBody>
+      </p:sp>
+      <p:pic>
+        <p:nvPicPr>
+          <p:cNvPr id="5" name="Picture 4"/>
+          <p:cNvPicPr>
+            <a:picLocks noChangeAspect="1"/>
+          </p:cNvPicPr>
+          <p:nvPr/>
+        </p:nvPicPr>
+        <p:blipFill>
+          <a:blip r:embed="rId2">
+            <a:extLst>
+              <a:ext uri="{28A0092B-C50C-407E-A947-70E740481C1C}">
+                <a14:useLocalDpi xmlns:a14="http://schemas.microsoft.com/office/drawing/2010/main" val="0"/>
+              </a:ext>
+            </a:extLst>
+          </a:blip>
+          <a:stretch>
+            <a:fillRect/>
+          </a:stretch>
+        </p:blipFill>
+        <p:spPr>
+          <a:xfrm>
+            <a:off x="1097280" y="4216399"/>
+            <a:ext cx="10058400" cy="1170479"/>
+          </a:xfrm>
+          <a:prstGeom prst="rect">
+            <a:avLst/>
+          </a:prstGeom>
+        </p:spPr>
+      </p:pic>
+      <p:sp>
+        <p:nvSpPr>
+          <p:cNvPr id="4" name="Date Placeholder 3"/>
+          <p:cNvSpPr>
+            <a:spLocks noGrp="1"/>
+          </p:cNvSpPr>
+          <p:nvPr>
+            <p:ph type="dt" sz="half" idx="10"/>
+          </p:nvPr>
+        </p:nvSpPr>
+        <p:spPr/>
+        <p:txBody>
+          <a:bodyPr/>
+          <a:lstStyle/>
+          <a:p>
+            <a:r>
+              <a:rPr lang="en-CA" smtClean="0"/>
+              <a:t>21/12/2015</a:t>
+            </a:r>
+            <a:endParaRPr lang="fr-FR"/>
+          </a:p>
+        </p:txBody>
+      </p:sp>
+      <p:sp>
+        <p:nvSpPr>
+          <p:cNvPr id="6" name="Footer Placeholder 5"/>
+          <p:cNvSpPr>
+            <a:spLocks noGrp="1"/>
+          </p:cNvSpPr>
+          <p:nvPr>
+            <p:ph type="ftr" sz="quarter" idx="11"/>
+          </p:nvPr>
+        </p:nvSpPr>
+        <p:spPr/>
+        <p:txBody>
+          <a:bodyPr/>
+          <a:lstStyle/>
+          <a:p>
+            <a:r>
+              <a:rPr lang="fr-FR" smtClean="0"/>
+              <a:t>IFT6252 Méthodes empiriques en génie logiciel</a:t>
+            </a:r>
+            <a:endParaRPr lang="fr-FR"/>
+          </a:p>
+        </p:txBody>
+      </p:sp>
+      <p:sp>
+        <p:nvSpPr>
+          <p:cNvPr id="7" name="Slide Number Placeholder 6"/>
+          <p:cNvSpPr>
+            <a:spLocks noGrp="1"/>
+          </p:cNvSpPr>
+          <p:nvPr>
+            <p:ph type="sldNum" sz="quarter" idx="12"/>
+          </p:nvPr>
+        </p:nvSpPr>
+        <p:spPr/>
+        <p:txBody>
+          <a:bodyPr/>
+          <a:lstStyle/>
+          <a:p>
+            <a:fld id="{16D7DFFE-4023-BF4F-95A6-0BE536B3CCAC}" type="slidenum">
+              <a:rPr lang="fr-FR" smtClean="0"/>
+              <a:t>9</a:t>
+            </a:fld>
+            <a:endParaRPr lang="fr-FR"/>
           </a:p>
         </p:txBody>
       </p:sp>
     </p:spTree>
     <p:extLst>
       <p:ext uri="{BB962C8B-B14F-4D97-AF65-F5344CB8AC3E}">
-        <p14:creationId xmlns:p14="http://schemas.microsoft.com/office/powerpoint/2010/main" val="879487325"/>
+        <p14:creationId xmlns:p14="http://schemas.microsoft.com/office/powerpoint/2010/main" val="1429292868"/>
       </p:ext>
     </p:extLst>
   </p:cSld>
@@ -6868,4 +9363,265 @@
     </a:ext>
   </a:extLst>
 </a:theme>
+</file>
+
+<file path=ppt/theme/theme2.xml><?xml version="1.0" encoding="utf-8"?>
+<a:theme xmlns:a="http://schemas.openxmlformats.org/drawingml/2006/main" name="Office Theme">
+  <a:themeElements>
+    <a:clrScheme name="Office">
+      <a:dk1>
+        <a:sysClr val="windowText" lastClr="000000"/>
+      </a:dk1>
+      <a:lt1>
+        <a:sysClr val="window" lastClr="FFFFFF"/>
+      </a:lt1>
+      <a:dk2>
+        <a:srgbClr val="44546A"/>
+      </a:dk2>
+      <a:lt2>
+        <a:srgbClr val="E7E6E6"/>
+      </a:lt2>
+      <a:accent1>
+        <a:srgbClr val="5B9BD5"/>
+      </a:accent1>
+      <a:accent2>
+        <a:srgbClr val="ED7D31"/>
+      </a:accent2>
+      <a:accent3>
+        <a:srgbClr val="A5A5A5"/>
+      </a:accent3>
+      <a:accent4>
+        <a:srgbClr val="FFC000"/>
+      </a:accent4>
+      <a:accent5>
+        <a:srgbClr val="4472C4"/>
+      </a:accent5>
+      <a:accent6>
+        <a:srgbClr val="70AD47"/>
+      </a:accent6>
+      <a:hlink>
+        <a:srgbClr val="0563C1"/>
+      </a:hlink>
+      <a:folHlink>
+        <a:srgbClr val="954F72"/>
+      </a:folHlink>
+    </a:clrScheme>
+    <a:fontScheme name="Office">
+      <a:majorFont>
+        <a:latin typeface="Calibri Light" panose="020F0302020204030204"/>
+        <a:ea typeface=""/>
+        <a:cs typeface=""/>
+        <a:font script="Jpan" typeface="Yu Gothic Light"/>
+        <a:font script="Hang" typeface="맑은 고딕"/>
+        <a:font script="Hans" typeface="DengXian Light"/>
+        <a:font script="Hant" typeface="新細明體"/>
+        <a:font script="Arab" typeface="Times New Roman"/>
+        <a:font script="Hebr" typeface="Times New Roman"/>
+        <a:font script="Thai" typeface="Angsana New"/>
+        <a:font script="Ethi" typeface="Nyala"/>
+        <a:font script="Beng" typeface="Vrinda"/>
+        <a:font script="Gujr" typeface="Shruti"/>
+        <a:font script="Khmr" typeface="MoolBoran"/>
+        <a:font script="Knda" typeface="Tunga"/>
+        <a:font script="Guru" typeface="Raavi"/>
+        <a:font script="Cans" typeface="Euphemia"/>
+        <a:font script="Cher" typeface="Plantagenet Cherokee"/>
+        <a:font script="Yiii" typeface="Microsoft Yi Baiti"/>
+        <a:font script="Tibt" typeface="Microsoft Himalaya"/>
+        <a:font script="Thaa" typeface="MV Boli"/>
+        <a:font script="Deva" typeface="Mangal"/>
+        <a:font script="Telu" typeface="Gautami"/>
+        <a:font script="Taml" typeface="Latha"/>
+        <a:font script="Syrc" typeface="Estrangelo Edessa"/>
+        <a:font script="Orya" typeface="Kalinga"/>
+        <a:font script="Mlym" typeface="Kartika"/>
+        <a:font script="Laoo" typeface="DokChampa"/>
+        <a:font script="Sinh" typeface="Iskoola Pota"/>
+        <a:font script="Mong" typeface="Mongolian Baiti"/>
+        <a:font script="Viet" typeface="Times New Roman"/>
+        <a:font script="Uigh" typeface="Microsoft Uighur"/>
+        <a:font script="Geor" typeface="Sylfaen"/>
+      </a:majorFont>
+      <a:minorFont>
+        <a:latin typeface="Calibri" panose="020F0502020204030204"/>
+        <a:ea typeface=""/>
+        <a:cs typeface=""/>
+        <a:font script="Jpan" typeface="Yu Gothic"/>
+        <a:font script="Hang" typeface="맑은 고딕"/>
+        <a:font script="Hans" typeface="DengXian"/>
+        <a:font script="Hant" typeface="新細明體"/>
+        <a:font script="Arab" typeface="Arial"/>
+        <a:font script="Hebr" typeface="Arial"/>
+        <a:font script="Thai" typeface="Cordia New"/>
+        <a:font script="Ethi" typeface="Nyala"/>
+        <a:font script="Beng" typeface="Vrinda"/>
+        <a:font script="Gujr" typeface="Shruti"/>
+        <a:font script="Khmr" typeface="DaunPenh"/>
+        <a:font script="Knda" typeface="Tunga"/>
+        <a:font script="Guru" typeface="Raavi"/>
+        <a:font script="Cans" typeface="Euphemia"/>
+        <a:font script="Cher" typeface="Plantagenet Cherokee"/>
+        <a:font script="Yiii" typeface="Microsoft Yi Baiti"/>
+        <a:font script="Tibt" typeface="Microsoft Himalaya"/>
+        <a:font script="Thaa" typeface="MV Boli"/>
+        <a:font script="Deva" typeface="Mangal"/>
+        <a:font script="Telu" typeface="Gautami"/>
+        <a:font script="Taml" typeface="Latha"/>
+        <a:font script="Syrc" typeface="Estrangelo Edessa"/>
+        <a:font script="Orya" typeface="Kalinga"/>
+        <a:font script="Mlym" typeface="Kartika"/>
+        <a:font script="Laoo" typeface="DokChampa"/>
+        <a:font script="Sinh" typeface="Iskoola Pota"/>
+        <a:font script="Mong" typeface="Mongolian Baiti"/>
+        <a:font script="Viet" typeface="Arial"/>
+        <a:font script="Uigh" typeface="Microsoft Uighur"/>
+        <a:font script="Geor" typeface="Sylfaen"/>
+      </a:minorFont>
+    </a:fontScheme>
+    <a:fmtScheme name="Office">
+      <a:fillStyleLst>
+        <a:solidFill>
+          <a:schemeClr val="phClr"/>
+        </a:solidFill>
+        <a:gradFill rotWithShape="1">
+          <a:gsLst>
+            <a:gs pos="0">
+              <a:schemeClr val="phClr">
+                <a:lumMod val="110000"/>
+                <a:satMod val="105000"/>
+                <a:tint val="67000"/>
+              </a:schemeClr>
+            </a:gs>
+            <a:gs pos="50000">
+              <a:schemeClr val="phClr">
+                <a:lumMod val="105000"/>
+                <a:satMod val="103000"/>
+                <a:tint val="73000"/>
+              </a:schemeClr>
+            </a:gs>
+            <a:gs pos="100000">
+              <a:schemeClr val="phClr">
+                <a:lumMod val="105000"/>
+                <a:satMod val="109000"/>
+                <a:tint val="81000"/>
+              </a:schemeClr>
+            </a:gs>
+          </a:gsLst>
+          <a:lin ang="5400000" scaled="0"/>
+        </a:gradFill>
+        <a:gradFill rotWithShape="1">
+          <a:gsLst>
+            <a:gs pos="0">
+              <a:schemeClr val="phClr">
+                <a:satMod val="103000"/>
+                <a:lumMod val="102000"/>
+                <a:tint val="94000"/>
+              </a:schemeClr>
+            </a:gs>
+            <a:gs pos="50000">
+              <a:schemeClr val="phClr">
+                <a:satMod val="110000"/>
+                <a:lumMod val="100000"/>
+                <a:shade val="100000"/>
+              </a:schemeClr>
+            </a:gs>
+            <a:gs pos="100000">
+              <a:schemeClr val="phClr">
+                <a:lumMod val="99000"/>
+                <a:satMod val="120000"/>
+                <a:shade val="78000"/>
+              </a:schemeClr>
+            </a:gs>
+          </a:gsLst>
+          <a:lin ang="5400000" scaled="0"/>
+        </a:gradFill>
+      </a:fillStyleLst>
+      <a:lnStyleLst>
+        <a:ln w="6350" cap="flat" cmpd="sng" algn="ctr">
+          <a:solidFill>
+            <a:schemeClr val="phClr"/>
+          </a:solidFill>
+          <a:prstDash val="solid"/>
+          <a:miter lim="800000"/>
+        </a:ln>
+        <a:ln w="12700" cap="flat" cmpd="sng" algn="ctr">
+          <a:solidFill>
+            <a:schemeClr val="phClr"/>
+          </a:solidFill>
+          <a:prstDash val="solid"/>
+          <a:miter lim="800000"/>
+        </a:ln>
+        <a:ln w="19050" cap="flat" cmpd="sng" algn="ctr">
+          <a:solidFill>
+            <a:schemeClr val="phClr"/>
+          </a:solidFill>
+          <a:prstDash val="solid"/>
+          <a:miter lim="800000"/>
+        </a:ln>
+      </a:lnStyleLst>
+      <a:effectStyleLst>
+        <a:effectStyle>
+          <a:effectLst/>
+        </a:effectStyle>
+        <a:effectStyle>
+          <a:effectLst/>
+        </a:effectStyle>
+        <a:effectStyle>
+          <a:effectLst>
+            <a:outerShdw blurRad="57150" dist="19050" dir="5400000" algn="ctr" rotWithShape="0">
+              <a:srgbClr val="000000">
+                <a:alpha val="63000"/>
+              </a:srgbClr>
+            </a:outerShdw>
+          </a:effectLst>
+        </a:effectStyle>
+      </a:effectStyleLst>
+      <a:bgFillStyleLst>
+        <a:solidFill>
+          <a:schemeClr val="phClr"/>
+        </a:solidFill>
+        <a:solidFill>
+          <a:schemeClr val="phClr">
+            <a:tint val="95000"/>
+            <a:satMod val="170000"/>
+          </a:schemeClr>
+        </a:solidFill>
+        <a:gradFill rotWithShape="1">
+          <a:gsLst>
+            <a:gs pos="0">
+              <a:schemeClr val="phClr">
+                <a:tint val="93000"/>
+                <a:satMod val="150000"/>
+                <a:shade val="98000"/>
+                <a:lumMod val="102000"/>
+              </a:schemeClr>
+            </a:gs>
+            <a:gs pos="50000">
+              <a:schemeClr val="phClr">
+                <a:tint val="98000"/>
+                <a:satMod val="130000"/>
+                <a:shade val="90000"/>
+                <a:lumMod val="103000"/>
+              </a:schemeClr>
+            </a:gs>
+            <a:gs pos="100000">
+              <a:schemeClr val="phClr">
+                <a:shade val="63000"/>
+                <a:satMod val="120000"/>
+              </a:schemeClr>
+            </a:gs>
+          </a:gsLst>
+          <a:lin ang="5400000" scaled="0"/>
+        </a:gradFill>
+      </a:bgFillStyleLst>
+    </a:fmtScheme>
+  </a:themeElements>
+  <a:objectDefaults/>
+  <a:extraClrSchemeLst/>
+  <a:extLst>
+    <a:ext uri="{05A4C25C-085E-4340-85A3-A5531E510DB2}">
+      <thm15:themeFamily xmlns:thm15="http://schemas.microsoft.com/office/thememl/2012/main" name="Office Theme" id="{62F939B6-93AF-4DB8-9C6B-D6C7DFDC589F}" vid="{4A3C46E8-61CC-4603-A589-7422A47A8E4A}"/>
+    </a:ext>
+  </a:extLst>
+</a:theme>
 </file>
--- a/rapport/presentation/final.pptx
+++ b/rapport/presentation/final.pptx
@@ -5,7 +5,7 @@
     <p:sldMasterId id="2147483702" r:id="rId1"/>
   </p:sldMasterIdLst>
   <p:notesMasterIdLst>
-    <p:notesMasterId r:id="rId23"/>
+    <p:notesMasterId r:id="rId26"/>
   </p:notesMasterIdLst>
   <p:sldIdLst>
     <p:sldId id="256" r:id="rId2"/>
@@ -26,9 +26,12 @@
     <p:sldId id="270" r:id="rId17"/>
     <p:sldId id="271" r:id="rId18"/>
     <p:sldId id="272" r:id="rId19"/>
-    <p:sldId id="273" r:id="rId20"/>
-    <p:sldId id="269" r:id="rId21"/>
-    <p:sldId id="274" r:id="rId22"/>
+    <p:sldId id="282" r:id="rId20"/>
+    <p:sldId id="280" r:id="rId21"/>
+    <p:sldId id="281" r:id="rId22"/>
+    <p:sldId id="273" r:id="rId23"/>
+    <p:sldId id="269" r:id="rId24"/>
+    <p:sldId id="274" r:id="rId25"/>
   </p:sldIdLst>
   <p:sldSz cx="12192000" cy="6858000"/>
   <p:notesSz cx="6858000" cy="9144000"/>
@@ -4509,9 +4512,15 @@
         </p:nvSpPr>
         <p:spPr/>
         <p:txBody>
-          <a:bodyPr/>
-          <a:lstStyle/>
-          <a:p>
+          <a:bodyPr>
+            <a:normAutofit/>
+          </a:bodyPr>
+          <a:lstStyle/>
+          <a:p>
+            <a:r>
+              <a:rPr lang="fr-FR" dirty="0" smtClean="0"/>
+              <a:t>On écrit un script qui va :</a:t>
+            </a:r>
             <a:endParaRPr lang="fr-FR" dirty="0"/>
           </a:p>
           <a:p>
@@ -4521,7 +4530,19 @@
             </a:pPr>
             <a:r>
               <a:rPr lang="fr-FR" dirty="0" smtClean="0"/>
-              <a:t>Pour chaque classe, identifier tous les appels vers l’API Android</a:t>
+              <a:t>Appeler </a:t>
+            </a:r>
+            <a:r>
+              <a:rPr lang="fr-FR" i="1" dirty="0" smtClean="0"/>
+              <a:t>java-</a:t>
+            </a:r>
+            <a:r>
+              <a:rPr lang="fr-FR" i="1" dirty="0" err="1" smtClean="0"/>
+              <a:t>callgraph</a:t>
+            </a:r>
+            <a:r>
+              <a:rPr lang="fr-FR" dirty="0" smtClean="0"/>
+              <a:t> et récupérer le graphe d’appels,</a:t>
             </a:r>
           </a:p>
           <a:p>
@@ -4530,9 +4551,41 @@
               <a:buAutoNum type="arabicPeriod"/>
             </a:pPr>
             <a:r>
-              <a:rPr lang="fr-FR" dirty="0" smtClean="0"/>
-              <a:t>On les additionne et on stocke les résultats</a:t>
-            </a:r>
+              <a:rPr lang="fr-FR" dirty="0"/>
+              <a:t>Pour chaque </a:t>
+            </a:r>
+            <a:r>
+              <a:rPr lang="fr-FR" dirty="0" smtClean="0"/>
+              <a:t>appel, </a:t>
+            </a:r>
+            <a:r>
+              <a:rPr lang="fr-FR" dirty="0"/>
+              <a:t>identifier </a:t>
+            </a:r>
+            <a:r>
+              <a:rPr lang="fr-FR" dirty="0" smtClean="0"/>
+              <a:t>la classe appelante et si c’est un appel vers </a:t>
+            </a:r>
+            <a:r>
+              <a:rPr lang="fr-FR" dirty="0"/>
+              <a:t>l’API </a:t>
+            </a:r>
+            <a:r>
+              <a:rPr lang="fr-FR" dirty="0" smtClean="0"/>
+              <a:t>Android,</a:t>
+            </a:r>
+            <a:endParaRPr lang="fr-FR" dirty="0" smtClean="0"/>
+          </a:p>
+          <a:p>
+            <a:pPr marL="457200" indent="-457200">
+              <a:buFont typeface="+mj-lt"/>
+              <a:buAutoNum type="arabicPeriod"/>
+            </a:pPr>
+            <a:r>
+              <a:rPr lang="fr-FR" dirty="0" smtClean="0"/>
+              <a:t>Additionner le nombre d’appels différents différents par classe.</a:t>
+            </a:r>
+            <a:endParaRPr lang="fr-FR" dirty="0" smtClean="0"/>
           </a:p>
           <a:p>
             <a:pPr marL="0" indent="0">
@@ -4613,7 +4666,7 @@
         </p:blipFill>
         <p:spPr>
           <a:xfrm>
-            <a:off x="1097280" y="4117245"/>
+            <a:off x="1097280" y="4474432"/>
             <a:ext cx="10058400" cy="753819"/>
           </a:xfrm>
           <a:prstGeom prst="rect">
@@ -4762,23 +4815,40 @@
           <a:bodyPr/>
           <a:lstStyle/>
           <a:p>
-            <a:endParaRPr lang="fr-FR" dirty="0" smtClean="0"/>
-          </a:p>
-          <a:p>
-            <a:r>
-              <a:rPr lang="fr-FR" dirty="0" smtClean="0"/>
+            <a:pPr marL="0" indent="0">
+              <a:buNone/>
+            </a:pPr>
+            <a:endParaRPr lang="nl-BE" dirty="0" smtClean="0"/>
+          </a:p>
+          <a:p>
+            <a:r>
+              <a:rPr lang="fr-FR" dirty="0"/>
               <a:t>Assez similaire aux </a:t>
             </a:r>
             <a:r>
-              <a:rPr lang="fr-FR" dirty="0" err="1" smtClean="0"/>
+              <a:rPr lang="fr-FR" dirty="0" err="1"/>
               <a:t>ap</a:t>
             </a:r>
             <a:r>
               <a:rPr lang="nl-BE" dirty="0" smtClean="0"/>
-              <a:t>pels :</a:t>
-            </a:r>
-          </a:p>
-          <a:p>
+              <a:t>pels, </a:t>
+            </a:r>
+            <a:r>
+              <a:rPr lang="fr-FR" dirty="0"/>
+              <a:t>o</a:t>
+            </a:r>
+            <a:r>
+              <a:rPr lang="fr-FR" dirty="0" smtClean="0"/>
+              <a:t>n </a:t>
+            </a:r>
+            <a:r>
+              <a:rPr lang="fr-FR" dirty="0"/>
+              <a:t>écrit un script qui va </a:t>
+            </a:r>
+            <a:r>
+              <a:rPr lang="fr-FR" dirty="0" smtClean="0"/>
+              <a:t>:</a:t>
+            </a:r>
             <a:endParaRPr lang="nl-BE" dirty="0"/>
           </a:p>
           <a:p>
@@ -4787,8 +4857,20 @@
               <a:buAutoNum type="arabicPeriod"/>
             </a:pPr>
             <a:r>
-              <a:rPr lang="nl-BE" dirty="0" smtClean="0"/>
-              <a:t>Pour chaque classe, on identifie ses méthodes apparaissant dans le graphe d’appel.</a:t>
+              <a:rPr lang="fr-FR" dirty="0"/>
+              <a:t>Appeler </a:t>
+            </a:r>
+            <a:r>
+              <a:rPr lang="fr-FR" i="1" dirty="0"/>
+              <a:t>java-</a:t>
+            </a:r>
+            <a:r>
+              <a:rPr lang="fr-FR" i="1" dirty="0" err="1"/>
+              <a:t>callgraph</a:t>
+            </a:r>
+            <a:r>
+              <a:rPr lang="fr-FR" dirty="0"/>
+              <a:t> et récupérer le graphe d’appels,</a:t>
             </a:r>
           </a:p>
           <a:p>
@@ -4797,9 +4879,33 @@
               <a:buAutoNum type="arabicPeriod"/>
             </a:pPr>
             <a:r>
+              <a:rPr lang="nl-BE" dirty="0" smtClean="0"/>
+              <a:t>Pour </a:t>
+            </a:r>
+            <a:r>
+              <a:rPr lang="nl-BE" dirty="0" smtClean="0"/>
+              <a:t>chaque classe, on identifie ses méthodes apparaissant dans le graphe d’appel</a:t>
+            </a:r>
+            <a:r>
+              <a:rPr lang="nl-BE" dirty="0" smtClean="0"/>
+              <a:t>.</a:t>
+            </a:r>
+            <a:endParaRPr lang="nl-BE" dirty="0" smtClean="0"/>
+          </a:p>
+          <a:p>
+            <a:pPr marL="457200" indent="-457200">
+              <a:buFont typeface="+mj-lt"/>
+              <a:buAutoNum type="arabicPeriod"/>
+            </a:pPr>
+            <a:r>
               <a:rPr lang="fr-FR" dirty="0"/>
-              <a:t>On les additionne et on stocke les résultats</a:t>
-            </a:r>
+              <a:t>On les additionne et on stocke les </a:t>
+            </a:r>
+            <a:r>
+              <a:rPr lang="fr-FR" dirty="0" smtClean="0"/>
+              <a:t>résultats.</a:t>
+            </a:r>
+            <a:endParaRPr lang="fr-FR" dirty="0"/>
           </a:p>
           <a:p>
             <a:pPr marL="0" indent="0">
@@ -4924,8 +5030,12 @@
           <a:lstStyle/>
           <a:p>
             <a:r>
+              <a:rPr lang="nl-BE" dirty="0" smtClean="0"/>
+              <a:t>Défauts dans </a:t>
+            </a:r>
+            <a:r>
               <a:rPr lang="nl-BE" dirty="0"/>
-              <a:t>Issues dans le </a:t>
+              <a:t>le </a:t>
             </a:r>
             <a:r>
               <a:rPr lang="nl-BE" dirty="0" smtClean="0"/>
@@ -4955,7 +5065,11 @@
             </a:pPr>
             <a:r>
               <a:rPr lang="fr-FR" dirty="0" smtClean="0"/>
-              <a:t>C’est assez difficile a récupérer car cela dépend de la documentation des problèmes</a:t>
+              <a:t>Ecrire un </a:t>
+            </a:r>
+            <a:r>
+              <a:rPr lang="fr-FR" smtClean="0"/>
+              <a:t>script python qui va :</a:t>
             </a:r>
             <a:endParaRPr lang="fr-FR" dirty="0"/>
           </a:p>
@@ -5319,7 +5433,11 @@
           <a:p>
             <a:r>
               <a:rPr lang="nl-BE" dirty="0"/>
-              <a:t>Issues dans le </a:t>
+              <a:t>Défauts dans </a:t>
+            </a:r>
+            <a:r>
+              <a:rPr lang="nl-BE" dirty="0"/>
+              <a:t>le </a:t>
             </a:r>
             <a:r>
               <a:rPr lang="nl-BE" dirty="0"/>
@@ -6102,13 +6220,23 @@
             <a:endParaRPr lang="fr-FR" dirty="0"/>
           </a:p>
           <a:p>
-            <a:pPr marL="201168" lvl="1" indent="0">
-              <a:buNone/>
+            <a:pPr lvl="1">
+              <a:buFont typeface="Wingdings" charset="2"/>
+              <a:buChar char="Ø"/>
             </a:pPr>
             <a:r>
               <a:rPr lang="fr-FR" dirty="0" smtClean="0"/>
-              <a:t>&gt; Les distributions n’étant pas normal, on analysera les données avec des tests non-paramétriques.</a:t>
-            </a:r>
+              <a:t>Les </a:t>
+            </a:r>
+            <a:r>
+              <a:rPr lang="fr-FR" dirty="0" smtClean="0"/>
+              <a:t>distributions </a:t>
+            </a:r>
+            <a:r>
+              <a:rPr lang="fr-FR" dirty="0" smtClean="0"/>
+              <a:t>ne sont pas normal.</a:t>
+            </a:r>
+            <a:endParaRPr lang="fr-FR" dirty="0" smtClean="0"/>
           </a:p>
           <a:p>
             <a:pPr marL="201168" lvl="1" indent="0">
@@ -6571,8 +6699,13 @@
             </a:pPr>
             <a:r>
               <a:rPr lang="fr-FR" dirty="0" smtClean="0"/>
-              <a:t>On rejette l’hypothèse nulle</a:t>
-            </a:r>
+              <a:t>On rejette l’hypothèse nulle. Les distributions ont une moyenne différente. Une F-value élevé ajoute comme information qu’il y a  des valeurs </a:t>
+            </a:r>
+            <a:r>
+              <a:rPr lang="nl-BE" dirty="0" smtClean="0"/>
+              <a:t>élevés dans un groupe et pas dans l’autre.</a:t>
+            </a:r>
+            <a:endParaRPr lang="fr-FR" dirty="0" smtClean="0"/>
           </a:p>
           <a:p>
             <a:endParaRPr lang="fr-FR" dirty="0"/>
@@ -6676,6 +6809,11 @@
           <a:prstGeom prst="rect">
             <a:avLst/>
           </a:prstGeom>
+          <a:ln>
+            <a:solidFill>
+              <a:schemeClr val="tx1"/>
+            </a:solidFill>
+          </a:ln>
         </p:spPr>
       </p:pic>
       <p:pic>
@@ -6706,6 +6844,11 @@
           <a:prstGeom prst="rect">
             <a:avLst/>
           </a:prstGeom>
+          <a:ln>
+            <a:solidFill>
+              <a:schemeClr val="tx1"/>
+            </a:solidFill>
+          </a:ln>
         </p:spPr>
       </p:pic>
     </p:spTree>
@@ -6754,73 +6897,66 @@
           <a:lstStyle/>
           <a:p>
             <a:r>
-              <a:rPr lang="fr-FR" dirty="0" smtClean="0"/>
-              <a:t>Analyse : Régression linéaire</a:t>
-            </a:r>
+              <a:rPr lang="fr-FR" dirty="0"/>
+              <a:t>Analyse : modèle prédictif</a:t>
+            </a:r>
+          </a:p>
+        </p:txBody>
+      </p:sp>
+      <p:sp>
+        <p:nvSpPr>
+          <p:cNvPr id="3" name="Content Placeholder 2"/>
+          <p:cNvSpPr>
+            <a:spLocks noGrp="1"/>
+          </p:cNvSpPr>
+          <p:nvPr>
+            <p:ph idx="1"/>
+          </p:nvPr>
+        </p:nvSpPr>
+        <p:spPr/>
+        <p:txBody>
+          <a:bodyPr/>
+          <a:lstStyle/>
+          <a:p>
+            <a:endParaRPr lang="fr-FR" dirty="0" smtClean="0"/>
+          </a:p>
+          <a:p>
+            <a:r>
+              <a:rPr lang="fr-FR" dirty="0" smtClean="0"/>
+              <a:t>Regarder si il possible de créer un modèle prédictif suivant :</a:t>
+            </a:r>
+          </a:p>
+          <a:p>
+            <a:endParaRPr lang="fr-FR" dirty="0" smtClean="0"/>
+          </a:p>
+          <a:p>
+            <a:pPr lvl="1"/>
+            <a:r>
+              <a:rPr lang="fr-FR" dirty="0" smtClean="0"/>
+              <a:t>Si je connais le nombre d’appel et la taille de la classe, est ce qu’il serait possible d’estimer le nombre de défauts ?</a:t>
+            </a:r>
+          </a:p>
+          <a:p>
+            <a:pPr marL="201168" lvl="1" indent="0">
+              <a:buNone/>
+            </a:pPr>
             <a:endParaRPr lang="fr-FR" dirty="0"/>
           </a:p>
-        </p:txBody>
-      </p:sp>
-      <p:sp>
-        <p:nvSpPr>
-          <p:cNvPr id="3" name="Content Placeholder 2"/>
-          <p:cNvSpPr>
-            <a:spLocks noGrp="1"/>
-          </p:cNvSpPr>
-          <p:nvPr>
-            <p:ph idx="1"/>
-          </p:nvPr>
-        </p:nvSpPr>
-        <p:spPr/>
-        <p:txBody>
-          <a:bodyPr/>
-          <a:lstStyle/>
-          <a:p>
-            <a:endParaRPr lang="fr-FR" dirty="0" smtClean="0"/>
-          </a:p>
-          <a:p>
+          <a:p>
+            <a:pPr marL="201168" lvl="1" indent="0">
+              <a:buNone/>
+            </a:pPr>
+            <a:r>
+              <a:rPr lang="fr-FR" dirty="0" smtClean="0"/>
+              <a:t>Dans ce cas ci, on va réaliser une régression linéaire par la méthode des moindres carrés.</a:t>
+            </a:r>
             <a:endParaRPr lang="fr-FR" dirty="0"/>
           </a:p>
         </p:txBody>
       </p:sp>
-      <p:pic>
-        <p:nvPicPr>
-          <p:cNvPr id="4" name="Picture 3"/>
-          <p:cNvPicPr>
-            <a:picLocks noChangeAspect="1"/>
-          </p:cNvPicPr>
-          <p:nvPr/>
-        </p:nvPicPr>
-        <p:blipFill>
-          <a:blip r:embed="rId2">
-            <a:extLst>
-              <a:ext uri="{28A0092B-C50C-407E-A947-70E740481C1C}">
-                <a14:useLocalDpi xmlns:a14="http://schemas.microsoft.com/office/drawing/2010/main" val="0"/>
-              </a:ext>
-            </a:extLst>
-          </a:blip>
-          <a:stretch>
-            <a:fillRect/>
-          </a:stretch>
-        </p:blipFill>
-        <p:spPr>
-          <a:xfrm>
-            <a:off x="2589530" y="2028614"/>
-            <a:ext cx="7073900" cy="3657600"/>
-          </a:xfrm>
-          <a:prstGeom prst="rect">
-            <a:avLst/>
-          </a:prstGeom>
-          <a:ln>
-            <a:solidFill>
-              <a:schemeClr val="tx1"/>
-            </a:solidFill>
-          </a:ln>
-        </p:spPr>
-      </p:pic>
-      <p:sp>
-        <p:nvSpPr>
-          <p:cNvPr id="5" name="Date Placeholder 4"/>
+      <p:sp>
+        <p:nvSpPr>
+          <p:cNvPr id="4" name="Date Placeholder 3"/>
           <p:cNvSpPr>
             <a:spLocks noGrp="1"/>
           </p:cNvSpPr>
@@ -6843,7 +6979,7 @@
       </p:sp>
       <p:sp>
         <p:nvSpPr>
-          <p:cNvPr id="6" name="Footer Placeholder 5"/>
+          <p:cNvPr id="5" name="Footer Placeholder 4"/>
           <p:cNvSpPr>
             <a:spLocks noGrp="1"/>
           </p:cNvSpPr>
@@ -6866,7 +7002,7 @@
       </p:sp>
       <p:sp>
         <p:nvSpPr>
-          <p:cNvPr id="7" name="Slide Number Placeholder 6"/>
+          <p:cNvPr id="6" name="Slide Number Placeholder 5"/>
           <p:cNvSpPr>
             <a:spLocks noGrp="1"/>
           </p:cNvSpPr>
@@ -6890,7 +7026,7 @@
     </p:spTree>
     <p:extLst>
       <p:ext uri="{BB962C8B-B14F-4D97-AF65-F5344CB8AC3E}">
-        <p14:creationId xmlns:p14="http://schemas.microsoft.com/office/powerpoint/2010/main" val="905795068"/>
+        <p14:creationId xmlns:p14="http://schemas.microsoft.com/office/powerpoint/2010/main" val="258026936"/>
       </p:ext>
     </p:extLst>
   </p:cSld>
@@ -6955,9 +7091,16 @@
           <a:bodyPr/>
           <a:lstStyle/>
           <a:p>
-            <a:r>
-              <a:rPr lang="fr-FR" dirty="0" smtClean="0"/>
-              <a:t>Description du problème</a:t>
+            <a:endParaRPr lang="fr-FR" dirty="0" smtClean="0"/>
+          </a:p>
+          <a:p>
+            <a:r>
+              <a:rPr lang="fr-FR" dirty="0" smtClean="0"/>
+              <a:t>Description </a:t>
+            </a:r>
+            <a:r>
+              <a:rPr lang="fr-FR" dirty="0" smtClean="0"/>
+              <a:t>du problème</a:t>
             </a:r>
           </a:p>
           <a:p>
@@ -7090,154 +7233,12 @@
           <a:lstStyle/>
           <a:p>
             <a:r>
-              <a:rPr lang="fr-FR" dirty="0" smtClean="0"/>
-              <a:t>Limites</a:t>
-            </a:r>
-            <a:endParaRPr lang="fr-FR" dirty="0"/>
-          </a:p>
-        </p:txBody>
-      </p:sp>
-      <p:sp>
-        <p:nvSpPr>
-          <p:cNvPr id="3" name="Content Placeholder 2"/>
-          <p:cNvSpPr>
-            <a:spLocks noGrp="1"/>
-          </p:cNvSpPr>
-          <p:nvPr>
-            <p:ph idx="1"/>
-          </p:nvPr>
-        </p:nvSpPr>
-        <p:spPr/>
-        <p:txBody>
-          <a:bodyPr/>
-          <a:lstStyle/>
-          <a:p>
-            <a:r>
-              <a:rPr lang="fr-FR" dirty="0" smtClean="0"/>
-              <a:t>Fiabilité du système de score des issues.</a:t>
-            </a:r>
-          </a:p>
-          <a:p>
-            <a:r>
-              <a:rPr lang="fr-FR" dirty="0" smtClean="0"/>
-              <a:t>Taille </a:t>
-            </a:r>
-            <a:r>
-              <a:rPr lang="fr-FR" dirty="0" smtClean="0"/>
-              <a:t>de la classe calculer en fonction du nombre de méthode.</a:t>
-            </a:r>
-          </a:p>
-          <a:p>
-            <a:r>
-              <a:rPr lang="fr-FR" dirty="0" smtClean="0"/>
-              <a:t>Les renommage de classes ne sont pas pris en compte</a:t>
-            </a:r>
-            <a:r>
-              <a:rPr lang="nl-BE" dirty="0" smtClean="0"/>
-              <a:t>.</a:t>
-            </a:r>
-            <a:endParaRPr lang="fr-FR" dirty="0" smtClean="0"/>
-          </a:p>
-          <a:p>
-            <a:r>
-              <a:rPr lang="fr-FR" dirty="0" smtClean="0"/>
-              <a:t>L’héritage n’est pas considéré.</a:t>
-            </a:r>
-          </a:p>
-          <a:p>
-            <a:r>
-              <a:rPr lang="fr-FR" dirty="0" smtClean="0"/>
-              <a:t>Il semblerait avoir des différence de forces statistiques entre les résultats des outils montrés ci-dessus (</a:t>
-            </a:r>
-            <a:r>
-              <a:rPr lang="fr-FR" dirty="0" err="1" smtClean="0"/>
-              <a:t>numpy+scipy+statmodels</a:t>
-            </a:r>
-            <a:r>
-              <a:rPr lang="fr-FR" dirty="0" smtClean="0"/>
-              <a:t>) et les résultats que donne </a:t>
-            </a:r>
-            <a:r>
-              <a:rPr lang="fr-FR" i="1" dirty="0" smtClean="0"/>
-              <a:t>IBM SSPS </a:t>
-            </a:r>
-            <a:r>
-              <a:rPr lang="fr-FR" i="1" dirty="0" err="1" smtClean="0"/>
-              <a:t>Statistics</a:t>
-            </a:r>
-            <a:r>
-              <a:rPr lang="fr-FR" i="1" dirty="0" smtClean="0"/>
-              <a:t>.</a:t>
-            </a:r>
-          </a:p>
-          <a:p>
-            <a:pPr lvl="1"/>
-            <a:r>
-              <a:rPr lang="fr-FR" i="1" dirty="0" smtClean="0"/>
-              <a:t>Exemple : </a:t>
-            </a:r>
-            <a:r>
               <a:rPr lang="fr-FR" dirty="0"/>
-              <a:t>Spearman rho </a:t>
-            </a:r>
-            <a:r>
-              <a:rPr lang="fr-FR" dirty="0" err="1"/>
-              <a:t>correlation</a:t>
-            </a:r>
-            <a:r>
-              <a:rPr lang="fr-FR" dirty="0"/>
-              <a:t> coefficient </a:t>
-            </a:r>
-            <a:r>
-              <a:rPr lang="fr-FR" dirty="0" smtClean="0"/>
-              <a:t>pour Class size &lt;&gt; Issues</a:t>
-            </a:r>
-            <a:endParaRPr lang="fr-FR" i="1" dirty="0" smtClean="0"/>
-          </a:p>
-          <a:p>
-            <a:pPr lvl="1"/>
-            <a:r>
-              <a:rPr lang="fr-FR" i="1" dirty="0" err="1" smtClean="0"/>
-              <a:t>Scipy</a:t>
-            </a:r>
-            <a:r>
-              <a:rPr lang="fr-FR" i="1" dirty="0" smtClean="0"/>
-              <a:t> : </a:t>
-            </a:r>
-            <a:r>
-              <a:rPr lang="fr-FR" dirty="0" smtClean="0"/>
-              <a:t>= </a:t>
-            </a:r>
-            <a:r>
-              <a:rPr lang="fr-FR" dirty="0"/>
-              <a:t>0.552109544494</a:t>
-            </a:r>
-          </a:p>
-          <a:p>
-            <a:pPr lvl="1"/>
-            <a:r>
-              <a:rPr lang="fr-FR" i="1" dirty="0" smtClean="0"/>
-              <a:t>IBM SSPS </a:t>
-            </a:r>
-            <a:r>
-              <a:rPr lang="fr-FR" i="1" dirty="0" err="1" smtClean="0"/>
-              <a:t>Statistics</a:t>
-            </a:r>
-            <a:r>
-              <a:rPr lang="fr-FR" i="1" dirty="0" smtClean="0"/>
-              <a:t>: </a:t>
-            </a:r>
-            <a:r>
-              <a:rPr lang="fr-FR" dirty="0" smtClean="0"/>
-              <a:t>=</a:t>
-            </a:r>
-            <a:r>
-              <a:rPr lang="fr-FR" i="1" dirty="0" smtClean="0"/>
-              <a:t> </a:t>
-            </a:r>
-            <a:r>
-              <a:rPr lang="fr-FR" dirty="0" smtClean="0"/>
-              <a:t>0.544</a:t>
+              <a:t>Analyse : Régression </a:t>
+            </a:r>
+            <a:r>
+              <a:rPr lang="fr-FR" dirty="0" smtClean="0"/>
+              <a:t>linéaire (1/3)</a:t>
             </a:r>
             <a:endParaRPr lang="fr-FR" dirty="0"/>
           </a:p>
@@ -7312,10 +7313,44 @@
           </a:p>
         </p:txBody>
       </p:sp>
+      <p:pic>
+        <p:nvPicPr>
+          <p:cNvPr id="11" name="Content Placeholder 10"/>
+          <p:cNvPicPr>
+            <a:picLocks noGrp="1" noChangeAspect="1"/>
+          </p:cNvPicPr>
+          <p:nvPr>
+            <p:ph idx="1"/>
+          </p:nvPr>
+        </p:nvPicPr>
+        <p:blipFill>
+          <a:blip r:embed="rId2">
+            <a:extLst>
+              <a:ext uri="{28A0092B-C50C-407E-A947-70E740481C1C}">
+                <a14:useLocalDpi xmlns:a14="http://schemas.microsoft.com/office/drawing/2010/main" val="0"/>
+              </a:ext>
+            </a:extLst>
+          </a:blip>
+          <a:stretch>
+            <a:fillRect/>
+          </a:stretch>
+        </p:blipFill>
+        <p:spPr>
+          <a:xfrm>
+            <a:off x="2601913" y="2041525"/>
+            <a:ext cx="7048500" cy="3632200"/>
+          </a:xfrm>
+          <a:ln>
+            <a:solidFill>
+              <a:schemeClr val="tx1"/>
+            </a:solidFill>
+          </a:ln>
+        </p:spPr>
+      </p:pic>
     </p:spTree>
     <p:extLst>
       <p:ext uri="{BB962C8B-B14F-4D97-AF65-F5344CB8AC3E}">
-        <p14:creationId xmlns:p14="http://schemas.microsoft.com/office/powerpoint/2010/main" val="62940494"/>
+        <p14:creationId xmlns:p14="http://schemas.microsoft.com/office/powerpoint/2010/main" val="1585337306"/>
       </p:ext>
     </p:extLst>
   </p:cSld>
@@ -7358,6 +7393,624 @@
           <a:lstStyle/>
           <a:p>
             <a:r>
+              <a:rPr lang="fr-FR" dirty="0"/>
+              <a:t>Analyse : Régression </a:t>
+            </a:r>
+            <a:r>
+              <a:rPr lang="fr-FR" dirty="0" smtClean="0"/>
+              <a:t>linéaire (2/3)</a:t>
+            </a:r>
+            <a:endParaRPr lang="fr-FR" dirty="0"/>
+          </a:p>
+        </p:txBody>
+      </p:sp>
+      <p:sp>
+        <p:nvSpPr>
+          <p:cNvPr id="4" name="Date Placeholder 3"/>
+          <p:cNvSpPr>
+            <a:spLocks noGrp="1"/>
+          </p:cNvSpPr>
+          <p:nvPr>
+            <p:ph type="dt" sz="half" idx="10"/>
+          </p:nvPr>
+        </p:nvSpPr>
+        <p:spPr/>
+        <p:txBody>
+          <a:bodyPr/>
+          <a:lstStyle/>
+          <a:p>
+            <a:r>
+              <a:rPr lang="en-CA" smtClean="0"/>
+              <a:t>21/12/2015</a:t>
+            </a:r>
+            <a:endParaRPr lang="fr-FR"/>
+          </a:p>
+        </p:txBody>
+      </p:sp>
+      <p:sp>
+        <p:nvSpPr>
+          <p:cNvPr id="5" name="Footer Placeholder 4"/>
+          <p:cNvSpPr>
+            <a:spLocks noGrp="1"/>
+          </p:cNvSpPr>
+          <p:nvPr>
+            <p:ph type="ftr" sz="quarter" idx="11"/>
+          </p:nvPr>
+        </p:nvSpPr>
+        <p:spPr/>
+        <p:txBody>
+          <a:bodyPr/>
+          <a:lstStyle/>
+          <a:p>
+            <a:r>
+              <a:rPr lang="fr-FR" smtClean="0"/>
+              <a:t>IFT6252 Méthodes empiriques en génie logiciel</a:t>
+            </a:r>
+            <a:endParaRPr lang="fr-FR"/>
+          </a:p>
+        </p:txBody>
+      </p:sp>
+      <p:sp>
+        <p:nvSpPr>
+          <p:cNvPr id="6" name="Slide Number Placeholder 5"/>
+          <p:cNvSpPr>
+            <a:spLocks noGrp="1"/>
+          </p:cNvSpPr>
+          <p:nvPr>
+            <p:ph type="sldNum" sz="quarter" idx="12"/>
+          </p:nvPr>
+        </p:nvSpPr>
+        <p:spPr/>
+        <p:txBody>
+          <a:bodyPr/>
+          <a:lstStyle/>
+          <a:p>
+            <a:fld id="{16D7DFFE-4023-BF4F-95A6-0BE536B3CCAC}" type="slidenum">
+              <a:rPr lang="fr-FR" smtClean="0"/>
+              <a:t>21</a:t>
+            </a:fld>
+            <a:endParaRPr lang="fr-FR"/>
+          </a:p>
+        </p:txBody>
+      </p:sp>
+      <p:pic>
+        <p:nvPicPr>
+          <p:cNvPr id="9" name="Content Placeholder 8"/>
+          <p:cNvPicPr>
+            <a:picLocks noGrp="1" noChangeAspect="1"/>
+          </p:cNvPicPr>
+          <p:nvPr>
+            <p:ph idx="1"/>
+          </p:nvPr>
+        </p:nvPicPr>
+        <p:blipFill rotWithShape="1">
+          <a:blip r:embed="rId2">
+            <a:extLst>
+              <a:ext uri="{28A0092B-C50C-407E-A947-70E740481C1C}">
+                <a14:useLocalDpi xmlns:a14="http://schemas.microsoft.com/office/drawing/2010/main" val="0"/>
+              </a:ext>
+            </a:extLst>
+          </a:blip>
+          <a:srcRect t="1784"/>
+          <a:stretch/>
+        </p:blipFill>
+        <p:spPr>
+          <a:xfrm>
+            <a:off x="2614613" y="2075687"/>
+            <a:ext cx="7023100" cy="3629787"/>
+          </a:xfrm>
+          <a:ln>
+            <a:solidFill>
+              <a:schemeClr val="tx1"/>
+            </a:solidFill>
+          </a:ln>
+        </p:spPr>
+      </p:pic>
+    </p:spTree>
+    <p:extLst>
+      <p:ext uri="{BB962C8B-B14F-4D97-AF65-F5344CB8AC3E}">
+        <p14:creationId xmlns:p14="http://schemas.microsoft.com/office/powerpoint/2010/main" val="1159782240"/>
+      </p:ext>
+    </p:extLst>
+  </p:cSld>
+  <p:clrMapOvr>
+    <a:masterClrMapping/>
+  </p:clrMapOvr>
+</p:sld>
+</file>
+
+<file path=ppt/slides/slide22.xml><?xml version="1.0" encoding="utf-8"?>
+<p:sld xmlns:a="http://schemas.openxmlformats.org/drawingml/2006/main" xmlns:r="http://schemas.openxmlformats.org/officeDocument/2006/relationships" xmlns:p="http://schemas.openxmlformats.org/presentationml/2006/main">
+  <p:cSld>
+    <p:spTree>
+      <p:nvGrpSpPr>
+        <p:cNvPr id="1" name=""/>
+        <p:cNvGrpSpPr/>
+        <p:nvPr/>
+      </p:nvGrpSpPr>
+      <p:grpSpPr>
+        <a:xfrm>
+          <a:off x="0" y="0"/>
+          <a:ext cx="0" cy="0"/>
+          <a:chOff x="0" y="0"/>
+          <a:chExt cx="0" cy="0"/>
+        </a:xfrm>
+      </p:grpSpPr>
+      <p:sp>
+        <p:nvSpPr>
+          <p:cNvPr id="2" name="Title 1"/>
+          <p:cNvSpPr>
+            <a:spLocks noGrp="1"/>
+          </p:cNvSpPr>
+          <p:nvPr>
+            <p:ph type="title"/>
+          </p:nvPr>
+        </p:nvSpPr>
+        <p:spPr/>
+        <p:txBody>
+          <a:bodyPr/>
+          <a:lstStyle/>
+          <a:p>
+            <a:r>
+              <a:rPr lang="fr-FR" dirty="0" smtClean="0"/>
+              <a:t>Analyse : Régression </a:t>
+            </a:r>
+            <a:r>
+              <a:rPr lang="fr-FR" dirty="0" smtClean="0"/>
+              <a:t>linéaire (3/3)</a:t>
+            </a:r>
+            <a:endParaRPr lang="fr-FR" dirty="0"/>
+          </a:p>
+        </p:txBody>
+      </p:sp>
+      <p:sp>
+        <p:nvSpPr>
+          <p:cNvPr id="3" name="Content Placeholder 2"/>
+          <p:cNvSpPr>
+            <a:spLocks noGrp="1"/>
+          </p:cNvSpPr>
+          <p:nvPr>
+            <p:ph idx="1"/>
+          </p:nvPr>
+        </p:nvSpPr>
+        <p:spPr/>
+        <p:txBody>
+          <a:bodyPr/>
+          <a:lstStyle/>
+          <a:p>
+            <a:endParaRPr lang="fr-FR" dirty="0" smtClean="0"/>
+          </a:p>
+          <a:p>
+            <a:endParaRPr lang="fr-FR" dirty="0"/>
+          </a:p>
+        </p:txBody>
+      </p:sp>
+      <p:sp>
+        <p:nvSpPr>
+          <p:cNvPr id="5" name="Date Placeholder 4"/>
+          <p:cNvSpPr>
+            <a:spLocks noGrp="1"/>
+          </p:cNvSpPr>
+          <p:nvPr>
+            <p:ph type="dt" sz="half" idx="10"/>
+          </p:nvPr>
+        </p:nvSpPr>
+        <p:spPr/>
+        <p:txBody>
+          <a:bodyPr/>
+          <a:lstStyle/>
+          <a:p>
+            <a:r>
+              <a:rPr lang="en-CA" smtClean="0"/>
+              <a:t>21/12/2015</a:t>
+            </a:r>
+            <a:endParaRPr lang="fr-FR"/>
+          </a:p>
+        </p:txBody>
+      </p:sp>
+      <p:sp>
+        <p:nvSpPr>
+          <p:cNvPr id="6" name="Footer Placeholder 5"/>
+          <p:cNvSpPr>
+            <a:spLocks noGrp="1"/>
+          </p:cNvSpPr>
+          <p:nvPr>
+            <p:ph type="ftr" sz="quarter" idx="11"/>
+          </p:nvPr>
+        </p:nvSpPr>
+        <p:spPr/>
+        <p:txBody>
+          <a:bodyPr/>
+          <a:lstStyle/>
+          <a:p>
+            <a:r>
+              <a:rPr lang="fr-FR" smtClean="0"/>
+              <a:t>IFT6252 Méthodes empiriques en génie logiciel</a:t>
+            </a:r>
+            <a:endParaRPr lang="fr-FR"/>
+          </a:p>
+        </p:txBody>
+      </p:sp>
+      <p:sp>
+        <p:nvSpPr>
+          <p:cNvPr id="7" name="Slide Number Placeholder 6"/>
+          <p:cNvSpPr>
+            <a:spLocks noGrp="1"/>
+          </p:cNvSpPr>
+          <p:nvPr>
+            <p:ph type="sldNum" sz="quarter" idx="12"/>
+          </p:nvPr>
+        </p:nvSpPr>
+        <p:spPr/>
+        <p:txBody>
+          <a:bodyPr/>
+          <a:lstStyle/>
+          <a:p>
+            <a:fld id="{16D7DFFE-4023-BF4F-95A6-0BE536B3CCAC}" type="slidenum">
+              <a:rPr lang="fr-FR" smtClean="0"/>
+              <a:t>22</a:t>
+            </a:fld>
+            <a:endParaRPr lang="fr-FR"/>
+          </a:p>
+        </p:txBody>
+      </p:sp>
+      <p:pic>
+        <p:nvPicPr>
+          <p:cNvPr id="8" name="Picture 7"/>
+          <p:cNvPicPr>
+            <a:picLocks noChangeAspect="1"/>
+          </p:cNvPicPr>
+          <p:nvPr/>
+        </p:nvPicPr>
+        <p:blipFill rotWithShape="1">
+          <a:blip r:embed="rId2">
+            <a:extLst>
+              <a:ext uri="{28A0092B-C50C-407E-A947-70E740481C1C}">
+                <a14:useLocalDpi xmlns:a14="http://schemas.microsoft.com/office/drawing/2010/main" val="0"/>
+              </a:ext>
+            </a:extLst>
+          </a:blip>
+          <a:srcRect t="1076"/>
+          <a:stretch/>
+        </p:blipFill>
+        <p:spPr>
+          <a:xfrm>
+            <a:off x="2592387" y="1993392"/>
+            <a:ext cx="7010400" cy="3769022"/>
+          </a:xfrm>
+          <a:prstGeom prst="rect">
+            <a:avLst/>
+          </a:prstGeom>
+          <a:ln>
+            <a:solidFill>
+              <a:schemeClr val="tx1"/>
+            </a:solidFill>
+          </a:ln>
+        </p:spPr>
+      </p:pic>
+    </p:spTree>
+    <p:extLst>
+      <p:ext uri="{BB962C8B-B14F-4D97-AF65-F5344CB8AC3E}">
+        <p14:creationId xmlns:p14="http://schemas.microsoft.com/office/powerpoint/2010/main" val="905795068"/>
+      </p:ext>
+    </p:extLst>
+  </p:cSld>
+  <p:clrMapOvr>
+    <a:masterClrMapping/>
+  </p:clrMapOvr>
+</p:sld>
+</file>
+
+<file path=ppt/slides/slide23.xml><?xml version="1.0" encoding="utf-8"?>
+<p:sld xmlns:a="http://schemas.openxmlformats.org/drawingml/2006/main" xmlns:r="http://schemas.openxmlformats.org/officeDocument/2006/relationships" xmlns:p="http://schemas.openxmlformats.org/presentationml/2006/main">
+  <p:cSld>
+    <p:spTree>
+      <p:nvGrpSpPr>
+        <p:cNvPr id="1" name=""/>
+        <p:cNvGrpSpPr/>
+        <p:nvPr/>
+      </p:nvGrpSpPr>
+      <p:grpSpPr>
+        <a:xfrm>
+          <a:off x="0" y="0"/>
+          <a:ext cx="0" cy="0"/>
+          <a:chOff x="0" y="0"/>
+          <a:chExt cx="0" cy="0"/>
+        </a:xfrm>
+      </p:grpSpPr>
+      <p:sp>
+        <p:nvSpPr>
+          <p:cNvPr id="2" name="Title 1"/>
+          <p:cNvSpPr>
+            <a:spLocks noGrp="1"/>
+          </p:cNvSpPr>
+          <p:nvPr>
+            <p:ph type="title"/>
+          </p:nvPr>
+        </p:nvSpPr>
+        <p:spPr/>
+        <p:txBody>
+          <a:bodyPr/>
+          <a:lstStyle/>
+          <a:p>
+            <a:r>
+              <a:rPr lang="fr-FR" dirty="0" smtClean="0"/>
+              <a:t>Limites</a:t>
+            </a:r>
+            <a:endParaRPr lang="fr-FR" dirty="0"/>
+          </a:p>
+        </p:txBody>
+      </p:sp>
+      <p:sp>
+        <p:nvSpPr>
+          <p:cNvPr id="3" name="Content Placeholder 2"/>
+          <p:cNvSpPr>
+            <a:spLocks noGrp="1"/>
+          </p:cNvSpPr>
+          <p:nvPr>
+            <p:ph idx="1"/>
+          </p:nvPr>
+        </p:nvSpPr>
+        <p:spPr/>
+        <p:txBody>
+          <a:bodyPr/>
+          <a:lstStyle/>
+          <a:p>
+            <a:r>
+              <a:rPr lang="fr-FR" dirty="0" smtClean="0"/>
+              <a:t>Fiabilité du système de comptage des défauts.</a:t>
+            </a:r>
+          </a:p>
+          <a:p>
+            <a:r>
+              <a:rPr lang="fr-FR" dirty="0" smtClean="0"/>
+              <a:t>Taille </a:t>
+            </a:r>
+            <a:r>
+              <a:rPr lang="fr-FR" dirty="0" smtClean="0"/>
+              <a:t>de la classe calculer en fonction du nombre de méthode.</a:t>
+            </a:r>
+          </a:p>
+          <a:p>
+            <a:r>
+              <a:rPr lang="fr-FR" dirty="0" smtClean="0"/>
+              <a:t>Les renommage de classes ne sont pas pris en compte</a:t>
+            </a:r>
+            <a:r>
+              <a:rPr lang="nl-BE" dirty="0" smtClean="0"/>
+              <a:t>.</a:t>
+            </a:r>
+            <a:endParaRPr lang="fr-FR" dirty="0" smtClean="0"/>
+          </a:p>
+          <a:p>
+            <a:r>
+              <a:rPr lang="fr-FR" dirty="0" smtClean="0"/>
+              <a:t>L’héritage n’est pas considéré.</a:t>
+            </a:r>
+          </a:p>
+          <a:p>
+            <a:r>
+              <a:rPr lang="fr-FR" dirty="0" smtClean="0"/>
+              <a:t>Il semblerait avoir des différence de forces statistiques entre les résultats des outils montrés ci-dessus (</a:t>
+            </a:r>
+            <a:r>
+              <a:rPr lang="fr-FR" dirty="0" err="1" smtClean="0"/>
+              <a:t>numpy+scipy+statmodels</a:t>
+            </a:r>
+            <a:r>
+              <a:rPr lang="fr-FR" dirty="0" smtClean="0"/>
+              <a:t>) et les résultats que donne </a:t>
+            </a:r>
+            <a:r>
+              <a:rPr lang="fr-FR" i="1" dirty="0" smtClean="0"/>
+              <a:t>IBM SSPS </a:t>
+            </a:r>
+            <a:r>
+              <a:rPr lang="fr-FR" i="1" dirty="0" err="1" smtClean="0"/>
+              <a:t>Statistics</a:t>
+            </a:r>
+            <a:r>
+              <a:rPr lang="fr-FR" i="1" dirty="0" smtClean="0"/>
+              <a:t>.</a:t>
+            </a:r>
+          </a:p>
+          <a:p>
+            <a:pPr lvl="1"/>
+            <a:r>
+              <a:rPr lang="fr-FR" i="1" dirty="0" smtClean="0"/>
+              <a:t>Exemple : </a:t>
+            </a:r>
+            <a:r>
+              <a:rPr lang="fr-FR" dirty="0" smtClean="0"/>
+              <a:t>Coefficient de rho de </a:t>
+            </a:r>
+            <a:r>
+              <a:rPr lang="fr-FR" dirty="0" err="1" smtClean="0"/>
+              <a:t>spearman</a:t>
+            </a:r>
+            <a:r>
+              <a:rPr lang="fr-FR" dirty="0" smtClean="0"/>
+              <a:t> pour </a:t>
+            </a:r>
+            <a:r>
+              <a:rPr lang="fr-FR" dirty="0" smtClean="0"/>
+              <a:t>Class size &lt;&gt; Issues</a:t>
+            </a:r>
+            <a:endParaRPr lang="fr-FR" i="1" dirty="0" smtClean="0"/>
+          </a:p>
+          <a:p>
+            <a:pPr lvl="1"/>
+            <a:r>
+              <a:rPr lang="fr-FR" i="1" dirty="0" err="1" smtClean="0"/>
+              <a:t>Scipy</a:t>
+            </a:r>
+            <a:r>
+              <a:rPr lang="fr-FR" i="1" dirty="0" smtClean="0"/>
+              <a:t> : </a:t>
+            </a:r>
+            <a:r>
+              <a:rPr lang="fr-FR" dirty="0" smtClean="0"/>
+              <a:t>= </a:t>
+            </a:r>
+            <a:r>
+              <a:rPr lang="fr-FR" dirty="0"/>
+              <a:t>0.552109544494</a:t>
+            </a:r>
+          </a:p>
+          <a:p>
+            <a:pPr lvl="1"/>
+            <a:r>
+              <a:rPr lang="fr-FR" i="1" dirty="0" smtClean="0"/>
+              <a:t>IBM SSPS </a:t>
+            </a:r>
+            <a:r>
+              <a:rPr lang="fr-FR" i="1" dirty="0" err="1" smtClean="0"/>
+              <a:t>Statistics</a:t>
+            </a:r>
+            <a:r>
+              <a:rPr lang="fr-FR" i="1" dirty="0" smtClean="0"/>
+              <a:t>: </a:t>
+            </a:r>
+            <a:r>
+              <a:rPr lang="fr-FR" dirty="0" smtClean="0"/>
+              <a:t>=</a:t>
+            </a:r>
+            <a:r>
+              <a:rPr lang="fr-FR" i="1" dirty="0" smtClean="0"/>
+              <a:t> </a:t>
+            </a:r>
+            <a:r>
+              <a:rPr lang="fr-FR" dirty="0" smtClean="0"/>
+              <a:t>0.544</a:t>
+            </a:r>
+          </a:p>
+          <a:p>
+            <a:pPr marL="201168" lvl="1" indent="0">
+              <a:buNone/>
+            </a:pPr>
+            <a:r>
+              <a:rPr lang="is-IS" dirty="0" smtClean="0"/>
+              <a:t>…</a:t>
+            </a:r>
+            <a:endParaRPr lang="fr-FR" dirty="0"/>
+          </a:p>
+        </p:txBody>
+      </p:sp>
+      <p:sp>
+        <p:nvSpPr>
+          <p:cNvPr id="4" name="Date Placeholder 3"/>
+          <p:cNvSpPr>
+            <a:spLocks noGrp="1"/>
+          </p:cNvSpPr>
+          <p:nvPr>
+            <p:ph type="dt" sz="half" idx="10"/>
+          </p:nvPr>
+        </p:nvSpPr>
+        <p:spPr/>
+        <p:txBody>
+          <a:bodyPr/>
+          <a:lstStyle/>
+          <a:p>
+            <a:r>
+              <a:rPr lang="en-CA" smtClean="0"/>
+              <a:t>21/12/2015</a:t>
+            </a:r>
+            <a:endParaRPr lang="fr-FR"/>
+          </a:p>
+        </p:txBody>
+      </p:sp>
+      <p:sp>
+        <p:nvSpPr>
+          <p:cNvPr id="5" name="Footer Placeholder 4"/>
+          <p:cNvSpPr>
+            <a:spLocks noGrp="1"/>
+          </p:cNvSpPr>
+          <p:nvPr>
+            <p:ph type="ftr" sz="quarter" idx="11"/>
+          </p:nvPr>
+        </p:nvSpPr>
+        <p:spPr/>
+        <p:txBody>
+          <a:bodyPr/>
+          <a:lstStyle/>
+          <a:p>
+            <a:r>
+              <a:rPr lang="fr-FR" smtClean="0"/>
+              <a:t>IFT6252 Méthodes empiriques en génie logiciel</a:t>
+            </a:r>
+            <a:endParaRPr lang="fr-FR"/>
+          </a:p>
+        </p:txBody>
+      </p:sp>
+      <p:sp>
+        <p:nvSpPr>
+          <p:cNvPr id="6" name="Slide Number Placeholder 5"/>
+          <p:cNvSpPr>
+            <a:spLocks noGrp="1"/>
+          </p:cNvSpPr>
+          <p:nvPr>
+            <p:ph type="sldNum" sz="quarter" idx="12"/>
+          </p:nvPr>
+        </p:nvSpPr>
+        <p:spPr/>
+        <p:txBody>
+          <a:bodyPr/>
+          <a:lstStyle/>
+          <a:p>
+            <a:fld id="{16D7DFFE-4023-BF4F-95A6-0BE536B3CCAC}" type="slidenum">
+              <a:rPr lang="fr-FR" smtClean="0"/>
+              <a:t>23</a:t>
+            </a:fld>
+            <a:endParaRPr lang="fr-FR"/>
+          </a:p>
+        </p:txBody>
+      </p:sp>
+    </p:spTree>
+    <p:extLst>
+      <p:ext uri="{BB962C8B-B14F-4D97-AF65-F5344CB8AC3E}">
+        <p14:creationId xmlns:p14="http://schemas.microsoft.com/office/powerpoint/2010/main" val="62940494"/>
+      </p:ext>
+    </p:extLst>
+  </p:cSld>
+  <p:clrMapOvr>
+    <a:masterClrMapping/>
+  </p:clrMapOvr>
+</p:sld>
+</file>
+
+<file path=ppt/slides/slide24.xml><?xml version="1.0" encoding="utf-8"?>
+<p:sld xmlns:a="http://schemas.openxmlformats.org/drawingml/2006/main" xmlns:r="http://schemas.openxmlformats.org/officeDocument/2006/relationships" xmlns:p="http://schemas.openxmlformats.org/presentationml/2006/main">
+  <p:cSld>
+    <p:spTree>
+      <p:nvGrpSpPr>
+        <p:cNvPr id="1" name=""/>
+        <p:cNvGrpSpPr/>
+        <p:nvPr/>
+      </p:nvGrpSpPr>
+      <p:grpSpPr>
+        <a:xfrm>
+          <a:off x="0" y="0"/>
+          <a:ext cx="0" cy="0"/>
+          <a:chOff x="0" y="0"/>
+          <a:chExt cx="0" cy="0"/>
+        </a:xfrm>
+      </p:grpSpPr>
+      <p:sp>
+        <p:nvSpPr>
+          <p:cNvPr id="2" name="Title 1"/>
+          <p:cNvSpPr>
+            <a:spLocks noGrp="1"/>
+          </p:cNvSpPr>
+          <p:nvPr>
+            <p:ph type="title"/>
+          </p:nvPr>
+        </p:nvSpPr>
+        <p:spPr/>
+        <p:txBody>
+          <a:bodyPr/>
+          <a:lstStyle/>
+          <a:p>
+            <a:r>
               <a:rPr lang="fr-FR" dirty="0" smtClean="0"/>
               <a:t>Questions</a:t>
             </a:r>
@@ -7467,7 +8120,7 @@
           <a:p>
             <a:fld id="{16D7DFFE-4023-BF4F-95A6-0BE536B3CCAC}" type="slidenum">
               <a:rPr lang="fr-FR" smtClean="0"/>
-              <a:t>21</a:t>
+              <a:t>24</a:t>
             </a:fld>
             <a:endParaRPr lang="fr-FR"/>
           </a:p>
@@ -7556,7 +8209,7 @@
             </a:r>
             <a:r>
               <a:rPr lang="fr-FR" b="1" dirty="0" smtClean="0"/>
-              <a:t>ndroid et les issues dans le code ?</a:t>
+              <a:t>ndroid et les défauts dans le code ?</a:t>
             </a:r>
           </a:p>
           <a:p>
@@ -7579,14 +8232,33 @@
             <a:pPr lvl="1"/>
             <a:r>
               <a:rPr lang="fr-FR" dirty="0" smtClean="0"/>
-              <a:t>Est ce qu’il y a une différence entre les classes avec et sans appels ?</a:t>
+              <a:t>Est ce qu’il y a une différence entre les classes avec et sans appels en terme de défauts ?</a:t>
             </a:r>
           </a:p>
           <a:p>
             <a:pPr lvl="1"/>
             <a:r>
-              <a:rPr lang="fr-FR" dirty="0" smtClean="0"/>
-              <a:t>Est-il possible de créer un modèle prédictif ?</a:t>
+              <a:rPr lang="fr-FR" dirty="0"/>
+              <a:t>Est ce qu’il y a une différence entre les classes avec et sans </a:t>
+            </a:r>
+            <a:r>
+              <a:rPr lang="fr-FR" dirty="0" smtClean="0"/>
+              <a:t>défauts en </a:t>
+            </a:r>
+            <a:r>
+              <a:rPr lang="fr-FR" dirty="0"/>
+              <a:t>terme de </a:t>
+            </a:r>
+            <a:r>
+              <a:rPr lang="fr-FR" dirty="0" smtClean="0"/>
+              <a:t>d’appels?</a:t>
+            </a:r>
+          </a:p>
+          <a:p>
+            <a:pPr lvl="1"/>
+            <a:r>
+              <a:rPr lang="fr-FR" dirty="0" smtClean="0"/>
+              <a:t>Est-il possible d’estimer la valeur de score pour un certain nombre d’appel?</a:t>
             </a:r>
           </a:p>
           <a:p>
@@ -7765,8 +8437,9 @@
             <a:pPr lvl="1"/>
             <a:r>
               <a:rPr lang="fr-FR" dirty="0" smtClean="0"/>
-              <a:t>Issues</a:t>
-            </a:r>
+              <a:t>Défauts</a:t>
+            </a:r>
+            <a:endParaRPr lang="fr-FR" dirty="0" smtClean="0"/>
           </a:p>
           <a:p>
             <a:pPr marL="201168" lvl="1" indent="0">
@@ -7780,7 +8453,7 @@
             </a:pPr>
             <a:r>
               <a:rPr lang="fr-FR" dirty="0" smtClean="0"/>
-              <a:t>Modèle</a:t>
+              <a:t>Schéma du modèle</a:t>
             </a:r>
             <a:endParaRPr lang="fr-FR" dirty="0"/>
           </a:p>
@@ -7996,7 +8669,11 @@
           <a:p>
             <a:r>
               <a:rPr lang="nl-BE" dirty="0" smtClean="0"/>
-              <a:t>Issues dans le code</a:t>
+              <a:t>Défauts dans </a:t>
+            </a:r>
+            <a:r>
+              <a:rPr lang="nl-BE" dirty="0" smtClean="0"/>
+              <a:t>le code</a:t>
             </a:r>
           </a:p>
           <a:p>
@@ -8404,7 +9081,15 @@
             <a:pPr lvl="1"/>
             <a:r>
               <a:rPr lang="fr-FR" dirty="0" smtClean="0"/>
-              <a:t>Ecriture d’un crawler python (lib http + </a:t>
+              <a:t>Ecriture d’un </a:t>
+            </a:r>
+            <a:r>
+              <a:rPr lang="fr-FR" dirty="0" smtClean="0"/>
+              <a:t>script python </a:t>
+            </a:r>
+            <a:r>
+              <a:rPr lang="fr-FR" dirty="0" smtClean="0"/>
+              <a:t>(lib http + </a:t>
             </a:r>
             <a:r>
               <a:rPr lang="nl-BE" dirty="0" smtClean="0"/>
@@ -8479,8 +9164,13 @@
             </a:r>
             <a:r>
               <a:rPr lang="fr-FR" dirty="0" smtClean="0"/>
-              <a:t>Cela nous laisse avec 1647 applications disponibles</a:t>
-            </a:r>
+              <a:t>Cela nous laisse avec </a:t>
+            </a:r>
+            <a:r>
+              <a:rPr lang="fr-FR" dirty="0" smtClean="0"/>
+              <a:t>une liste de 1647 applications</a:t>
+            </a:r>
+            <a:endParaRPr lang="fr-FR" dirty="0" smtClean="0"/>
           </a:p>
         </p:txBody>
       </p:sp>
@@ -8506,12 +9196,17 @@
         </p:blipFill>
         <p:spPr>
           <a:xfrm>
-            <a:off x="1097280" y="3387514"/>
+            <a:off x="1383030" y="3401801"/>
             <a:ext cx="8077200" cy="1371600"/>
           </a:xfrm>
           <a:prstGeom prst="rect">
             <a:avLst/>
           </a:prstGeom>
+          <a:ln>
+            <a:solidFill>
+              <a:schemeClr val="tx1"/>
+            </a:solidFill>
+          </a:ln>
         </p:spPr>
       </p:pic>
       <p:sp>
@@ -8659,13 +9354,29 @@
           <a:p>
             <a:r>
               <a:rPr lang="fr-FR" dirty="0" smtClean="0"/>
-              <a:t>Parmi l’ensemble des applications, en choisir un nombre raisonnable.</a:t>
-            </a:r>
-          </a:p>
-          <a:p>
-            <a:r>
-              <a:rPr lang="fr-FR" dirty="0" smtClean="0"/>
-              <a:t>On donne la priorité aux applications avec des « issues » bien répertorié et beaucoup de </a:t>
+              <a:t>Parmi l’ensemble des applications, </a:t>
+            </a:r>
+            <a:r>
+              <a:rPr lang="fr-FR" dirty="0" smtClean="0"/>
+              <a:t>il faudrait en </a:t>
+            </a:r>
+            <a:r>
+              <a:rPr lang="fr-FR" dirty="0" smtClean="0"/>
+              <a:t>choisir un nombre raisonnable.</a:t>
+            </a:r>
+          </a:p>
+          <a:p>
+            <a:r>
+              <a:rPr lang="fr-FR" dirty="0" smtClean="0"/>
+              <a:t>On donne la priorité aux applications avec des « </a:t>
+            </a:r>
+            <a:r>
+              <a:rPr lang="fr-FR" dirty="0" smtClean="0"/>
+              <a:t>défauts</a:t>
+            </a:r>
+            <a:r>
+              <a:rPr lang="fr-FR" dirty="0" smtClean="0"/>
+              <a:t> » bien répertorié et beaucoup de </a:t>
             </a:r>
             <a:r>
               <a:rPr lang="fr-FR" dirty="0" err="1" smtClean="0"/>
@@ -8678,11 +9389,16 @@
             <a:r>
               <a:rPr lang="fr-FR" dirty="0" smtClean="0">
                 <a:solidFill>
-                  <a:srgbClr val="FF0000"/>
+                  <a:schemeClr val="tx1"/>
                 </a:solidFill>
               </a:rPr>
-              <a:t>TODO</a:t>
-            </a:r>
+              <a:t>On écrit un autre script python qui va ajouter au fichier précédant le nombre de défauts par appli</a:t>
+            </a:r>
+            <a:endParaRPr lang="fr-FR" dirty="0" smtClean="0">
+              <a:solidFill>
+                <a:schemeClr val="tx1"/>
+              </a:solidFill>
+            </a:endParaRPr>
           </a:p>
           <a:p>
             <a:r>
@@ -8714,7 +9430,29 @@
             </a:pPr>
             <a:r>
               <a:rPr lang="fr-FR" dirty="0" smtClean="0"/>
-              <a:t>On se limite à 14 applications et 26000 issues (6 heures de traitement)</a:t>
+              <a:t>On se limite à 14 applications et 26000 issues (6 heures de traitement</a:t>
+            </a:r>
+            <a:r>
+              <a:rPr lang="fr-FR" dirty="0" smtClean="0"/>
+              <a:t>)</a:t>
+            </a:r>
+          </a:p>
+          <a:p>
+            <a:pPr lvl="1">
+              <a:buFont typeface="Arial" charset="0"/>
+              <a:buChar char="•"/>
+            </a:pPr>
+            <a:r>
+              <a:rPr lang="fr-FR" dirty="0" smtClean="0"/>
+              <a:t>On écrit encore un autre script python qui va cloner les repos et récupérer les </a:t>
+            </a:r>
+            <a:r>
+              <a:rPr lang="fr-FR" dirty="0" err="1" smtClean="0"/>
+              <a:t>apk</a:t>
+            </a:r>
+            <a:r>
+              <a:rPr lang="fr-FR" dirty="0" smtClean="0"/>
+              <a:t>.</a:t>
             </a:r>
             <a:endParaRPr lang="fr-FR" dirty="0"/>
           </a:p>

--- a/rapport/presentation/final.pptx
+++ b/rapport/presentation/final.pptx
@@ -563,6 +563,102 @@
     <p:extLst>
       <p:ext uri="{BB962C8B-B14F-4D97-AF65-F5344CB8AC3E}">
         <p14:creationId xmlns:p14="http://schemas.microsoft.com/office/powerpoint/2010/main" val="984381059"/>
+      </p:ext>
+    </p:extLst>
+  </p:cSld>
+  <p:clrMapOvr>
+    <a:masterClrMapping/>
+  </p:clrMapOvr>
+</p:notes>
+</file>
+
+<file path=ppt/notesSlides/notesSlide2.xml><?xml version="1.0" encoding="utf-8"?>
+<p:notes xmlns:a="http://schemas.openxmlformats.org/drawingml/2006/main" xmlns:r="http://schemas.openxmlformats.org/officeDocument/2006/relationships" xmlns:p="http://schemas.openxmlformats.org/presentationml/2006/main">
+  <p:cSld>
+    <p:spTree>
+      <p:nvGrpSpPr>
+        <p:cNvPr id="1" name=""/>
+        <p:cNvGrpSpPr/>
+        <p:nvPr/>
+      </p:nvGrpSpPr>
+      <p:grpSpPr>
+        <a:xfrm>
+          <a:off x="0" y="0"/>
+          <a:ext cx="0" cy="0"/>
+          <a:chOff x="0" y="0"/>
+          <a:chExt cx="0" cy="0"/>
+        </a:xfrm>
+      </p:grpSpPr>
+      <p:sp>
+        <p:nvSpPr>
+          <p:cNvPr id="2" name="Slide Image Placeholder 1"/>
+          <p:cNvSpPr>
+            <a:spLocks noGrp="1" noRot="1" noChangeAspect="1"/>
+          </p:cNvSpPr>
+          <p:nvPr>
+            <p:ph type="sldImg"/>
+          </p:nvPr>
+        </p:nvSpPr>
+        <p:spPr/>
+      </p:sp>
+      <p:sp>
+        <p:nvSpPr>
+          <p:cNvPr id="3" name="Notes Placeholder 2"/>
+          <p:cNvSpPr>
+            <a:spLocks noGrp="1"/>
+          </p:cNvSpPr>
+          <p:nvPr>
+            <p:ph type="body" idx="1"/>
+          </p:nvPr>
+        </p:nvSpPr>
+        <p:spPr/>
+        <p:txBody>
+          <a:bodyPr/>
+          <a:lstStyle/>
+          <a:p>
+            <a:r>
+              <a:rPr lang="fr-FR" dirty="0" smtClean="0"/>
+              <a:t>Expliquer</a:t>
+            </a:r>
+            <a:r>
+              <a:rPr lang="fr-FR" baseline="0" dirty="0" smtClean="0"/>
+              <a:t> comment fonctionne l’api </a:t>
+            </a:r>
+            <a:r>
+              <a:rPr lang="fr-FR" baseline="0" dirty="0" err="1" smtClean="0"/>
+              <a:t>GitHub</a:t>
+            </a:r>
+            <a:endParaRPr lang="fr-FR" dirty="0"/>
+          </a:p>
+        </p:txBody>
+      </p:sp>
+      <p:sp>
+        <p:nvSpPr>
+          <p:cNvPr id="4" name="Slide Number Placeholder 3"/>
+          <p:cNvSpPr>
+            <a:spLocks noGrp="1"/>
+          </p:cNvSpPr>
+          <p:nvPr>
+            <p:ph type="sldNum" sz="quarter" idx="10"/>
+          </p:nvPr>
+        </p:nvSpPr>
+        <p:spPr/>
+        <p:txBody>
+          <a:bodyPr/>
+          <a:lstStyle/>
+          <a:p>
+            <a:fld id="{2306186E-C1A5-7A4B-934A-D62C9BDDDC00}" type="slidenum">
+              <a:rPr lang="fr-FR" smtClean="0"/>
+              <a:t>12</a:t>
+            </a:fld>
+            <a:endParaRPr lang="fr-FR"/>
+          </a:p>
+        </p:txBody>
+      </p:sp>
+    </p:spTree>
+    <p:extLst>
+      <p:ext uri="{BB962C8B-B14F-4D97-AF65-F5344CB8AC3E}">
+        <p14:creationId xmlns:p14="http://schemas.microsoft.com/office/powerpoint/2010/main" val="257724227"/>
       </p:ext>
     </p:extLst>
   </p:cSld>
@@ -4345,7 +4441,15 @@
             </a:r>
             <a:r>
               <a:rPr lang="fr-FR" sz="6000" dirty="0" smtClean="0"/>
-              <a:t>ndroid et les issues dans le code</a:t>
+              <a:t>ndroid et les </a:t>
+            </a:r>
+            <a:r>
+              <a:rPr lang="fr-FR" sz="6000" dirty="0" smtClean="0"/>
+              <a:t>défauts dans </a:t>
+            </a:r>
+            <a:r>
+              <a:rPr lang="fr-FR" sz="6000" dirty="0" smtClean="0"/>
+              <a:t>le code</a:t>
             </a:r>
             <a:endParaRPr lang="fr-FR" sz="6000" dirty="0"/>
           </a:p>
@@ -4453,6 +4557,13 @@
   <p:clrMapOvr>
     <a:masterClrMapping/>
   </p:clrMapOvr>
+  <p:timing>
+    <p:tnLst>
+      <p:par>
+        <p:cTn id="1" dur="indefinite" restart="never" nodeType="tmRoot"/>
+      </p:par>
+    </p:tnLst>
+  </p:timing>
 </p:sld>
 </file>
 
@@ -4513,7 +4624,7 @@
         <p:spPr/>
         <p:txBody>
           <a:bodyPr>
-            <a:normAutofit/>
+            <a:normAutofit lnSpcReduction="10000"/>
           </a:bodyPr>
           <a:lstStyle/>
           <a:p>
@@ -4564,7 +4675,7 @@
             </a:r>
             <a:r>
               <a:rPr lang="fr-FR" dirty="0" smtClean="0"/>
-              <a:t>la classe appelante et si c’est un appel vers </a:t>
+              <a:t>la classe appelante et si c’est un appel vers une classe de </a:t>
             </a:r>
             <a:r>
               <a:rPr lang="fr-FR" dirty="0"/>
@@ -4583,7 +4694,7 @@
             </a:pPr>
             <a:r>
               <a:rPr lang="fr-FR" dirty="0" smtClean="0"/>
-              <a:t>Additionner le nombre d’appels différents différents par classe.</a:t>
+              <a:t>Additionner le nombre d’appels différents par classe.</a:t>
             </a:r>
             <a:endParaRPr lang="fr-FR" dirty="0" smtClean="0"/>
           </a:p>
@@ -4843,7 +4954,15 @@
             </a:r>
             <a:r>
               <a:rPr lang="fr-FR" dirty="0"/>
-              <a:t>écrit un script qui va </a:t>
+              <a:t>écrit un script </a:t>
+            </a:r>
+            <a:r>
+              <a:rPr lang="fr-FR" dirty="0" smtClean="0"/>
+              <a:t>python qui </a:t>
+            </a:r>
+            <a:r>
+              <a:rPr lang="fr-FR" dirty="0"/>
+              <a:t>va </a:t>
             </a:r>
             <a:r>
               <a:rPr lang="fr-FR" dirty="0" smtClean="0"/>
@@ -4857,8 +4976,16 @@
               <a:buAutoNum type="arabicPeriod"/>
             </a:pPr>
             <a:r>
-              <a:rPr lang="fr-FR" dirty="0"/>
-              <a:t>Appeler </a:t>
+              <a:rPr lang="fr-FR" dirty="0" smtClean="0"/>
+              <a:t>Créer </a:t>
+            </a:r>
+            <a:r>
+              <a:rPr lang="fr-FR" dirty="0" err="1" smtClean="0"/>
+              <a:t>sub-process</a:t>
+            </a:r>
+            <a:r>
+              <a:rPr lang="fr-FR" dirty="0" smtClean="0"/>
+              <a:t> </a:t>
             </a:r>
             <a:r>
               <a:rPr lang="fr-FR" i="1" dirty="0"/>
@@ -5065,11 +5192,7 @@
             </a:pPr>
             <a:r>
               <a:rPr lang="fr-FR" dirty="0" smtClean="0"/>
-              <a:t>Ecrire un </a:t>
-            </a:r>
-            <a:r>
-              <a:rPr lang="fr-FR" smtClean="0"/>
-              <a:t>script python qui va :</a:t>
+              <a:t>Ecrire un script python qui va :</a:t>
             </a:r>
             <a:endParaRPr lang="fr-FR" dirty="0"/>
           </a:p>
@@ -5133,7 +5256,7 @@
             </a:r>
             <a:r>
               <a:rPr lang="fr-FR" dirty="0" smtClean="0"/>
-              <a:t>, récupérer le commit associé ou la </a:t>
+              <a:t>, récupérer, si il existe, le commit associé ou la </a:t>
             </a:r>
             <a:r>
               <a:rPr lang="fr-FR" i="1" dirty="0" smtClean="0"/>
@@ -5290,7 +5413,7 @@
           <p:nvPr/>
         </p:nvPicPr>
         <p:blipFill>
-          <a:blip r:embed="rId2">
+          <a:blip r:embed="rId3">
             <a:extLst>
               <a:ext uri="{28A0092B-C50C-407E-A947-70E740481C1C}">
                 <a14:useLocalDpi xmlns:a14="http://schemas.microsoft.com/office/drawing/2010/main" val="0"/>
@@ -5325,7 +5448,7 @@
           <p:nvPr/>
         </p:nvPicPr>
         <p:blipFill>
-          <a:blip r:embed="rId3">
+          <a:blip r:embed="rId4">
             <a:extLst>
               <a:ext uri="{28A0092B-C50C-407E-A947-70E740481C1C}">
                 <a14:useLocalDpi xmlns:a14="http://schemas.microsoft.com/office/drawing/2010/main" val="0"/>
@@ -5360,7 +5483,7 @@
           <p:nvPr/>
         </p:nvPicPr>
         <p:blipFill>
-          <a:blip r:embed="rId4">
+          <a:blip r:embed="rId5">
             <a:extLst>
               <a:ext uri="{28A0092B-C50C-407E-A947-70E740481C1C}">
                 <a14:useLocalDpi xmlns:a14="http://schemas.microsoft.com/office/drawing/2010/main" val="0"/>
@@ -5474,17 +5597,45 @@
               <a:p>
                 <a:pPr marL="457200" indent="-457200">
                   <a:buFont typeface="+mj-lt"/>
-                  <a:buAutoNum type="arabicPeriod"/>
+                  <a:buAutoNum type="arabicPeriod" startAt="4"/>
                 </a:pPr>
                 <a:r>
                   <a:rPr lang="fr-FR" dirty="0" smtClean="0"/>
-                  <a:t>Pour chaque commit, identifier les classes concernés</a:t>
+                  <a:t>Dans le code source, p</a:t>
+                </a:r>
+                <a:r>
+                  <a:rPr lang="fr-FR" dirty="0" smtClean="0"/>
+                  <a:t>our chaque commit, </a:t>
+                </a:r>
+                <a:r>
+                  <a:rPr lang="fr-FR" dirty="0" err="1" smtClean="0"/>
+                  <a:t>fair</a:t>
+                </a:r>
+                <a:r>
+                  <a:rPr lang="fr-FR" dirty="0" smtClean="0"/>
+                  <a:t> un </a:t>
+                </a:r>
+                <a:r>
+                  <a:rPr lang="fr-FR" dirty="0" err="1" smtClean="0"/>
+                  <a:t>sub-process</a:t>
+                </a:r>
+                <a:r>
+                  <a:rPr lang="fr-FR" dirty="0" smtClean="0"/>
+                  <a:t> </a:t>
+                </a:r>
+                <a:r>
+                  <a:rPr lang="fr-FR" i="1" dirty="0" smtClean="0"/>
+                  <a:t>git show et </a:t>
+                </a:r>
+                <a:r>
+                  <a:rPr lang="fr-FR" dirty="0" smtClean="0"/>
+                  <a:t>identifier les classes concernés</a:t>
                 </a:r>
               </a:p>
               <a:p>
                 <a:pPr marL="457200" indent="-457200">
                   <a:buFont typeface="+mj-lt"/>
-                  <a:buAutoNum type="arabicPeriod"/>
+                  <a:buAutoNum type="arabicPeriod" startAt="4"/>
                 </a:pPr>
                 <a:r>
                   <a:rPr lang="fr-FR" dirty="0" smtClean="0"/>
@@ -5715,8 +5866,8 @@
         </p:blipFill>
         <p:spPr>
           <a:xfrm>
-            <a:off x="3043237" y="3060908"/>
-            <a:ext cx="6108700" cy="2916560"/>
+            <a:off x="3314699" y="3190516"/>
+            <a:ext cx="5837237" cy="2786952"/>
           </a:xfrm>
           <a:prstGeom prst="rect">
             <a:avLst/>
@@ -5805,7 +5956,7 @@
           </a:xfrm>
           <a:ln>
             <a:solidFill>
-              <a:schemeClr val="accent1"/>
+              <a:schemeClr val="tx1"/>
             </a:solidFill>
           </a:ln>
         </p:spPr>
@@ -6190,12 +6341,16 @@
           <a:p>
             <a:pPr lvl="1"/>
             <a:r>
-              <a:rPr lang="fr-FR" dirty="0" smtClean="0"/>
-              <a:t>Issue :</a:t>
+              <a:rPr lang="fr-FR" dirty="0" err="1" smtClean="0"/>
+              <a:t>Défauts:p-value</a:t>
+            </a:r>
+            <a:r>
+              <a:rPr lang="fr-FR" dirty="0" smtClean="0"/>
+              <a:t> </a:t>
             </a:r>
             <a:r>
               <a:rPr lang="fr-FR" dirty="0"/>
-              <a:t>p-value = 0</a:t>
+              <a:t>= 0</a:t>
             </a:r>
           </a:p>
           <a:p>
@@ -6226,7 +6381,7 @@
             </a:pPr>
             <a:r>
               <a:rPr lang="fr-FR" dirty="0" smtClean="0"/>
-              <a:t>Les </a:t>
+              <a:t> Les </a:t>
             </a:r>
             <a:r>
               <a:rPr lang="fr-FR" dirty="0" smtClean="0"/>
@@ -6449,7 +6604,21 @@
             </a:pPr>
             <a:r>
               <a:rPr lang="fr-FR" dirty="0" smtClean="0"/>
-              <a:t>On rejette l’hypothèse nulle: Il y a une corrélation.</a:t>
+              <a:t>On rejette l’hypothèse nulle: Il y a une corrélation</a:t>
+            </a:r>
+            <a:r>
+              <a:rPr lang="fr-FR" dirty="0" smtClean="0"/>
+              <a:t>. </a:t>
+            </a:r>
+          </a:p>
+          <a:p>
+            <a:pPr>
+              <a:buFont typeface="Wingdings" charset="2"/>
+              <a:buChar char="Ø"/>
+            </a:pPr>
+            <a:r>
+              <a:rPr lang="fr-FR" dirty="0" smtClean="0"/>
+              <a:t>Force moyenne quand l’un augmente, l’autre à tendance à augmenter.</a:t>
             </a:r>
             <a:endParaRPr lang="fr-FR" dirty="0"/>
           </a:p>
@@ -6641,13 +6810,13 @@
             </a:r>
             <a:r>
               <a:rPr lang="nl-BE" dirty="0" smtClean="0"/>
-              <a:t>ême population avec la même moyenne</a:t>
-            </a:r>
-          </a:p>
-          <a:p>
-            <a:r>
-              <a:rPr lang="fr-FR" dirty="0" smtClean="0"/>
-              <a:t>Comparaison des issues pour les classes avec appels et sans appels</a:t>
+              <a:t>ême population avec la même moyenne.</a:t>
+            </a:r>
+          </a:p>
+          <a:p>
+            <a:r>
+              <a:rPr lang="fr-FR" dirty="0" smtClean="0"/>
+              <a:t>Comparaison des défauts pour les classes avec appels et sans appels.</a:t>
             </a:r>
           </a:p>
           <a:p>
@@ -6671,11 +6840,19 @@
             </a:r>
             <a:r>
               <a:rPr lang="fr-FR" dirty="0"/>
-              <a:t>les classes avec </a:t>
-            </a:r>
-            <a:r>
-              <a:rPr lang="fr-FR" dirty="0" smtClean="0"/>
-              <a:t>issues et </a:t>
+              <a:t>les </a:t>
+            </a:r>
+            <a:r>
+              <a:rPr lang="fr-FR" dirty="0" smtClean="0"/>
+              <a:t>classes </a:t>
+            </a:r>
+            <a:r>
+              <a:rPr lang="fr-FR" dirty="0"/>
+              <a:t>avec défauts </a:t>
+            </a:r>
+            <a:r>
+              <a:rPr lang="fr-FR" dirty="0" smtClean="0"/>
+              <a:t>et </a:t>
             </a:r>
             <a:r>
               <a:rPr lang="fr-FR" dirty="0"/>
@@ -6683,7 +6860,7 @@
             </a:r>
             <a:r>
               <a:rPr lang="fr-FR" dirty="0" smtClean="0"/>
-              <a:t>issues</a:t>
+              <a:t>défauts.</a:t>
             </a:r>
           </a:p>
           <a:p>
@@ -6699,7 +6876,7 @@
             </a:pPr>
             <a:r>
               <a:rPr lang="fr-FR" dirty="0" smtClean="0"/>
-              <a:t>On rejette l’hypothèse nulle. Les distributions ont une moyenne différente. Une F-value élevé ajoute comme information qu’il y a  des valeurs </a:t>
+              <a:t> On rejette l’hypothèse nulle. Les distributions ont une moyenne différente. Une F-value élevé ajoute comme information qu’il y a  des valeurs </a:t>
             </a:r>
             <a:r>
               <a:rPr lang="nl-BE" dirty="0" smtClean="0"/>
@@ -6923,7 +7100,7 @@
           <a:p>
             <a:r>
               <a:rPr lang="fr-FR" dirty="0" smtClean="0"/>
-              <a:t>Regarder si il possible de créer un modèle prédictif suivant :</a:t>
+              <a:t>Idée : regarder si il possible de créer un modèle suivant :</a:t>
             </a:r>
           </a:p>
           <a:p>
@@ -7197,6 +7374,13 @@
   <p:clrMapOvr>
     <a:masterClrMapping/>
   </p:clrMapOvr>
+  <p:timing>
+    <p:tnLst>
+      <p:par>
+        <p:cTn id="1" dur="indefinite" restart="never" nodeType="tmRoot"/>
+      </p:par>
+    </p:tnLst>
+  </p:timing>
 </p:sld>
 </file>
 
@@ -7758,17 +7942,29 @@
           <a:p>
             <a:r>
               <a:rPr lang="fr-FR" dirty="0" smtClean="0"/>
-              <a:t>Fiabilité du système de comptage des défauts.</a:t>
-            </a:r>
-          </a:p>
-          <a:p>
-            <a:r>
-              <a:rPr lang="fr-FR" dirty="0" smtClean="0"/>
-              <a:t>Taille </a:t>
-            </a:r>
-            <a:r>
-              <a:rPr lang="fr-FR" dirty="0" smtClean="0"/>
-              <a:t>de la classe calculer en fonction du nombre de méthode.</a:t>
+              <a:t>La fiabilité du système de comptage des défauts.</a:t>
+            </a:r>
+          </a:p>
+          <a:p>
+            <a:r>
+              <a:rPr lang="fr-FR" dirty="0" smtClean="0"/>
+              <a:t>La t</a:t>
+            </a:r>
+            <a:r>
+              <a:rPr lang="fr-FR" dirty="0" smtClean="0"/>
+              <a:t>aille </a:t>
+            </a:r>
+            <a:r>
+              <a:rPr lang="fr-FR" dirty="0" smtClean="0"/>
+              <a:t>de la classe </a:t>
+            </a:r>
+            <a:r>
+              <a:rPr lang="fr-FR" dirty="0" smtClean="0"/>
+              <a:t>est calculé </a:t>
+            </a:r>
+            <a:r>
+              <a:rPr lang="fr-FR" dirty="0" smtClean="0"/>
+              <a:t>en fonction du nombre de méthode.</a:t>
             </a:r>
           </a:p>
           <a:p>
@@ -8258,7 +8454,7 @@
             <a:pPr lvl="1"/>
             <a:r>
               <a:rPr lang="fr-FR" dirty="0" smtClean="0"/>
-              <a:t>Est-il possible d’estimer la valeur de score pour un certain nombre d’appel?</a:t>
+              <a:t>Est-il possible d’estimer la valeur de défauts pour un certain nombre d’appel?</a:t>
             </a:r>
           </a:p>
           <a:p>
@@ -8350,6 +8546,13 @@
   <p:clrMapOvr>
     <a:masterClrMapping/>
   </p:clrMapOvr>
+  <p:timing>
+    <p:tnLst>
+      <p:par>
+        <p:cTn id="1" dur="indefinite" restart="never" nodeType="tmRoot"/>
+      </p:par>
+    </p:tnLst>
+  </p:timing>
 </p:sld>
 </file>
 
@@ -8424,8 +8627,17 @@
             <a:pPr lvl="1"/>
             <a:r>
               <a:rPr lang="fr-FR" dirty="0" smtClean="0"/>
-              <a:t>Nombre d’appels à l’API</a:t>
-            </a:r>
+              <a:t>Nombre d’appels à </a:t>
+            </a:r>
+            <a:r>
+              <a:rPr lang="fr-FR" dirty="0" smtClean="0"/>
+              <a:t>l’API </a:t>
+            </a:r>
+            <a:r>
+              <a:rPr lang="nl-BE" dirty="0" smtClean="0"/>
+              <a:t>par classe</a:t>
+            </a:r>
+            <a:endParaRPr lang="fr-FR" dirty="0" smtClean="0"/>
           </a:p>
           <a:p>
             <a:r>
@@ -8437,7 +8649,7 @@
             <a:pPr lvl="1"/>
             <a:r>
               <a:rPr lang="fr-FR" dirty="0" smtClean="0"/>
-              <a:t>Défauts</a:t>
+              <a:t>Défauts par classe</a:t>
             </a:r>
             <a:endParaRPr lang="fr-FR" dirty="0" smtClean="0"/>
           </a:p>
@@ -8574,6 +8786,13 @@
   <p:clrMapOvr>
     <a:masterClrMapping/>
   </p:clrMapOvr>
+  <p:timing>
+    <p:tnLst>
+      <p:par>
+        <p:cTn id="1" dur="indefinite" restart="never" nodeType="tmRoot"/>
+      </p:par>
+    </p:tnLst>
+  </p:timing>
 </p:sld>
 </file>
 
@@ -8764,6 +8983,13 @@
   <p:clrMapOvr>
     <a:masterClrMapping/>
   </p:clrMapOvr>
+  <p:timing>
+    <p:tnLst>
+      <p:par>
+        <p:cTn id="1" dur="indefinite" restart="never" nodeType="tmRoot"/>
+      </p:par>
+    </p:tnLst>
+  </p:timing>
 </p:sld>
 </file>
 
@@ -9010,6 +9236,13 @@
   <p:clrMapOvr>
     <a:masterClrMapping/>
   </p:clrMapOvr>
+  <p:timing>
+    <p:tnLst>
+      <p:par>
+        <p:cTn id="1" dur="indefinite" restart="never" nodeType="tmRoot"/>
+      </p:par>
+    </p:tnLst>
+  </p:timing>
 </p:sld>
 </file>
 
@@ -9368,7 +9601,15 @@
           <a:p>
             <a:r>
               <a:rPr lang="fr-FR" dirty="0" smtClean="0"/>
-              <a:t>On donne la priorité aux applications avec des « </a:t>
+              <a:t>On donne la priorité aux applications avec </a:t>
+            </a:r>
+            <a:r>
+              <a:rPr lang="fr-FR" dirty="0" smtClean="0"/>
+              <a:t>beaucoup de «</a:t>
+            </a:r>
+            <a:r>
+              <a:rPr lang="fr-FR" dirty="0" smtClean="0"/>
+              <a:t> </a:t>
             </a:r>
             <a:r>
               <a:rPr lang="fr-FR" dirty="0" smtClean="0"/>
@@ -9376,13 +9617,12 @@
             </a:r>
             <a:r>
               <a:rPr lang="fr-FR" dirty="0" smtClean="0"/>
-              <a:t> » bien répertorié et beaucoup de </a:t>
-            </a:r>
-            <a:r>
-              <a:rPr lang="fr-FR" dirty="0" err="1" smtClean="0"/>
-              <a:t>commits</a:t>
-            </a:r>
-            <a:endParaRPr lang="fr-FR" dirty="0"/>
+              <a:t> » </a:t>
+            </a:r>
+            <a:r>
+              <a:rPr lang="fr-FR" dirty="0" smtClean="0"/>
+              <a:t>.</a:t>
+            </a:r>
           </a:p>
           <a:p>
             <a:pPr lvl="1"/>
@@ -9701,6 +9941,13 @@
             </a:r>
           </a:p>
           <a:p>
+            <a:endParaRPr lang="fr-FR" dirty="0" smtClean="0"/>
+          </a:p>
+          <a:p>
+            <a:r>
+              <a:rPr lang="fr-FR" dirty="0" smtClean="0"/>
+              <a:t>Exemple</a:t>
+            </a:r>
             <a:endParaRPr lang="fr-FR" dirty="0"/>
           </a:p>
           <a:p>
@@ -9730,7 +9977,7 @@
         </p:blipFill>
         <p:spPr>
           <a:xfrm>
-            <a:off x="1097280" y="4216399"/>
+            <a:off x="1097280" y="4698615"/>
             <a:ext cx="10058400" cy="1170479"/>
           </a:xfrm>
           <a:prstGeom prst="rect">
